--- a/weekly-material/Week1/Lec1/01-overview.pptx
+++ b/weekly-material/Week1/Lec1/01-overview.pptx
@@ -35,21 +35,22 @@
     <p:sldId id="278" r:id="rId31"/>
     <p:sldId id="279" r:id="rId32"/>
     <p:sldId id="280" r:id="rId33"/>
+    <p:sldId id="281" r:id="rId34"/>
   </p:sldIdLst>
   <p:sldSz cy="6858000" cx="9144000"/>
   <p:notesSz cx="6858000" cy="9144000"/>
   <p:embeddedFontLst>
     <p:embeddedFont>
       <p:font typeface="Arial Narrow"/>
-      <p:regular r:id="rId34"/>
-      <p:bold r:id="rId35"/>
-      <p:italic r:id="rId36"/>
-      <p:boldItalic r:id="rId37"/>
+      <p:regular r:id="rId35"/>
+      <p:bold r:id="rId36"/>
+      <p:italic r:id="rId37"/>
+      <p:boldItalic r:id="rId38"/>
     </p:embeddedFont>
     <p:embeddedFont>
       <p:font typeface="Gill Sans"/>
-      <p:regular r:id="rId38"/>
-      <p:bold r:id="rId39"/>
+      <p:regular r:id="rId39"/>
+      <p:bold r:id="rId40"/>
     </p:embeddedFont>
   </p:embeddedFontLst>
   <p:defaultTextStyle>
@@ -311,7 +312,7 @@
       </p15:notesGuideLst>
     </p:ext>
     <p:ext uri="http://customooxmlschemas.google.com/">
-      <go:slidesCustomData xmlns:go="http://customooxmlschemas.google.com/" r:id="rId40" roundtripDataSignature="AMtx7miUrYKB+rdOarXZ6R5frZjSelzfXg=="/>
+      <go:slidesCustomData xmlns:go="http://customooxmlschemas.google.com/" r:id="rId41" roundtripDataSignature="AMtx7micl3PouEUc4Scs1aKTyN4CNFNQLA=="/>
     </p:ext>
   </p:extLst>
 </p:presentation>
@@ -1007,7 +1008,7 @@
   <p:cSld>
     <p:spTree>
       <p:nvGrpSpPr>
-        <p:cNvPr id="204" name="Shape 204"/>
+        <p:cNvPr id="203" name="Shape 203"/>
         <p:cNvGrpSpPr/>
         <p:nvPr/>
       </p:nvGrpSpPr>
@@ -1021,7 +1022,7 @@
       </p:grpSpPr>
       <p:sp>
         <p:nvSpPr>
-          <p:cNvPr id="205" name="Google Shape;205;p9:notes"/>
+          <p:cNvPr id="204" name="Google Shape;204;p8:notes"/>
           <p:cNvSpPr txBox="1"/>
           <p:nvPr>
             <p:ph idx="1" type="body"/>
@@ -1068,7 +1069,7 @@
       </p:sp>
       <p:sp>
         <p:nvSpPr>
-          <p:cNvPr id="206" name="Google Shape;206;p9:notes"/>
+          <p:cNvPr id="205" name="Google Shape;205;p8:notes"/>
           <p:cNvSpPr/>
           <p:nvPr>
             <p:ph idx="2" type="sldImg"/>
@@ -1124,7 +1125,7 @@
   <p:cSld>
     <p:spTree>
       <p:nvGrpSpPr>
-        <p:cNvPr id="219" name="Shape 219"/>
+        <p:cNvPr id="213" name="Shape 213"/>
         <p:cNvGrpSpPr/>
         <p:nvPr/>
       </p:nvGrpSpPr>
@@ -1138,7 +1139,7 @@
       </p:grpSpPr>
       <p:sp>
         <p:nvSpPr>
-          <p:cNvPr id="220" name="Google Shape;220;p10:notes"/>
+          <p:cNvPr id="214" name="Google Shape;214;p9:notes"/>
           <p:cNvSpPr txBox="1"/>
           <p:nvPr>
             <p:ph idx="1" type="body"/>
@@ -1185,7 +1186,7 @@
       </p:sp>
       <p:sp>
         <p:nvSpPr>
-          <p:cNvPr id="221" name="Google Shape;221;p10:notes"/>
+          <p:cNvPr id="215" name="Google Shape;215;p9:notes"/>
           <p:cNvSpPr/>
           <p:nvPr>
             <p:ph idx="2" type="sldImg"/>
@@ -1241,7 +1242,7 @@
   <p:cSld>
     <p:spTree>
       <p:nvGrpSpPr>
-        <p:cNvPr id="227" name="Shape 227"/>
+        <p:cNvPr id="228" name="Shape 228"/>
         <p:cNvGrpSpPr/>
         <p:nvPr/>
       </p:nvGrpSpPr>
@@ -1255,7 +1256,7 @@
       </p:grpSpPr>
       <p:sp>
         <p:nvSpPr>
-          <p:cNvPr id="228" name="Google Shape;228;p11:notes"/>
+          <p:cNvPr id="229" name="Google Shape;229;p10:notes"/>
           <p:cNvSpPr txBox="1"/>
           <p:nvPr>
             <p:ph idx="1" type="body"/>
@@ -1302,7 +1303,7 @@
       </p:sp>
       <p:sp>
         <p:nvSpPr>
-          <p:cNvPr id="229" name="Google Shape;229;p11:notes"/>
+          <p:cNvPr id="230" name="Google Shape;230;p10:notes"/>
           <p:cNvSpPr/>
           <p:nvPr>
             <p:ph idx="2" type="sldImg"/>
@@ -1358,7 +1359,7 @@
   <p:cSld>
     <p:spTree>
       <p:nvGrpSpPr>
-        <p:cNvPr id="235" name="Shape 235"/>
+        <p:cNvPr id="236" name="Shape 236"/>
         <p:cNvGrpSpPr/>
         <p:nvPr/>
       </p:nvGrpSpPr>
@@ -1372,7 +1373,7 @@
       </p:grpSpPr>
       <p:sp>
         <p:nvSpPr>
-          <p:cNvPr id="236" name="Google Shape;236;p12:notes"/>
+          <p:cNvPr id="237" name="Google Shape;237;p11:notes"/>
           <p:cNvSpPr txBox="1"/>
           <p:nvPr>
             <p:ph idx="1" type="body"/>
@@ -1419,7 +1420,7 @@
       </p:sp>
       <p:sp>
         <p:nvSpPr>
-          <p:cNvPr id="237" name="Google Shape;237;p12:notes"/>
+          <p:cNvPr id="238" name="Google Shape;238;p11:notes"/>
           <p:cNvSpPr/>
           <p:nvPr>
             <p:ph idx="2" type="sldImg"/>
@@ -1475,7 +1476,7 @@
   <p:cSld>
     <p:spTree>
       <p:nvGrpSpPr>
-        <p:cNvPr id="252" name="Shape 252"/>
+        <p:cNvPr id="244" name="Shape 244"/>
         <p:cNvGrpSpPr/>
         <p:nvPr/>
       </p:nvGrpSpPr>
@@ -1489,7 +1490,7 @@
       </p:grpSpPr>
       <p:sp>
         <p:nvSpPr>
-          <p:cNvPr id="253" name="Google Shape;253;p14:notes"/>
+          <p:cNvPr id="245" name="Google Shape;245;p12:notes"/>
           <p:cNvSpPr txBox="1"/>
           <p:nvPr>
             <p:ph idx="1" type="body"/>
@@ -1536,7 +1537,7 @@
       </p:sp>
       <p:sp>
         <p:nvSpPr>
-          <p:cNvPr id="254" name="Google Shape;254;p14:notes"/>
+          <p:cNvPr id="246" name="Google Shape;246;p12:notes"/>
           <p:cNvSpPr/>
           <p:nvPr>
             <p:ph idx="2" type="sldImg"/>
@@ -1592,7 +1593,7 @@
   <p:cSld>
     <p:spTree>
       <p:nvGrpSpPr>
-        <p:cNvPr id="260" name="Shape 260"/>
+        <p:cNvPr id="261" name="Shape 261"/>
         <p:cNvGrpSpPr/>
         <p:nvPr/>
       </p:nvGrpSpPr>
@@ -1606,7 +1607,7 @@
       </p:grpSpPr>
       <p:sp>
         <p:nvSpPr>
-          <p:cNvPr id="261" name="Google Shape;261;p15:notes"/>
+          <p:cNvPr id="262" name="Google Shape;262;p14:notes"/>
           <p:cNvSpPr txBox="1"/>
           <p:nvPr>
             <p:ph idx="1" type="body"/>
@@ -1653,7 +1654,7 @@
       </p:sp>
       <p:sp>
         <p:nvSpPr>
-          <p:cNvPr id="262" name="Google Shape;262;p15:notes"/>
+          <p:cNvPr id="263" name="Google Shape;263;p14:notes"/>
           <p:cNvSpPr/>
           <p:nvPr>
             <p:ph idx="2" type="sldImg"/>
@@ -1709,7 +1710,7 @@
   <p:cSld>
     <p:spTree>
       <p:nvGrpSpPr>
-        <p:cNvPr id="268" name="Shape 268"/>
+        <p:cNvPr id="269" name="Shape 269"/>
         <p:cNvGrpSpPr/>
         <p:nvPr/>
       </p:nvGrpSpPr>
@@ -1723,7 +1724,7 @@
       </p:grpSpPr>
       <p:sp>
         <p:nvSpPr>
-          <p:cNvPr id="269" name="Google Shape;269;p16:notes"/>
+          <p:cNvPr id="270" name="Google Shape;270;p15:notes"/>
           <p:cNvSpPr txBox="1"/>
           <p:nvPr>
             <p:ph idx="1" type="body"/>
@@ -1770,7 +1771,7 @@
       </p:sp>
       <p:sp>
         <p:nvSpPr>
-          <p:cNvPr id="270" name="Google Shape;270;p16:notes"/>
+          <p:cNvPr id="271" name="Google Shape;271;p15:notes"/>
           <p:cNvSpPr/>
           <p:nvPr>
             <p:ph idx="2" type="sldImg"/>
@@ -1826,7 +1827,7 @@
   <p:cSld>
     <p:spTree>
       <p:nvGrpSpPr>
-        <p:cNvPr id="276" name="Shape 276"/>
+        <p:cNvPr id="277" name="Shape 277"/>
         <p:cNvGrpSpPr/>
         <p:nvPr/>
       </p:nvGrpSpPr>
@@ -1840,7 +1841,7 @@
       </p:grpSpPr>
       <p:sp>
         <p:nvSpPr>
-          <p:cNvPr id="277" name="Google Shape;277;p21:notes"/>
+          <p:cNvPr id="278" name="Google Shape;278;p16:notes"/>
           <p:cNvSpPr txBox="1"/>
           <p:nvPr>
             <p:ph idx="1" type="body"/>
@@ -1887,7 +1888,7 @@
       </p:sp>
       <p:sp>
         <p:nvSpPr>
-          <p:cNvPr id="278" name="Google Shape;278;p21:notes"/>
+          <p:cNvPr id="279" name="Google Shape;279;p16:notes"/>
           <p:cNvSpPr/>
           <p:nvPr>
             <p:ph idx="2" type="sldImg"/>
@@ -1943,7 +1944,7 @@
   <p:cSld>
     <p:spTree>
       <p:nvGrpSpPr>
-        <p:cNvPr id="284" name="Shape 284"/>
+        <p:cNvPr id="285" name="Shape 285"/>
         <p:cNvGrpSpPr/>
         <p:nvPr/>
       </p:nvGrpSpPr>
@@ -1957,7 +1958,7 @@
       </p:grpSpPr>
       <p:sp>
         <p:nvSpPr>
-          <p:cNvPr id="285" name="Google Shape;285;p22:notes"/>
+          <p:cNvPr id="286" name="Google Shape;286;p21:notes"/>
           <p:cNvSpPr txBox="1"/>
           <p:nvPr>
             <p:ph idx="1" type="body"/>
@@ -2004,7 +2005,7 @@
       </p:sp>
       <p:sp>
         <p:nvSpPr>
-          <p:cNvPr id="286" name="Google Shape;286;p22:notes"/>
+          <p:cNvPr id="287" name="Google Shape;287;p21:notes"/>
           <p:cNvSpPr/>
           <p:nvPr>
             <p:ph idx="2" type="sldImg"/>
@@ -2060,7 +2061,7 @@
   <p:cSld>
     <p:spTree>
       <p:nvGrpSpPr>
-        <p:cNvPr id="292" name="Shape 292"/>
+        <p:cNvPr id="293" name="Shape 293"/>
         <p:cNvGrpSpPr/>
         <p:nvPr/>
       </p:nvGrpSpPr>
@@ -2074,7 +2075,7 @@
       </p:grpSpPr>
       <p:sp>
         <p:nvSpPr>
-          <p:cNvPr id="293" name="Google Shape;293;p30:notes"/>
+          <p:cNvPr id="294" name="Google Shape;294;p22:notes"/>
           <p:cNvSpPr txBox="1"/>
           <p:nvPr>
             <p:ph idx="1" type="body"/>
@@ -2121,7 +2122,7 @@
       </p:sp>
       <p:sp>
         <p:nvSpPr>
-          <p:cNvPr id="294" name="Google Shape;294;p30:notes"/>
+          <p:cNvPr id="295" name="Google Shape;295;p22:notes"/>
           <p:cNvSpPr/>
           <p:nvPr>
             <p:ph idx="2" type="sldImg"/>
@@ -2294,7 +2295,7 @@
   <p:cSld>
     <p:spTree>
       <p:nvGrpSpPr>
-        <p:cNvPr id="300" name="Shape 300"/>
+        <p:cNvPr id="301" name="Shape 301"/>
         <p:cNvGrpSpPr/>
         <p:nvPr/>
       </p:nvGrpSpPr>
@@ -2308,7 +2309,7 @@
       </p:grpSpPr>
       <p:sp>
         <p:nvSpPr>
-          <p:cNvPr id="301" name="Google Shape;301;p31:notes"/>
+          <p:cNvPr id="302" name="Google Shape;302;p30:notes"/>
           <p:cNvSpPr txBox="1"/>
           <p:nvPr>
             <p:ph idx="1" type="body"/>
@@ -2355,7 +2356,7 @@
       </p:sp>
       <p:sp>
         <p:nvSpPr>
-          <p:cNvPr id="302" name="Google Shape;302;p31:notes"/>
+          <p:cNvPr id="303" name="Google Shape;303;p30:notes"/>
           <p:cNvSpPr/>
           <p:nvPr>
             <p:ph idx="2" type="sldImg"/>
@@ -2411,7 +2412,7 @@
   <p:cSld>
     <p:spTree>
       <p:nvGrpSpPr>
-        <p:cNvPr id="308" name="Shape 308"/>
+        <p:cNvPr id="309" name="Shape 309"/>
         <p:cNvGrpSpPr/>
         <p:nvPr/>
       </p:nvGrpSpPr>
@@ -2425,7 +2426,7 @@
       </p:grpSpPr>
       <p:sp>
         <p:nvSpPr>
-          <p:cNvPr id="309" name="Google Shape;309;p32:notes"/>
+          <p:cNvPr id="310" name="Google Shape;310;p31:notes"/>
           <p:cNvSpPr txBox="1"/>
           <p:nvPr>
             <p:ph idx="1" type="body"/>
@@ -2472,7 +2473,7 @@
       </p:sp>
       <p:sp>
         <p:nvSpPr>
-          <p:cNvPr id="310" name="Google Shape;310;p32:notes"/>
+          <p:cNvPr id="311" name="Google Shape;311;p31:notes"/>
           <p:cNvSpPr/>
           <p:nvPr>
             <p:ph idx="2" type="sldImg"/>
@@ -2528,7 +2529,7 @@
   <p:cSld>
     <p:spTree>
       <p:nvGrpSpPr>
-        <p:cNvPr id="316" name="Shape 316"/>
+        <p:cNvPr id="317" name="Shape 317"/>
         <p:cNvGrpSpPr/>
         <p:nvPr/>
       </p:nvGrpSpPr>
@@ -2542,7 +2543,7 @@
       </p:grpSpPr>
       <p:sp>
         <p:nvSpPr>
-          <p:cNvPr id="317" name="Google Shape;317;p33:notes"/>
+          <p:cNvPr id="318" name="Google Shape;318;p32:notes"/>
           <p:cNvSpPr txBox="1"/>
           <p:nvPr>
             <p:ph idx="1" type="body"/>
@@ -2589,7 +2590,7 @@
       </p:sp>
       <p:sp>
         <p:nvSpPr>
-          <p:cNvPr id="318" name="Google Shape;318;p33:notes"/>
+          <p:cNvPr id="319" name="Google Shape;319;p32:notes"/>
           <p:cNvSpPr/>
           <p:nvPr>
             <p:ph idx="2" type="sldImg"/>
@@ -2645,7 +2646,7 @@
   <p:cSld>
     <p:spTree>
       <p:nvGrpSpPr>
-        <p:cNvPr id="324" name="Shape 324"/>
+        <p:cNvPr id="325" name="Shape 325"/>
         <p:cNvGrpSpPr/>
         <p:nvPr/>
       </p:nvGrpSpPr>
@@ -2659,7 +2660,7 @@
       </p:grpSpPr>
       <p:sp>
         <p:nvSpPr>
-          <p:cNvPr id="325" name="Google Shape;325;p34:notes"/>
+          <p:cNvPr id="326" name="Google Shape;326;p33:notes"/>
           <p:cNvSpPr txBox="1"/>
           <p:nvPr>
             <p:ph idx="1" type="body"/>
@@ -2706,7 +2707,7 @@
       </p:sp>
       <p:sp>
         <p:nvSpPr>
-          <p:cNvPr id="326" name="Google Shape;326;p34:notes"/>
+          <p:cNvPr id="327" name="Google Shape;327;p33:notes"/>
           <p:cNvSpPr/>
           <p:nvPr>
             <p:ph idx="2" type="sldImg"/>
@@ -2762,7 +2763,7 @@
   <p:cSld>
     <p:spTree>
       <p:nvGrpSpPr>
-        <p:cNvPr id="332" name="Shape 332"/>
+        <p:cNvPr id="333" name="Shape 333"/>
         <p:cNvGrpSpPr/>
         <p:nvPr/>
       </p:nvGrpSpPr>
@@ -2776,7 +2777,7 @@
       </p:grpSpPr>
       <p:sp>
         <p:nvSpPr>
-          <p:cNvPr id="333" name="Google Shape;333;p35:notes"/>
+          <p:cNvPr id="334" name="Google Shape;334;p34:notes"/>
           <p:cNvSpPr txBox="1"/>
           <p:nvPr>
             <p:ph idx="1" type="body"/>
@@ -2823,7 +2824,7 @@
       </p:sp>
       <p:sp>
         <p:nvSpPr>
-          <p:cNvPr id="334" name="Google Shape;334;p35:notes"/>
+          <p:cNvPr id="335" name="Google Shape;335;p34:notes"/>
           <p:cNvSpPr/>
           <p:nvPr>
             <p:ph idx="2" type="sldImg"/>
@@ -2879,7 +2880,7 @@
   <p:cSld>
     <p:spTree>
       <p:nvGrpSpPr>
-        <p:cNvPr id="340" name="Shape 340"/>
+        <p:cNvPr id="341" name="Shape 341"/>
         <p:cNvGrpSpPr/>
         <p:nvPr/>
       </p:nvGrpSpPr>
@@ -2893,7 +2894,7 @@
       </p:grpSpPr>
       <p:sp>
         <p:nvSpPr>
-          <p:cNvPr id="341" name="Google Shape;341;p39:notes"/>
+          <p:cNvPr id="342" name="Google Shape;342;p35:notes"/>
           <p:cNvSpPr txBox="1"/>
           <p:nvPr>
             <p:ph idx="1" type="body"/>
@@ -2940,7 +2941,124 @@
       </p:sp>
       <p:sp>
         <p:nvSpPr>
-          <p:cNvPr id="342" name="Google Shape;342;p39:notes"/>
+          <p:cNvPr id="343" name="Google Shape;343;p35:notes"/>
+          <p:cNvSpPr/>
+          <p:nvPr>
+            <p:ph idx="2" type="sldImg"/>
+          </p:nvPr>
+        </p:nvSpPr>
+        <p:spPr>
+          <a:xfrm>
+            <a:off x="1143000" y="685800"/>
+            <a:ext cx="4572000" cy="3429000"/>
+          </a:xfrm>
+          <a:custGeom>
+            <a:rect b="b" l="l" r="r" t="t"/>
+            <a:pathLst>
+              <a:path extrusionOk="0" h="120000" w="120000">
+                <a:moveTo>
+                  <a:pt x="0" y="0"/>
+                </a:moveTo>
+                <a:lnTo>
+                  <a:pt x="120000" y="0"/>
+                </a:lnTo>
+                <a:lnTo>
+                  <a:pt x="120000" y="120000"/>
+                </a:lnTo>
+                <a:lnTo>
+                  <a:pt x="0" y="120000"/>
+                </a:lnTo>
+                <a:close/>
+              </a:path>
+            </a:pathLst>
+          </a:custGeom>
+          <a:noFill/>
+          <a:ln cap="flat" cmpd="sng" w="9525">
+            <a:solidFill>
+              <a:srgbClr val="000000"/>
+            </a:solidFill>
+            <a:prstDash val="solid"/>
+            <a:miter lim="800000"/>
+            <a:headEnd len="sm" w="sm" type="none"/>
+            <a:tailEnd len="sm" w="sm" type="none"/>
+          </a:ln>
+        </p:spPr>
+      </p:sp>
+    </p:spTree>
+  </p:cSld>
+  <p:clrMapOvr>
+    <a:masterClrMapping/>
+  </p:clrMapOvr>
+</p:notes>
+</file>
+
+<file path=ppt/notesSlides/notesSlide26.xml><?xml version="1.0" encoding="utf-8"?>
+<p:notes xmlns:a="http://schemas.openxmlformats.org/drawingml/2006/main" xmlns:r="http://schemas.openxmlformats.org/officeDocument/2006/relationships" xmlns:mc="http://schemas.openxmlformats.org/markup-compatibility/2006" xmlns:mv="urn:schemas-microsoft-com:mac:vml" xmlns:p="http://schemas.openxmlformats.org/presentationml/2006/main" xmlns:c="http://schemas.openxmlformats.org/drawingml/2006/chart" xmlns:dgm="http://schemas.openxmlformats.org/drawingml/2006/diagram" xmlns:o="urn:schemas-microsoft-com:office:office" xmlns:v="urn:schemas-microsoft-com:vml" xmlns:pvml="urn:schemas-microsoft-com:office:powerpoint" xmlns:com="http://schemas.openxmlformats.org/drawingml/2006/compatibility" xmlns:p14="http://schemas.microsoft.com/office/powerpoint/2010/main" xmlns:p15="http://schemas.microsoft.com/office/powerpoint/2012/main" xmlns:ahyp="http://schemas.microsoft.com/office/drawing/2018/hyperlinkcolor" showMasterPhAnim="0" showMasterSp="0">
+  <p:cSld>
+    <p:spTree>
+      <p:nvGrpSpPr>
+        <p:cNvPr id="349" name="Shape 349"/>
+        <p:cNvGrpSpPr/>
+        <p:nvPr/>
+      </p:nvGrpSpPr>
+      <p:grpSpPr>
+        <a:xfrm>
+          <a:off x="0" y="0"/>
+          <a:ext cx="0" cy="0"/>
+          <a:chOff x="0" y="0"/>
+          <a:chExt cx="0" cy="0"/>
+        </a:xfrm>
+      </p:grpSpPr>
+      <p:sp>
+        <p:nvSpPr>
+          <p:cNvPr id="350" name="Google Shape;350;p39:notes"/>
+          <p:cNvSpPr txBox="1"/>
+          <p:nvPr>
+            <p:ph idx="1" type="body"/>
+          </p:nvPr>
+        </p:nvSpPr>
+        <p:spPr>
+          <a:xfrm>
+            <a:off x="685800" y="4343400"/>
+            <a:ext cx="5486400" cy="4114800"/>
+          </a:xfrm>
+          <a:prstGeom prst="rect">
+            <a:avLst/>
+          </a:prstGeom>
+          <a:noFill/>
+          <a:ln>
+            <a:noFill/>
+          </a:ln>
+        </p:spPr>
+        <p:txBody>
+          <a:bodyPr anchorCtr="0" anchor="t" bIns="45700" lIns="91425" spcFirstLastPara="1" rIns="91425" wrap="square" tIns="45700">
+            <a:noAutofit/>
+          </a:bodyPr>
+          <a:lstStyle/>
+          <a:p>
+            <a:pPr indent="0" lvl="0" marL="0" rtl="0" algn="l">
+              <a:lnSpc>
+                <a:spcPct val="100000"/>
+              </a:lnSpc>
+              <a:spcBef>
+                <a:spcPts val="0"/>
+              </a:spcBef>
+              <a:spcAft>
+                <a:spcPts val="0"/>
+              </a:spcAft>
+              <a:buSzPts val="1400"/>
+              <a:buNone/>
+            </a:pPr>
+            <a:r>
+              <a:t/>
+            </a:r>
+            <a:endParaRPr/>
+          </a:p>
+        </p:txBody>
+      </p:sp>
+      <p:sp>
+        <p:nvSpPr>
+          <p:cNvPr id="351" name="Google Shape;351;p39:notes"/>
           <p:cNvSpPr/>
           <p:nvPr>
             <p:ph idx="2" type="sldImg"/>
@@ -3127,54 +3245,7 @@
       </p:grpSpPr>
       <p:sp>
         <p:nvSpPr>
-          <p:cNvPr id="153" name="Google Shape;153;p3:notes"/>
-          <p:cNvSpPr txBox="1"/>
-          <p:nvPr>
-            <p:ph idx="1" type="body"/>
-          </p:nvPr>
-        </p:nvSpPr>
-        <p:spPr>
-          <a:xfrm>
-            <a:off x="685800" y="4343400"/>
-            <a:ext cx="5486400" cy="4114800"/>
-          </a:xfrm>
-          <a:prstGeom prst="rect">
-            <a:avLst/>
-          </a:prstGeom>
-          <a:noFill/>
-          <a:ln>
-            <a:noFill/>
-          </a:ln>
-        </p:spPr>
-        <p:txBody>
-          <a:bodyPr anchorCtr="0" anchor="t" bIns="45700" lIns="91425" spcFirstLastPara="1" rIns="91425" wrap="square" tIns="45700">
-            <a:noAutofit/>
-          </a:bodyPr>
-          <a:lstStyle/>
-          <a:p>
-            <a:pPr indent="0" lvl="0" marL="0" rtl="0" algn="l">
-              <a:lnSpc>
-                <a:spcPct val="100000"/>
-              </a:lnSpc>
-              <a:spcBef>
-                <a:spcPts val="0"/>
-              </a:spcBef>
-              <a:spcAft>
-                <a:spcPts val="0"/>
-              </a:spcAft>
-              <a:buSzPts val="1400"/>
-              <a:buNone/>
-            </a:pPr>
-            <a:r>
-              <a:t/>
-            </a:r>
-            <a:endParaRPr/>
-          </a:p>
-        </p:txBody>
-      </p:sp>
-      <p:sp>
-        <p:nvSpPr>
-          <p:cNvPr id="154" name="Google Shape;154;p3:notes"/>
+          <p:cNvPr id="153" name="Google Shape;153;g215f0423364_0_10:notes"/>
           <p:cNvSpPr/>
           <p:nvPr>
             <p:ph idx="2" type="sldImg"/>
@@ -3217,34 +3288,9 @@
           </a:ln>
         </p:spPr>
       </p:sp>
-    </p:spTree>
-  </p:cSld>
-  <p:clrMapOvr>
-    <a:masterClrMapping/>
-  </p:clrMapOvr>
-</p:notes>
-</file>
-
-<file path=ppt/notesSlides/notesSlide5.xml><?xml version="1.0" encoding="utf-8"?>
-<p:notes xmlns:a="http://schemas.openxmlformats.org/drawingml/2006/main" xmlns:r="http://schemas.openxmlformats.org/officeDocument/2006/relationships" xmlns:mc="http://schemas.openxmlformats.org/markup-compatibility/2006" xmlns:mv="urn:schemas-microsoft-com:mac:vml" xmlns:p="http://schemas.openxmlformats.org/presentationml/2006/main" xmlns:c="http://schemas.openxmlformats.org/drawingml/2006/chart" xmlns:dgm="http://schemas.openxmlformats.org/drawingml/2006/diagram" xmlns:o="urn:schemas-microsoft-com:office:office" xmlns:v="urn:schemas-microsoft-com:vml" xmlns:pvml="urn:schemas-microsoft-com:office:powerpoint" xmlns:com="http://schemas.openxmlformats.org/drawingml/2006/compatibility" xmlns:p14="http://schemas.microsoft.com/office/powerpoint/2010/main" xmlns:p15="http://schemas.microsoft.com/office/powerpoint/2012/main" xmlns:ahyp="http://schemas.microsoft.com/office/drawing/2018/hyperlinkcolor" showMasterPhAnim="0" showMasterSp="0">
-  <p:cSld>
-    <p:spTree>
-      <p:nvGrpSpPr>
-        <p:cNvPr id="160" name="Shape 160"/>
-        <p:cNvGrpSpPr/>
-        <p:nvPr/>
-      </p:nvGrpSpPr>
-      <p:grpSpPr>
-        <a:xfrm>
-          <a:off x="0" y="0"/>
-          <a:ext cx="0" cy="0"/>
-          <a:chOff x="0" y="0"/>
-          <a:chExt cx="0" cy="0"/>
-        </a:xfrm>
-      </p:grpSpPr>
       <p:sp>
         <p:nvSpPr>
-          <p:cNvPr id="161" name="Google Shape;161;p4:notes"/>
+          <p:cNvPr id="154" name="Google Shape;154;g215f0423364_0_10:notes"/>
           <p:cNvSpPr txBox="1"/>
           <p:nvPr>
             <p:ph idx="1" type="body"/>
@@ -3289,9 +3335,81 @@
           </a:p>
         </p:txBody>
       </p:sp>
+    </p:spTree>
+  </p:cSld>
+  <p:clrMapOvr>
+    <a:masterClrMapping/>
+  </p:clrMapOvr>
+</p:notes>
+</file>
+
+<file path=ppt/notesSlides/notesSlide5.xml><?xml version="1.0" encoding="utf-8"?>
+<p:notes xmlns:a="http://schemas.openxmlformats.org/drawingml/2006/main" xmlns:r="http://schemas.openxmlformats.org/officeDocument/2006/relationships" xmlns:mc="http://schemas.openxmlformats.org/markup-compatibility/2006" xmlns:mv="urn:schemas-microsoft-com:mac:vml" xmlns:p="http://schemas.openxmlformats.org/presentationml/2006/main" xmlns:c="http://schemas.openxmlformats.org/drawingml/2006/chart" xmlns:dgm="http://schemas.openxmlformats.org/drawingml/2006/diagram" xmlns:o="urn:schemas-microsoft-com:office:office" xmlns:v="urn:schemas-microsoft-com:vml" xmlns:pvml="urn:schemas-microsoft-com:office:powerpoint" xmlns:com="http://schemas.openxmlformats.org/drawingml/2006/compatibility" xmlns:p14="http://schemas.microsoft.com/office/powerpoint/2010/main" xmlns:p15="http://schemas.microsoft.com/office/powerpoint/2012/main" xmlns:ahyp="http://schemas.microsoft.com/office/drawing/2018/hyperlinkcolor" showMasterPhAnim="0" showMasterSp="0">
+  <p:cSld>
+    <p:spTree>
+      <p:nvGrpSpPr>
+        <p:cNvPr id="161" name="Shape 161"/>
+        <p:cNvGrpSpPr/>
+        <p:nvPr/>
+      </p:nvGrpSpPr>
+      <p:grpSpPr>
+        <a:xfrm>
+          <a:off x="0" y="0"/>
+          <a:ext cx="0" cy="0"/>
+          <a:chOff x="0" y="0"/>
+          <a:chExt cx="0" cy="0"/>
+        </a:xfrm>
+      </p:grpSpPr>
       <p:sp>
         <p:nvSpPr>
-          <p:cNvPr id="162" name="Google Shape;162;p4:notes"/>
+          <p:cNvPr id="162" name="Google Shape;162;p3:notes"/>
+          <p:cNvSpPr txBox="1"/>
+          <p:nvPr>
+            <p:ph idx="1" type="body"/>
+          </p:nvPr>
+        </p:nvSpPr>
+        <p:spPr>
+          <a:xfrm>
+            <a:off x="685800" y="4343400"/>
+            <a:ext cx="5486400" cy="4114800"/>
+          </a:xfrm>
+          <a:prstGeom prst="rect">
+            <a:avLst/>
+          </a:prstGeom>
+          <a:noFill/>
+          <a:ln>
+            <a:noFill/>
+          </a:ln>
+        </p:spPr>
+        <p:txBody>
+          <a:bodyPr anchorCtr="0" anchor="t" bIns="45700" lIns="91425" spcFirstLastPara="1" rIns="91425" wrap="square" tIns="45700">
+            <a:noAutofit/>
+          </a:bodyPr>
+          <a:lstStyle/>
+          <a:p>
+            <a:pPr indent="0" lvl="0" marL="0" rtl="0" algn="l">
+              <a:lnSpc>
+                <a:spcPct val="100000"/>
+              </a:lnSpc>
+              <a:spcBef>
+                <a:spcPts val="0"/>
+              </a:spcBef>
+              <a:spcAft>
+                <a:spcPts val="0"/>
+              </a:spcAft>
+              <a:buSzPts val="1400"/>
+              <a:buNone/>
+            </a:pPr>
+            <a:r>
+              <a:t/>
+            </a:r>
+            <a:endParaRPr/>
+          </a:p>
+        </p:txBody>
+      </p:sp>
+      <p:sp>
+        <p:nvSpPr>
+          <p:cNvPr id="163" name="Google Shape;163;p3:notes"/>
           <p:cNvSpPr/>
           <p:nvPr>
             <p:ph idx="2" type="sldImg"/>
@@ -3347,7 +3465,7 @@
   <p:cSld>
     <p:spTree>
       <p:nvGrpSpPr>
-        <p:cNvPr id="170" name="Shape 170"/>
+        <p:cNvPr id="169" name="Shape 169"/>
         <p:cNvGrpSpPr/>
         <p:nvPr/>
       </p:nvGrpSpPr>
@@ -3361,7 +3479,7 @@
       </p:grpSpPr>
       <p:sp>
         <p:nvSpPr>
-          <p:cNvPr id="171" name="Google Shape;171;p5:notes"/>
+          <p:cNvPr id="170" name="Google Shape;170;p4:notes"/>
           <p:cNvSpPr txBox="1"/>
           <p:nvPr>
             <p:ph idx="1" type="body"/>
@@ -3408,7 +3526,7 @@
       </p:sp>
       <p:sp>
         <p:nvSpPr>
-          <p:cNvPr id="172" name="Google Shape;172;p5:notes"/>
+          <p:cNvPr id="171" name="Google Shape;171;p4:notes"/>
           <p:cNvSpPr/>
           <p:nvPr>
             <p:ph idx="2" type="sldImg"/>
@@ -3464,7 +3582,7 @@
   <p:cSld>
     <p:spTree>
       <p:nvGrpSpPr>
-        <p:cNvPr id="178" name="Shape 178"/>
+        <p:cNvPr id="179" name="Shape 179"/>
         <p:cNvGrpSpPr/>
         <p:nvPr/>
       </p:nvGrpSpPr>
@@ -3478,7 +3596,7 @@
       </p:grpSpPr>
       <p:sp>
         <p:nvSpPr>
-          <p:cNvPr id="179" name="Google Shape;179;p6:notes"/>
+          <p:cNvPr id="180" name="Google Shape;180;p5:notes"/>
           <p:cNvSpPr txBox="1"/>
           <p:nvPr>
             <p:ph idx="1" type="body"/>
@@ -3525,7 +3643,7 @@
       </p:sp>
       <p:sp>
         <p:nvSpPr>
-          <p:cNvPr id="180" name="Google Shape;180;p6:notes"/>
+          <p:cNvPr id="181" name="Google Shape;181;p5:notes"/>
           <p:cNvSpPr/>
           <p:nvPr>
             <p:ph idx="2" type="sldImg"/>
@@ -3581,7 +3699,7 @@
   <p:cSld>
     <p:spTree>
       <p:nvGrpSpPr>
-        <p:cNvPr id="186" name="Shape 186"/>
+        <p:cNvPr id="187" name="Shape 187"/>
         <p:cNvGrpSpPr/>
         <p:nvPr/>
       </p:nvGrpSpPr>
@@ -3595,7 +3713,7 @@
       </p:grpSpPr>
       <p:sp>
         <p:nvSpPr>
-          <p:cNvPr id="187" name="Google Shape;187;p7:notes"/>
+          <p:cNvPr id="188" name="Google Shape;188;p6:notes"/>
           <p:cNvSpPr txBox="1"/>
           <p:nvPr>
             <p:ph idx="1" type="body"/>
@@ -3642,7 +3760,7 @@
       </p:sp>
       <p:sp>
         <p:nvSpPr>
-          <p:cNvPr id="188" name="Google Shape;188;p7:notes"/>
+          <p:cNvPr id="189" name="Google Shape;189;p6:notes"/>
           <p:cNvSpPr/>
           <p:nvPr>
             <p:ph idx="2" type="sldImg"/>
@@ -3698,7 +3816,7 @@
   <p:cSld>
     <p:spTree>
       <p:nvGrpSpPr>
-        <p:cNvPr id="194" name="Shape 194"/>
+        <p:cNvPr id="195" name="Shape 195"/>
         <p:cNvGrpSpPr/>
         <p:nvPr/>
       </p:nvGrpSpPr>
@@ -3712,7 +3830,7 @@
       </p:grpSpPr>
       <p:sp>
         <p:nvSpPr>
-          <p:cNvPr id="195" name="Google Shape;195;p8:notes"/>
+          <p:cNvPr id="196" name="Google Shape;196;p7:notes"/>
           <p:cNvSpPr txBox="1"/>
           <p:nvPr>
             <p:ph idx="1" type="body"/>
@@ -3759,7 +3877,7 @@
       </p:sp>
       <p:sp>
         <p:nvSpPr>
-          <p:cNvPr id="196" name="Google Shape;196;p8:notes"/>
+          <p:cNvPr id="197" name="Google Shape;197;p7:notes"/>
           <p:cNvSpPr/>
           <p:nvPr>
             <p:ph idx="2" type="sldImg"/>
@@ -22124,7 +22242,7 @@
   <p:cSld>
     <p:spTree>
       <p:nvGrpSpPr>
-        <p:cNvPr id="207" name="Shape 207"/>
+        <p:cNvPr id="206" name="Shape 206"/>
         <p:cNvGrpSpPr/>
         <p:nvPr/>
       </p:nvGrpSpPr>
@@ -22138,7 +22256,7 @@
       </p:grpSpPr>
       <p:sp>
         <p:nvSpPr>
-          <p:cNvPr id="208" name="Google Shape;208;p9"/>
+          <p:cNvPr id="207" name="Google Shape;207;p8"/>
           <p:cNvSpPr/>
           <p:nvPr/>
         </p:nvSpPr>
@@ -22197,7 +22315,1322 @@
       </p:sp>
       <p:sp>
         <p:nvSpPr>
-          <p:cNvPr id="209" name="Google Shape;209;p9"/>
+          <p:cNvPr id="208" name="Google Shape;208;p8"/>
+          <p:cNvSpPr/>
+          <p:nvPr/>
+        </p:nvSpPr>
+        <p:spPr>
+          <a:xfrm>
+            <a:off x="7840027" y="22225"/>
+            <a:ext cx="1543800" cy="177900"/>
+          </a:xfrm>
+          <a:prstGeom prst="rect">
+            <a:avLst/>
+          </a:prstGeom>
+          <a:noFill/>
+          <a:ln>
+            <a:noFill/>
+          </a:ln>
+        </p:spPr>
+        <p:txBody>
+          <a:bodyPr anchorCtr="0" anchor="t" bIns="0" lIns="0" spcFirstLastPara="1" rIns="0" wrap="square" tIns="0">
+            <a:noAutofit/>
+          </a:bodyPr>
+          <a:lstStyle/>
+          <a:p>
+            <a:pPr indent="0" lvl="0" marL="0" marR="0" rtl="0" algn="l">
+              <a:lnSpc>
+                <a:spcPct val="100000"/>
+              </a:lnSpc>
+              <a:spcBef>
+                <a:spcPts val="0"/>
+              </a:spcBef>
+              <a:spcAft>
+                <a:spcPts val="0"/>
+              </a:spcAft>
+              <a:buClr>
+                <a:srgbClr val="000000"/>
+              </a:buClr>
+              <a:buSzPts val="1200"/>
+              <a:buFont typeface="Arial"/>
+              <a:buNone/>
+            </a:pPr>
+            <a:r>
+              <a:rPr b="0" i="0" lang="en-US" sz="1200" u="none" cap="none" strike="noStrike">
+                <a:solidFill>
+                  <a:srgbClr val="FFFFFF"/>
+                </a:solidFill>
+                <a:latin typeface="Gill Sans"/>
+                <a:ea typeface="Gill Sans"/>
+                <a:cs typeface="Gill Sans"/>
+                <a:sym typeface="Gill Sans"/>
+              </a:rPr>
+              <a:t>Ilia State University</a:t>
+            </a:r>
+            <a:endParaRPr b="0" i="0" sz="1400" u="none" cap="none" strike="noStrike">
+              <a:solidFill>
+                <a:srgbClr val="000000"/>
+              </a:solidFill>
+              <a:latin typeface="Arial"/>
+              <a:ea typeface="Arial"/>
+              <a:cs typeface="Arial"/>
+              <a:sym typeface="Arial"/>
+            </a:endParaRPr>
+          </a:p>
+        </p:txBody>
+      </p:sp>
+      <p:sp>
+        <p:nvSpPr>
+          <p:cNvPr id="209" name="Google Shape;209;p8"/>
+          <p:cNvSpPr txBox="1"/>
+          <p:nvPr>
+            <p:ph type="title"/>
+          </p:nvPr>
+        </p:nvSpPr>
+        <p:spPr>
+          <a:xfrm>
+            <a:off x="381000" y="254000"/>
+            <a:ext cx="8382000" cy="1092200"/>
+          </a:xfrm>
+          <a:prstGeom prst="rect">
+            <a:avLst/>
+          </a:prstGeom>
+          <a:noFill/>
+          <a:ln>
+            <a:noFill/>
+          </a:ln>
+        </p:spPr>
+        <p:txBody>
+          <a:bodyPr anchorCtr="0" anchor="ctr" bIns="38100" lIns="38100" spcFirstLastPara="1" rIns="38100" wrap="square" tIns="38100">
+            <a:noAutofit/>
+          </a:bodyPr>
+          <a:lstStyle/>
+          <a:p>
+            <a:pPr indent="-119063" lvl="0" marL="119063" rtl="0" algn="l">
+              <a:lnSpc>
+                <a:spcPct val="100000"/>
+              </a:lnSpc>
+              <a:spcBef>
+                <a:spcPts val="0"/>
+              </a:spcBef>
+              <a:spcAft>
+                <a:spcPts val="0"/>
+              </a:spcAft>
+              <a:buSzPts val="1400"/>
+              <a:buNone/>
+            </a:pPr>
+            <a:r>
+              <a:rPr b="1" lang="en-US"/>
+              <a:t>Memory Referencing Bug Example</a:t>
+            </a:r>
+            <a:endParaRPr/>
+          </a:p>
+        </p:txBody>
+      </p:sp>
+      <p:sp>
+        <p:nvSpPr>
+          <p:cNvPr id="210" name="Google Shape;210;p8"/>
+          <p:cNvSpPr txBox="1"/>
+          <p:nvPr>
+            <p:ph idx="1" type="body"/>
+          </p:nvPr>
+        </p:nvSpPr>
+        <p:spPr>
+          <a:xfrm>
+            <a:off x="457200" y="6096000"/>
+            <a:ext cx="8229600" cy="563563"/>
+          </a:xfrm>
+          <a:prstGeom prst="rect">
+            <a:avLst/>
+          </a:prstGeom>
+          <a:noFill/>
+          <a:ln>
+            <a:noFill/>
+          </a:ln>
+        </p:spPr>
+        <p:txBody>
+          <a:bodyPr anchorCtr="0" anchor="t" bIns="38100" lIns="38100" spcFirstLastPara="1" rIns="38100" wrap="square" tIns="38100">
+            <a:noAutofit/>
+          </a:bodyPr>
+          <a:lstStyle/>
+          <a:p>
+            <a:pPr indent="-342900" lvl="1" marL="514350" rtl="0" algn="l">
+              <a:lnSpc>
+                <a:spcPct val="100000"/>
+              </a:lnSpc>
+              <a:spcBef>
+                <a:spcPts val="0"/>
+              </a:spcBef>
+              <a:spcAft>
+                <a:spcPts val="0"/>
+              </a:spcAft>
+              <a:buSzPts val="2200"/>
+              <a:buChar char="▪"/>
+            </a:pPr>
+            <a:r>
+              <a:rPr lang="en-US"/>
+              <a:t>Result is system specific</a:t>
+            </a:r>
+            <a:endParaRPr/>
+          </a:p>
+        </p:txBody>
+      </p:sp>
+      <p:sp>
+        <p:nvSpPr>
+          <p:cNvPr id="211" name="Google Shape;211;p8"/>
+          <p:cNvSpPr/>
+          <p:nvPr/>
+        </p:nvSpPr>
+        <p:spPr>
+          <a:xfrm>
+            <a:off x="825500" y="4267200"/>
+            <a:ext cx="7327900" cy="1828800"/>
+          </a:xfrm>
+          <a:prstGeom prst="rect">
+            <a:avLst/>
+          </a:prstGeom>
+          <a:solidFill>
+            <a:srgbClr val="FFFFFF"/>
+          </a:solidFill>
+          <a:ln>
+            <a:noFill/>
+          </a:ln>
+        </p:spPr>
+        <p:txBody>
+          <a:bodyPr anchorCtr="0" anchor="t" bIns="38100" lIns="38100" spcFirstLastPara="1" rIns="38100" wrap="square" tIns="38100">
+            <a:noAutofit/>
+          </a:bodyPr>
+          <a:lstStyle/>
+          <a:p>
+            <a:pPr indent="0" lvl="0" marL="0" marR="0" rtl="0" algn="l">
+              <a:lnSpc>
+                <a:spcPct val="100000"/>
+              </a:lnSpc>
+              <a:spcBef>
+                <a:spcPts val="0"/>
+              </a:spcBef>
+              <a:spcAft>
+                <a:spcPts val="0"/>
+              </a:spcAft>
+              <a:buClr>
+                <a:srgbClr val="000000"/>
+              </a:buClr>
+              <a:buSzPts val="1800"/>
+              <a:buFont typeface="Arial"/>
+              <a:buNone/>
+            </a:pPr>
+            <a:r>
+              <a:rPr b="0" i="0" lang="en-US" sz="1800" u="none" cap="none" strike="noStrike">
+                <a:solidFill>
+                  <a:schemeClr val="dk1"/>
+                </a:solidFill>
+                <a:latin typeface="Courier New"/>
+                <a:ea typeface="Courier New"/>
+                <a:cs typeface="Courier New"/>
+                <a:sym typeface="Courier New"/>
+              </a:rPr>
+              <a:t>fun(0)  ➙	3.14</a:t>
+            </a:r>
+            <a:endParaRPr b="0" i="0" sz="2400" u="none" cap="none" strike="noStrike">
+              <a:solidFill>
+                <a:schemeClr val="dk1"/>
+              </a:solidFill>
+              <a:latin typeface="Arial Narrow"/>
+              <a:ea typeface="Arial Narrow"/>
+              <a:cs typeface="Arial Narrow"/>
+              <a:sym typeface="Arial Narrow"/>
+            </a:endParaRPr>
+          </a:p>
+          <a:p>
+            <a:pPr indent="0" lvl="0" marL="0" marR="0" rtl="0" algn="l">
+              <a:lnSpc>
+                <a:spcPct val="100000"/>
+              </a:lnSpc>
+              <a:spcBef>
+                <a:spcPts val="0"/>
+              </a:spcBef>
+              <a:spcAft>
+                <a:spcPts val="0"/>
+              </a:spcAft>
+              <a:buClr>
+                <a:srgbClr val="000000"/>
+              </a:buClr>
+              <a:buSzPts val="1800"/>
+              <a:buFont typeface="Arial"/>
+              <a:buNone/>
+            </a:pPr>
+            <a:r>
+              <a:rPr b="0" i="0" lang="en-US" sz="1800" u="none" cap="none" strike="noStrike">
+                <a:solidFill>
+                  <a:schemeClr val="dk1"/>
+                </a:solidFill>
+                <a:latin typeface="Courier New"/>
+                <a:ea typeface="Courier New"/>
+                <a:cs typeface="Courier New"/>
+                <a:sym typeface="Courier New"/>
+              </a:rPr>
+              <a:t>fun(1)  ➙	3.14</a:t>
+            </a:r>
+            <a:endParaRPr b="0" i="0" sz="2400" u="none" cap="none" strike="noStrike">
+              <a:solidFill>
+                <a:schemeClr val="dk1"/>
+              </a:solidFill>
+              <a:latin typeface="Arial Narrow"/>
+              <a:ea typeface="Arial Narrow"/>
+              <a:cs typeface="Arial Narrow"/>
+              <a:sym typeface="Arial Narrow"/>
+            </a:endParaRPr>
+          </a:p>
+          <a:p>
+            <a:pPr indent="0" lvl="0" marL="0" marR="0" rtl="0" algn="l">
+              <a:lnSpc>
+                <a:spcPct val="100000"/>
+              </a:lnSpc>
+              <a:spcBef>
+                <a:spcPts val="0"/>
+              </a:spcBef>
+              <a:spcAft>
+                <a:spcPts val="0"/>
+              </a:spcAft>
+              <a:buClr>
+                <a:srgbClr val="000000"/>
+              </a:buClr>
+              <a:buSzPts val="1800"/>
+              <a:buFont typeface="Arial"/>
+              <a:buNone/>
+            </a:pPr>
+            <a:r>
+              <a:rPr b="0" i="0" lang="en-US" sz="1800" u="none" cap="none" strike="noStrike">
+                <a:solidFill>
+                  <a:schemeClr val="dk1"/>
+                </a:solidFill>
+                <a:latin typeface="Courier New"/>
+                <a:ea typeface="Courier New"/>
+                <a:cs typeface="Courier New"/>
+                <a:sym typeface="Courier New"/>
+              </a:rPr>
+              <a:t>fun(2)  ➙	3.1399998664856</a:t>
+            </a:r>
+            <a:endParaRPr b="0" i="0" sz="2400" u="none" cap="none" strike="noStrike">
+              <a:solidFill>
+                <a:schemeClr val="dk1"/>
+              </a:solidFill>
+              <a:latin typeface="Arial Narrow"/>
+              <a:ea typeface="Arial Narrow"/>
+              <a:cs typeface="Arial Narrow"/>
+              <a:sym typeface="Arial Narrow"/>
+            </a:endParaRPr>
+          </a:p>
+          <a:p>
+            <a:pPr indent="0" lvl="0" marL="0" marR="0" rtl="0" algn="l">
+              <a:lnSpc>
+                <a:spcPct val="100000"/>
+              </a:lnSpc>
+              <a:spcBef>
+                <a:spcPts val="0"/>
+              </a:spcBef>
+              <a:spcAft>
+                <a:spcPts val="0"/>
+              </a:spcAft>
+              <a:buClr>
+                <a:srgbClr val="000000"/>
+              </a:buClr>
+              <a:buSzPts val="1800"/>
+              <a:buFont typeface="Arial"/>
+              <a:buNone/>
+            </a:pPr>
+            <a:r>
+              <a:rPr b="0" i="0" lang="en-US" sz="1800" u="none" cap="none" strike="noStrike">
+                <a:solidFill>
+                  <a:schemeClr val="dk1"/>
+                </a:solidFill>
+                <a:latin typeface="Courier New"/>
+                <a:ea typeface="Courier New"/>
+                <a:cs typeface="Courier New"/>
+                <a:sym typeface="Courier New"/>
+              </a:rPr>
+              <a:t>fun(3)  ➙	2.00000061035156</a:t>
+            </a:r>
+            <a:endParaRPr b="0" i="0" sz="2400" u="none" cap="none" strike="noStrike">
+              <a:solidFill>
+                <a:schemeClr val="dk1"/>
+              </a:solidFill>
+              <a:latin typeface="Arial Narrow"/>
+              <a:ea typeface="Arial Narrow"/>
+              <a:cs typeface="Arial Narrow"/>
+              <a:sym typeface="Arial Narrow"/>
+            </a:endParaRPr>
+          </a:p>
+          <a:p>
+            <a:pPr indent="0" lvl="0" marL="0" marR="0" rtl="0" algn="l">
+              <a:lnSpc>
+                <a:spcPct val="100000"/>
+              </a:lnSpc>
+              <a:spcBef>
+                <a:spcPts val="0"/>
+              </a:spcBef>
+              <a:spcAft>
+                <a:spcPts val="0"/>
+              </a:spcAft>
+              <a:buClr>
+                <a:srgbClr val="000000"/>
+              </a:buClr>
+              <a:buSzPts val="1800"/>
+              <a:buFont typeface="Arial"/>
+              <a:buNone/>
+            </a:pPr>
+            <a:r>
+              <a:rPr b="0" i="0" lang="en-US" sz="1800" u="none" cap="none" strike="noStrike">
+                <a:solidFill>
+                  <a:schemeClr val="dk1"/>
+                </a:solidFill>
+                <a:latin typeface="Courier New"/>
+                <a:ea typeface="Courier New"/>
+                <a:cs typeface="Courier New"/>
+                <a:sym typeface="Courier New"/>
+              </a:rPr>
+              <a:t>fun(4)  ➙	3.14</a:t>
+            </a:r>
+            <a:endParaRPr b="0" i="0" sz="1400" u="none" cap="none" strike="noStrike">
+              <a:solidFill>
+                <a:srgbClr val="000000"/>
+              </a:solidFill>
+              <a:latin typeface="Arial"/>
+              <a:ea typeface="Arial"/>
+              <a:cs typeface="Arial"/>
+              <a:sym typeface="Arial"/>
+            </a:endParaRPr>
+          </a:p>
+          <a:p>
+            <a:pPr indent="0" lvl="0" marL="0" marR="0" rtl="0" algn="l">
+              <a:lnSpc>
+                <a:spcPct val="100000"/>
+              </a:lnSpc>
+              <a:spcBef>
+                <a:spcPts val="0"/>
+              </a:spcBef>
+              <a:spcAft>
+                <a:spcPts val="0"/>
+              </a:spcAft>
+              <a:buClr>
+                <a:srgbClr val="000000"/>
+              </a:buClr>
+              <a:buSzPts val="1800"/>
+              <a:buFont typeface="Arial"/>
+              <a:buNone/>
+            </a:pPr>
+            <a:r>
+              <a:rPr b="0" i="0" lang="en-US" sz="1800" u="none" cap="none" strike="noStrike">
+                <a:solidFill>
+                  <a:schemeClr val="dk1"/>
+                </a:solidFill>
+                <a:latin typeface="Courier New"/>
+                <a:ea typeface="Courier New"/>
+                <a:cs typeface="Courier New"/>
+                <a:sym typeface="Courier New"/>
+              </a:rPr>
+              <a:t>fun(6)  ➙	</a:t>
+            </a:r>
+            <a:r>
+              <a:rPr b="0" i="0" lang="en-US" sz="1800" u="none" cap="none" strike="noStrike">
+                <a:solidFill>
+                  <a:schemeClr val="dk1"/>
+                </a:solidFill>
+                <a:latin typeface="Calibri"/>
+                <a:ea typeface="Calibri"/>
+                <a:cs typeface="Calibri"/>
+                <a:sym typeface="Calibri"/>
+              </a:rPr>
+              <a:t>Segmentation fault</a:t>
+            </a:r>
+            <a:endParaRPr b="0" i="0" sz="1800" u="none" cap="none" strike="noStrike">
+              <a:solidFill>
+                <a:schemeClr val="dk1"/>
+              </a:solidFill>
+              <a:latin typeface="Courier New"/>
+              <a:ea typeface="Courier New"/>
+              <a:cs typeface="Courier New"/>
+              <a:sym typeface="Courier New"/>
+            </a:endParaRPr>
+          </a:p>
+        </p:txBody>
+      </p:sp>
+      <p:sp>
+        <p:nvSpPr>
+          <p:cNvPr id="212" name="Google Shape;212;p8"/>
+          <p:cNvSpPr/>
+          <p:nvPr/>
+        </p:nvSpPr>
+        <p:spPr>
+          <a:xfrm>
+            <a:off x="838200" y="1295400"/>
+            <a:ext cx="6553200" cy="2844800"/>
+          </a:xfrm>
+          <a:prstGeom prst="rect">
+            <a:avLst/>
+          </a:prstGeom>
+          <a:solidFill>
+            <a:srgbClr val="F8F6D9"/>
+          </a:solidFill>
+          <a:ln cap="flat" cmpd="sng" w="9525">
+            <a:solidFill>
+              <a:schemeClr val="dk1"/>
+            </a:solidFill>
+            <a:prstDash val="solid"/>
+            <a:miter lim="800000"/>
+            <a:headEnd len="sm" w="sm" type="none"/>
+            <a:tailEnd len="sm" w="sm" type="none"/>
+          </a:ln>
+        </p:spPr>
+        <p:txBody>
+          <a:bodyPr anchorCtr="0" anchor="t" bIns="63500" lIns="63500" spcFirstLastPara="1" rIns="63500" wrap="square" tIns="63500">
+            <a:noAutofit/>
+          </a:bodyPr>
+          <a:lstStyle/>
+          <a:p>
+            <a:pPr indent="0" lvl="0" marL="0" marR="0" rtl="0" algn="l">
+              <a:lnSpc>
+                <a:spcPct val="100000"/>
+              </a:lnSpc>
+              <a:spcBef>
+                <a:spcPts val="0"/>
+              </a:spcBef>
+              <a:spcAft>
+                <a:spcPts val="0"/>
+              </a:spcAft>
+              <a:buClr>
+                <a:srgbClr val="000000"/>
+              </a:buClr>
+              <a:buSzPts val="1600"/>
+              <a:buFont typeface="Arial"/>
+              <a:buNone/>
+            </a:pPr>
+            <a:r>
+              <a:rPr b="1" i="0" lang="en-US" sz="1600" u="none" cap="none" strike="noStrike">
+                <a:solidFill>
+                  <a:schemeClr val="dk1"/>
+                </a:solidFill>
+                <a:latin typeface="Courier New"/>
+                <a:ea typeface="Courier New"/>
+                <a:cs typeface="Courier New"/>
+                <a:sym typeface="Courier New"/>
+              </a:rPr>
+              <a:t>typedef struct {</a:t>
+            </a:r>
+            <a:endParaRPr b="0" i="0" sz="1400" u="none" cap="none" strike="noStrike">
+              <a:solidFill>
+                <a:srgbClr val="000000"/>
+              </a:solidFill>
+              <a:latin typeface="Arial"/>
+              <a:ea typeface="Arial"/>
+              <a:cs typeface="Arial"/>
+              <a:sym typeface="Arial"/>
+            </a:endParaRPr>
+          </a:p>
+          <a:p>
+            <a:pPr indent="0" lvl="0" marL="0" marR="0" rtl="0" algn="l">
+              <a:lnSpc>
+                <a:spcPct val="100000"/>
+              </a:lnSpc>
+              <a:spcBef>
+                <a:spcPts val="0"/>
+              </a:spcBef>
+              <a:spcAft>
+                <a:spcPts val="0"/>
+              </a:spcAft>
+              <a:buClr>
+                <a:srgbClr val="000000"/>
+              </a:buClr>
+              <a:buSzPts val="1600"/>
+              <a:buFont typeface="Arial"/>
+              <a:buNone/>
+            </a:pPr>
+            <a:r>
+              <a:rPr b="1" i="0" lang="en-US" sz="1600" u="none" cap="none" strike="noStrike">
+                <a:solidFill>
+                  <a:schemeClr val="dk1"/>
+                </a:solidFill>
+                <a:latin typeface="Courier New"/>
+                <a:ea typeface="Courier New"/>
+                <a:cs typeface="Courier New"/>
+                <a:sym typeface="Courier New"/>
+              </a:rPr>
+              <a:t>  int a[2];</a:t>
+            </a:r>
+            <a:endParaRPr b="0" i="0" sz="1400" u="none" cap="none" strike="noStrike">
+              <a:solidFill>
+                <a:srgbClr val="000000"/>
+              </a:solidFill>
+              <a:latin typeface="Arial"/>
+              <a:ea typeface="Arial"/>
+              <a:cs typeface="Arial"/>
+              <a:sym typeface="Arial"/>
+            </a:endParaRPr>
+          </a:p>
+          <a:p>
+            <a:pPr indent="0" lvl="0" marL="0" marR="0" rtl="0" algn="l">
+              <a:lnSpc>
+                <a:spcPct val="100000"/>
+              </a:lnSpc>
+              <a:spcBef>
+                <a:spcPts val="0"/>
+              </a:spcBef>
+              <a:spcAft>
+                <a:spcPts val="0"/>
+              </a:spcAft>
+              <a:buClr>
+                <a:srgbClr val="000000"/>
+              </a:buClr>
+              <a:buSzPts val="1600"/>
+              <a:buFont typeface="Arial"/>
+              <a:buNone/>
+            </a:pPr>
+            <a:r>
+              <a:rPr b="1" i="0" lang="en-US" sz="1600" u="none" cap="none" strike="noStrike">
+                <a:solidFill>
+                  <a:schemeClr val="dk1"/>
+                </a:solidFill>
+                <a:latin typeface="Courier New"/>
+                <a:ea typeface="Courier New"/>
+                <a:cs typeface="Courier New"/>
+                <a:sym typeface="Courier New"/>
+              </a:rPr>
+              <a:t>  double d;</a:t>
+            </a:r>
+            <a:endParaRPr b="0" i="0" sz="1400" u="none" cap="none" strike="noStrike">
+              <a:solidFill>
+                <a:srgbClr val="000000"/>
+              </a:solidFill>
+              <a:latin typeface="Arial"/>
+              <a:ea typeface="Arial"/>
+              <a:cs typeface="Arial"/>
+              <a:sym typeface="Arial"/>
+            </a:endParaRPr>
+          </a:p>
+          <a:p>
+            <a:pPr indent="0" lvl="0" marL="0" marR="0" rtl="0" algn="l">
+              <a:lnSpc>
+                <a:spcPct val="100000"/>
+              </a:lnSpc>
+              <a:spcBef>
+                <a:spcPts val="0"/>
+              </a:spcBef>
+              <a:spcAft>
+                <a:spcPts val="0"/>
+              </a:spcAft>
+              <a:buClr>
+                <a:srgbClr val="000000"/>
+              </a:buClr>
+              <a:buSzPts val="1600"/>
+              <a:buFont typeface="Arial"/>
+              <a:buNone/>
+            </a:pPr>
+            <a:r>
+              <a:rPr b="1" i="0" lang="en-US" sz="1600" u="none" cap="none" strike="noStrike">
+                <a:solidFill>
+                  <a:schemeClr val="dk1"/>
+                </a:solidFill>
+                <a:latin typeface="Courier New"/>
+                <a:ea typeface="Courier New"/>
+                <a:cs typeface="Courier New"/>
+                <a:sym typeface="Courier New"/>
+              </a:rPr>
+              <a:t>} struct_t;</a:t>
+            </a:r>
+            <a:endParaRPr b="0" i="0" sz="1400" u="none" cap="none" strike="noStrike">
+              <a:solidFill>
+                <a:srgbClr val="000000"/>
+              </a:solidFill>
+              <a:latin typeface="Arial"/>
+              <a:ea typeface="Arial"/>
+              <a:cs typeface="Arial"/>
+              <a:sym typeface="Arial"/>
+            </a:endParaRPr>
+          </a:p>
+          <a:p>
+            <a:pPr indent="0" lvl="0" marL="0" marR="0" rtl="0" algn="l">
+              <a:lnSpc>
+                <a:spcPct val="100000"/>
+              </a:lnSpc>
+              <a:spcBef>
+                <a:spcPts val="0"/>
+              </a:spcBef>
+              <a:spcAft>
+                <a:spcPts val="0"/>
+              </a:spcAft>
+              <a:buClr>
+                <a:srgbClr val="000000"/>
+              </a:buClr>
+              <a:buSzPts val="1600"/>
+              <a:buFont typeface="Arial"/>
+              <a:buNone/>
+            </a:pPr>
+            <a:r>
+              <a:t/>
+            </a:r>
+            <a:endParaRPr b="1" i="0" sz="1600" u="none" cap="none" strike="noStrike">
+              <a:solidFill>
+                <a:schemeClr val="dk1"/>
+              </a:solidFill>
+              <a:latin typeface="Courier New"/>
+              <a:ea typeface="Courier New"/>
+              <a:cs typeface="Courier New"/>
+              <a:sym typeface="Courier New"/>
+            </a:endParaRPr>
+          </a:p>
+          <a:p>
+            <a:pPr indent="0" lvl="0" marL="0" marR="0" rtl="0" algn="l">
+              <a:lnSpc>
+                <a:spcPct val="100000"/>
+              </a:lnSpc>
+              <a:spcBef>
+                <a:spcPts val="0"/>
+              </a:spcBef>
+              <a:spcAft>
+                <a:spcPts val="0"/>
+              </a:spcAft>
+              <a:buClr>
+                <a:srgbClr val="000000"/>
+              </a:buClr>
+              <a:buSzPts val="1600"/>
+              <a:buFont typeface="Arial"/>
+              <a:buNone/>
+            </a:pPr>
+            <a:r>
+              <a:rPr b="1" i="0" lang="en-US" sz="1600" u="none" cap="none" strike="noStrike">
+                <a:solidFill>
+                  <a:schemeClr val="dk1"/>
+                </a:solidFill>
+                <a:latin typeface="Courier New"/>
+                <a:ea typeface="Courier New"/>
+                <a:cs typeface="Courier New"/>
+                <a:sym typeface="Courier New"/>
+              </a:rPr>
+              <a:t>double fun(int i) {</a:t>
+            </a:r>
+            <a:endParaRPr b="1" i="0" sz="1600" u="none" cap="none" strike="noStrike">
+              <a:solidFill>
+                <a:schemeClr val="dk1"/>
+              </a:solidFill>
+              <a:latin typeface="Courier New"/>
+              <a:ea typeface="Courier New"/>
+              <a:cs typeface="Courier New"/>
+              <a:sym typeface="Courier New"/>
+            </a:endParaRPr>
+          </a:p>
+          <a:p>
+            <a:pPr indent="0" lvl="0" marL="0" marR="0" rtl="0" algn="l">
+              <a:lnSpc>
+                <a:spcPct val="100000"/>
+              </a:lnSpc>
+              <a:spcBef>
+                <a:spcPts val="0"/>
+              </a:spcBef>
+              <a:spcAft>
+                <a:spcPts val="0"/>
+              </a:spcAft>
+              <a:buClr>
+                <a:srgbClr val="000000"/>
+              </a:buClr>
+              <a:buSzPts val="1600"/>
+              <a:buFont typeface="Arial"/>
+              <a:buNone/>
+            </a:pPr>
+            <a:r>
+              <a:rPr b="1" i="0" lang="en-US" sz="1600" u="none" cap="none" strike="noStrike">
+                <a:solidFill>
+                  <a:schemeClr val="dk1"/>
+                </a:solidFill>
+                <a:latin typeface="Courier New"/>
+                <a:ea typeface="Courier New"/>
+                <a:cs typeface="Courier New"/>
+                <a:sym typeface="Courier New"/>
+              </a:rPr>
+              <a:t>  volatile struct_t s;</a:t>
+            </a:r>
+            <a:endParaRPr b="1" i="0" sz="1600" u="none" cap="none" strike="noStrike">
+              <a:solidFill>
+                <a:schemeClr val="dk1"/>
+              </a:solidFill>
+              <a:latin typeface="Courier New"/>
+              <a:ea typeface="Courier New"/>
+              <a:cs typeface="Courier New"/>
+              <a:sym typeface="Courier New"/>
+            </a:endParaRPr>
+          </a:p>
+          <a:p>
+            <a:pPr indent="0" lvl="0" marL="0" marR="0" rtl="0" algn="l">
+              <a:lnSpc>
+                <a:spcPct val="100000"/>
+              </a:lnSpc>
+              <a:spcBef>
+                <a:spcPts val="0"/>
+              </a:spcBef>
+              <a:spcAft>
+                <a:spcPts val="0"/>
+              </a:spcAft>
+              <a:buClr>
+                <a:srgbClr val="000000"/>
+              </a:buClr>
+              <a:buSzPts val="1600"/>
+              <a:buFont typeface="Arial"/>
+              <a:buNone/>
+            </a:pPr>
+            <a:r>
+              <a:rPr b="1" i="0" lang="en-US" sz="1600" u="none" cap="none" strike="noStrike">
+                <a:solidFill>
+                  <a:schemeClr val="dk1"/>
+                </a:solidFill>
+                <a:latin typeface="Courier New"/>
+                <a:ea typeface="Courier New"/>
+                <a:cs typeface="Courier New"/>
+                <a:sym typeface="Courier New"/>
+              </a:rPr>
+              <a:t>  s.d = 3.14;</a:t>
+            </a:r>
+            <a:endParaRPr b="1" i="0" sz="1600" u="none" cap="none" strike="noStrike">
+              <a:solidFill>
+                <a:schemeClr val="dk1"/>
+              </a:solidFill>
+              <a:latin typeface="Courier New"/>
+              <a:ea typeface="Courier New"/>
+              <a:cs typeface="Courier New"/>
+              <a:sym typeface="Courier New"/>
+            </a:endParaRPr>
+          </a:p>
+          <a:p>
+            <a:pPr indent="0" lvl="0" marL="0" marR="0" rtl="0" algn="l">
+              <a:lnSpc>
+                <a:spcPct val="100000"/>
+              </a:lnSpc>
+              <a:spcBef>
+                <a:spcPts val="0"/>
+              </a:spcBef>
+              <a:spcAft>
+                <a:spcPts val="0"/>
+              </a:spcAft>
+              <a:buClr>
+                <a:srgbClr val="000000"/>
+              </a:buClr>
+              <a:buSzPts val="1600"/>
+              <a:buFont typeface="Arial"/>
+              <a:buNone/>
+            </a:pPr>
+            <a:r>
+              <a:rPr b="1" i="0" lang="en-US" sz="1600" u="none" cap="none" strike="noStrike">
+                <a:solidFill>
+                  <a:schemeClr val="dk1"/>
+                </a:solidFill>
+                <a:latin typeface="Courier New"/>
+                <a:ea typeface="Courier New"/>
+                <a:cs typeface="Courier New"/>
+                <a:sym typeface="Courier New"/>
+              </a:rPr>
+              <a:t>  s.a[i] = 1073741824; /* Possibly out of bounds */</a:t>
+            </a:r>
+            <a:endParaRPr b="0" i="0" sz="1400" u="none" cap="none" strike="noStrike">
+              <a:solidFill>
+                <a:srgbClr val="000000"/>
+              </a:solidFill>
+              <a:latin typeface="Arial"/>
+              <a:ea typeface="Arial"/>
+              <a:cs typeface="Arial"/>
+              <a:sym typeface="Arial"/>
+            </a:endParaRPr>
+          </a:p>
+          <a:p>
+            <a:pPr indent="0" lvl="0" marL="0" marR="0" rtl="0" algn="l">
+              <a:lnSpc>
+                <a:spcPct val="100000"/>
+              </a:lnSpc>
+              <a:spcBef>
+                <a:spcPts val="0"/>
+              </a:spcBef>
+              <a:spcAft>
+                <a:spcPts val="0"/>
+              </a:spcAft>
+              <a:buClr>
+                <a:srgbClr val="000000"/>
+              </a:buClr>
+              <a:buSzPts val="1600"/>
+              <a:buFont typeface="Arial"/>
+              <a:buNone/>
+            </a:pPr>
+            <a:r>
+              <a:rPr b="1" i="0" lang="en-US" sz="1600" u="none" cap="none" strike="noStrike">
+                <a:solidFill>
+                  <a:schemeClr val="dk1"/>
+                </a:solidFill>
+                <a:latin typeface="Courier New"/>
+                <a:ea typeface="Courier New"/>
+                <a:cs typeface="Courier New"/>
+                <a:sym typeface="Courier New"/>
+              </a:rPr>
+              <a:t>  return s.d;</a:t>
+            </a:r>
+            <a:endParaRPr b="1" i="0" sz="1600" u="none" cap="none" strike="noStrike">
+              <a:solidFill>
+                <a:schemeClr val="dk1"/>
+              </a:solidFill>
+              <a:latin typeface="Courier New"/>
+              <a:ea typeface="Courier New"/>
+              <a:cs typeface="Courier New"/>
+              <a:sym typeface="Courier New"/>
+            </a:endParaRPr>
+          </a:p>
+          <a:p>
+            <a:pPr indent="0" lvl="0" marL="0" marR="0" rtl="0" algn="l">
+              <a:lnSpc>
+                <a:spcPct val="100000"/>
+              </a:lnSpc>
+              <a:spcBef>
+                <a:spcPts val="0"/>
+              </a:spcBef>
+              <a:spcAft>
+                <a:spcPts val="0"/>
+              </a:spcAft>
+              <a:buClr>
+                <a:srgbClr val="000000"/>
+              </a:buClr>
+              <a:buSzPts val="1600"/>
+              <a:buFont typeface="Arial"/>
+              <a:buNone/>
+            </a:pPr>
+            <a:r>
+              <a:rPr b="1" i="0" lang="en-US" sz="1600" u="none" cap="none" strike="noStrike">
+                <a:solidFill>
+                  <a:schemeClr val="dk1"/>
+                </a:solidFill>
+                <a:latin typeface="Courier New"/>
+                <a:ea typeface="Courier New"/>
+                <a:cs typeface="Courier New"/>
+                <a:sym typeface="Courier New"/>
+              </a:rPr>
+              <a:t>}</a:t>
+            </a:r>
+            <a:endParaRPr b="0" i="0" sz="1400" u="none" cap="none" strike="noStrike">
+              <a:solidFill>
+                <a:srgbClr val="000000"/>
+              </a:solidFill>
+              <a:latin typeface="Arial"/>
+              <a:ea typeface="Arial"/>
+              <a:cs typeface="Arial"/>
+              <a:sym typeface="Arial"/>
+            </a:endParaRPr>
+          </a:p>
+        </p:txBody>
+      </p:sp>
+    </p:spTree>
+  </p:cSld>
+  <p:clrMapOvr>
+    <a:masterClrMapping/>
+  </p:clrMapOvr>
+  <p:timing>
+    <p:tnLst>
+      <p:par>
+        <p:cTn dur="indefinite" nodeType="tmRoot" restart="never">
+          <p:childTnLst>
+            <p:seq concurrent="1" nextAc="seek">
+              <p:cTn dur="indefinite" id="2" nodeType="mainSeq">
+                <p:childTnLst>
+                  <p:par>
+                    <p:cTn fill="hold">
+                      <p:stCondLst>
+                        <p:cond delay="indefinite"/>
+                      </p:stCondLst>
+                      <p:childTnLst>
+                        <p:par>
+                          <p:cTn fill="hold">
+                            <p:stCondLst>
+                              <p:cond delay="0"/>
+                            </p:stCondLst>
+                            <p:childTnLst>
+                              <p:par>
+                                <p:cTn fill="hold" nodeType="clickEffect" presetClass="entr" presetID="1" presetSubtype="0">
+                                  <p:stCondLst>
+                                    <p:cond delay="0"/>
+                                  </p:stCondLst>
+                                  <p:childTnLst>
+                                    <p:set>
+                                      <p:cBhvr>
+                                        <p:cTn dur="1" fill="hold">
+                                          <p:stCondLst>
+                                            <p:cond delay="0"/>
+                                          </p:stCondLst>
+                                        </p:cTn>
+                                        <p:tgtEl>
+                                          <p:spTgt spid="211">
+                                            <p:txEl>
+                                              <p:pRg end="0" st="0"/>
+                                            </p:txEl>
+                                          </p:spTgt>
+                                        </p:tgtEl>
+                                        <p:attrNameLst>
+                                          <p:attrName>style.visibility</p:attrName>
+                                        </p:attrNameLst>
+                                      </p:cBhvr>
+                                      <p:to>
+                                        <p:strVal val="visible"/>
+                                      </p:to>
+                                    </p:set>
+                                  </p:childTnLst>
+                                </p:cTn>
+                              </p:par>
+                            </p:childTnLst>
+                          </p:cTn>
+                        </p:par>
+                      </p:childTnLst>
+                    </p:cTn>
+                  </p:par>
+                  <p:par>
+                    <p:cTn fill="hold">
+                      <p:stCondLst>
+                        <p:cond delay="indefinite"/>
+                      </p:stCondLst>
+                      <p:childTnLst>
+                        <p:par>
+                          <p:cTn fill="hold">
+                            <p:stCondLst>
+                              <p:cond delay="0"/>
+                            </p:stCondLst>
+                            <p:childTnLst>
+                              <p:par>
+                                <p:cTn fill="hold" nodeType="clickEffect" presetClass="entr" presetID="1" presetSubtype="0">
+                                  <p:stCondLst>
+                                    <p:cond delay="0"/>
+                                  </p:stCondLst>
+                                  <p:childTnLst>
+                                    <p:set>
+                                      <p:cBhvr>
+                                        <p:cTn dur="1" fill="hold">
+                                          <p:stCondLst>
+                                            <p:cond delay="0"/>
+                                          </p:stCondLst>
+                                        </p:cTn>
+                                        <p:tgtEl>
+                                          <p:spTgt spid="211">
+                                            <p:txEl>
+                                              <p:pRg end="1" st="1"/>
+                                            </p:txEl>
+                                          </p:spTgt>
+                                        </p:tgtEl>
+                                        <p:attrNameLst>
+                                          <p:attrName>style.visibility</p:attrName>
+                                        </p:attrNameLst>
+                                      </p:cBhvr>
+                                      <p:to>
+                                        <p:strVal val="visible"/>
+                                      </p:to>
+                                    </p:set>
+                                  </p:childTnLst>
+                                </p:cTn>
+                              </p:par>
+                            </p:childTnLst>
+                          </p:cTn>
+                        </p:par>
+                      </p:childTnLst>
+                    </p:cTn>
+                  </p:par>
+                  <p:par>
+                    <p:cTn fill="hold">
+                      <p:stCondLst>
+                        <p:cond delay="indefinite"/>
+                      </p:stCondLst>
+                      <p:childTnLst>
+                        <p:par>
+                          <p:cTn fill="hold">
+                            <p:stCondLst>
+                              <p:cond delay="0"/>
+                            </p:stCondLst>
+                            <p:childTnLst>
+                              <p:par>
+                                <p:cTn fill="hold" nodeType="clickEffect" presetClass="entr" presetID="1" presetSubtype="0">
+                                  <p:stCondLst>
+                                    <p:cond delay="0"/>
+                                  </p:stCondLst>
+                                  <p:childTnLst>
+                                    <p:set>
+                                      <p:cBhvr>
+                                        <p:cTn dur="1" fill="hold">
+                                          <p:stCondLst>
+                                            <p:cond delay="0"/>
+                                          </p:stCondLst>
+                                        </p:cTn>
+                                        <p:tgtEl>
+                                          <p:spTgt spid="211">
+                                            <p:txEl>
+                                              <p:pRg end="2" st="2"/>
+                                            </p:txEl>
+                                          </p:spTgt>
+                                        </p:tgtEl>
+                                        <p:attrNameLst>
+                                          <p:attrName>style.visibility</p:attrName>
+                                        </p:attrNameLst>
+                                      </p:cBhvr>
+                                      <p:to>
+                                        <p:strVal val="visible"/>
+                                      </p:to>
+                                    </p:set>
+                                  </p:childTnLst>
+                                </p:cTn>
+                              </p:par>
+                            </p:childTnLst>
+                          </p:cTn>
+                        </p:par>
+                      </p:childTnLst>
+                    </p:cTn>
+                  </p:par>
+                  <p:par>
+                    <p:cTn fill="hold">
+                      <p:stCondLst>
+                        <p:cond delay="indefinite"/>
+                      </p:stCondLst>
+                      <p:childTnLst>
+                        <p:par>
+                          <p:cTn fill="hold">
+                            <p:stCondLst>
+                              <p:cond delay="0"/>
+                            </p:stCondLst>
+                            <p:childTnLst>
+                              <p:par>
+                                <p:cTn fill="hold" nodeType="clickEffect" presetClass="entr" presetID="1" presetSubtype="0">
+                                  <p:stCondLst>
+                                    <p:cond delay="0"/>
+                                  </p:stCondLst>
+                                  <p:childTnLst>
+                                    <p:set>
+                                      <p:cBhvr>
+                                        <p:cTn dur="1" fill="hold">
+                                          <p:stCondLst>
+                                            <p:cond delay="0"/>
+                                          </p:stCondLst>
+                                        </p:cTn>
+                                        <p:tgtEl>
+                                          <p:spTgt spid="211">
+                                            <p:txEl>
+                                              <p:pRg end="3" st="3"/>
+                                            </p:txEl>
+                                          </p:spTgt>
+                                        </p:tgtEl>
+                                        <p:attrNameLst>
+                                          <p:attrName>style.visibility</p:attrName>
+                                        </p:attrNameLst>
+                                      </p:cBhvr>
+                                      <p:to>
+                                        <p:strVal val="visible"/>
+                                      </p:to>
+                                    </p:set>
+                                  </p:childTnLst>
+                                </p:cTn>
+                              </p:par>
+                            </p:childTnLst>
+                          </p:cTn>
+                        </p:par>
+                      </p:childTnLst>
+                    </p:cTn>
+                  </p:par>
+                  <p:par>
+                    <p:cTn fill="hold">
+                      <p:stCondLst>
+                        <p:cond delay="indefinite"/>
+                      </p:stCondLst>
+                      <p:childTnLst>
+                        <p:par>
+                          <p:cTn fill="hold">
+                            <p:stCondLst>
+                              <p:cond delay="0"/>
+                            </p:stCondLst>
+                            <p:childTnLst>
+                              <p:par>
+                                <p:cTn fill="hold" nodeType="clickEffect" presetClass="entr" presetID="1" presetSubtype="0">
+                                  <p:stCondLst>
+                                    <p:cond delay="0"/>
+                                  </p:stCondLst>
+                                  <p:childTnLst>
+                                    <p:set>
+                                      <p:cBhvr>
+                                        <p:cTn dur="1" fill="hold">
+                                          <p:stCondLst>
+                                            <p:cond delay="0"/>
+                                          </p:stCondLst>
+                                        </p:cTn>
+                                        <p:tgtEl>
+                                          <p:spTgt spid="211">
+                                            <p:txEl>
+                                              <p:pRg end="4" st="4"/>
+                                            </p:txEl>
+                                          </p:spTgt>
+                                        </p:tgtEl>
+                                        <p:attrNameLst>
+                                          <p:attrName>style.visibility</p:attrName>
+                                        </p:attrNameLst>
+                                      </p:cBhvr>
+                                      <p:to>
+                                        <p:strVal val="visible"/>
+                                      </p:to>
+                                    </p:set>
+                                  </p:childTnLst>
+                                </p:cTn>
+                              </p:par>
+                            </p:childTnLst>
+                          </p:cTn>
+                        </p:par>
+                      </p:childTnLst>
+                    </p:cTn>
+                  </p:par>
+                  <p:par>
+                    <p:cTn fill="hold">
+                      <p:stCondLst>
+                        <p:cond delay="indefinite"/>
+                      </p:stCondLst>
+                      <p:childTnLst>
+                        <p:par>
+                          <p:cTn fill="hold">
+                            <p:stCondLst>
+                              <p:cond delay="0"/>
+                            </p:stCondLst>
+                            <p:childTnLst>
+                              <p:par>
+                                <p:cTn fill="hold" nodeType="clickEffect" presetClass="entr" presetID="1" presetSubtype="0">
+                                  <p:stCondLst>
+                                    <p:cond delay="0"/>
+                                  </p:stCondLst>
+                                  <p:childTnLst>
+                                    <p:set>
+                                      <p:cBhvr>
+                                        <p:cTn dur="1" fill="hold">
+                                          <p:stCondLst>
+                                            <p:cond delay="0"/>
+                                          </p:stCondLst>
+                                        </p:cTn>
+                                        <p:tgtEl>
+                                          <p:spTgt spid="211">
+                                            <p:txEl>
+                                              <p:pRg end="5" st="5"/>
+                                            </p:txEl>
+                                          </p:spTgt>
+                                        </p:tgtEl>
+                                        <p:attrNameLst>
+                                          <p:attrName>style.visibility</p:attrName>
+                                        </p:attrNameLst>
+                                      </p:cBhvr>
+                                      <p:to>
+                                        <p:strVal val="visible"/>
+                                      </p:to>
+                                    </p:set>
+                                  </p:childTnLst>
+                                </p:cTn>
+                              </p:par>
+                            </p:childTnLst>
+                          </p:cTn>
+                        </p:par>
+                      </p:childTnLst>
+                    </p:cTn>
+                  </p:par>
+                </p:childTnLst>
+              </p:cTn>
+              <p:prevCondLst>
+                <p:cond evt="onPrev">
+                  <p:tgtEl>
+                    <p:sldTgt/>
+                  </p:tgtEl>
+                </p:cond>
+              </p:prevCondLst>
+              <p:nextCondLst>
+                <p:cond evt="onNext">
+                  <p:tgtEl>
+                    <p:sldTgt/>
+                  </p:tgtEl>
+                </p:cond>
+              </p:nextCondLst>
+            </p:seq>
+          </p:childTnLst>
+        </p:cTn>
+      </p:par>
+    </p:tnLst>
+  </p:timing>
+</p:sld>
+</file>
+
+<file path=ppt/slides/slide11.xml><?xml version="1.0" encoding="utf-8"?>
+<p:sld xmlns:a="http://schemas.openxmlformats.org/drawingml/2006/main" xmlns:r="http://schemas.openxmlformats.org/officeDocument/2006/relationships" xmlns:mc="http://schemas.openxmlformats.org/markup-compatibility/2006" xmlns:mv="urn:schemas-microsoft-com:mac:vml" xmlns:p="http://schemas.openxmlformats.org/presentationml/2006/main" xmlns:c="http://schemas.openxmlformats.org/drawingml/2006/chart" xmlns:dgm="http://schemas.openxmlformats.org/drawingml/2006/diagram" xmlns:o="urn:schemas-microsoft-com:office:office" xmlns:v="urn:schemas-microsoft-com:vml" xmlns:pvml="urn:schemas-microsoft-com:office:powerpoint" xmlns:com="http://schemas.openxmlformats.org/drawingml/2006/compatibility" xmlns:p14="http://schemas.microsoft.com/office/powerpoint/2010/main" xmlns:p15="http://schemas.microsoft.com/office/powerpoint/2012/main" xmlns:ahyp="http://schemas.microsoft.com/office/drawing/2018/hyperlinkcolor">
+  <p:cSld>
+    <p:spTree>
+      <p:nvGrpSpPr>
+        <p:cNvPr id="216" name="Shape 216"/>
+        <p:cNvGrpSpPr/>
+        <p:nvPr/>
+      </p:nvGrpSpPr>
+      <p:grpSpPr>
+        <a:xfrm>
+          <a:off x="0" y="0"/>
+          <a:ext cx="0" cy="0"/>
+          <a:chOff x="0" y="0"/>
+          <a:chExt cx="0" cy="0"/>
+        </a:xfrm>
+      </p:grpSpPr>
+      <p:sp>
+        <p:nvSpPr>
+          <p:cNvPr id="217" name="Google Shape;217;p9"/>
+          <p:cNvSpPr/>
+          <p:nvPr/>
+        </p:nvSpPr>
+        <p:spPr>
+          <a:xfrm>
+            <a:off x="0" y="0"/>
+            <a:ext cx="9156700" cy="228600"/>
+          </a:xfrm>
+          <a:prstGeom prst="rect">
+            <a:avLst/>
+          </a:prstGeom>
+          <a:solidFill>
+            <a:schemeClr val="accent1"/>
+          </a:solidFill>
+          <a:ln>
+            <a:noFill/>
+          </a:ln>
+        </p:spPr>
+        <p:txBody>
+          <a:bodyPr anchorCtr="0" anchor="t" bIns="0" lIns="0" spcFirstLastPara="1" rIns="0" wrap="square" tIns="0">
+            <a:noAutofit/>
+          </a:bodyPr>
+          <a:lstStyle/>
+          <a:p>
+            <a:pPr indent="0" lvl="0" marL="0" marR="0" rtl="0" algn="ctr">
+              <a:lnSpc>
+                <a:spcPct val="100000"/>
+              </a:lnSpc>
+              <a:spcBef>
+                <a:spcPts val="0"/>
+              </a:spcBef>
+              <a:spcAft>
+                <a:spcPts val="0"/>
+              </a:spcAft>
+              <a:buClr>
+                <a:srgbClr val="000000"/>
+              </a:buClr>
+              <a:buSzPts val="4200"/>
+              <a:buFont typeface="Arial"/>
+              <a:buNone/>
+            </a:pPr>
+            <a:r>
+              <a:t/>
+            </a:r>
+            <a:endParaRPr b="0" i="0" sz="4200" u="none" cap="none" strike="noStrike">
+              <a:solidFill>
+                <a:srgbClr val="000000"/>
+              </a:solidFill>
+              <a:latin typeface="Gill Sans"/>
+              <a:ea typeface="Gill Sans"/>
+              <a:cs typeface="Gill Sans"/>
+              <a:sym typeface="Gill Sans"/>
+            </a:endParaRPr>
+          </a:p>
+        </p:txBody>
+      </p:sp>
+      <p:sp>
+        <p:nvSpPr>
+          <p:cNvPr id="218" name="Google Shape;218;p9"/>
           <p:cNvSpPr/>
           <p:nvPr/>
         </p:nvSpPr>
@@ -22263,7 +23696,7 @@
       </p:sp>
       <p:sp>
         <p:nvSpPr>
-          <p:cNvPr id="210" name="Google Shape;210;p9"/>
+          <p:cNvPr id="219" name="Google Shape;219;p9"/>
           <p:cNvSpPr txBox="1"/>
           <p:nvPr>
             <p:ph type="title"/>
@@ -22311,7 +23744,7 @@
       </p:sp>
       <p:sp>
         <p:nvSpPr>
-          <p:cNvPr id="211" name="Google Shape;211;p9"/>
+          <p:cNvPr id="220" name="Google Shape;220;p9"/>
           <p:cNvSpPr/>
           <p:nvPr/>
         </p:nvSpPr>
@@ -22505,7 +23938,7 @@
       </p:sp>
       <p:sp>
         <p:nvSpPr>
-          <p:cNvPr id="212" name="Google Shape;212;p9"/>
+          <p:cNvPr id="221" name="Google Shape;221;p9"/>
           <p:cNvSpPr/>
           <p:nvPr/>
         </p:nvSpPr>
@@ -22785,7 +24218,7 @@
       </p:sp>
       <p:sp>
         <p:nvSpPr>
-          <p:cNvPr id="213" name="Google Shape;213;p9"/>
+          <p:cNvPr id="222" name="Google Shape;222;p9"/>
           <p:cNvSpPr/>
           <p:nvPr/>
         </p:nvSpPr>
@@ -22881,7 +24314,7 @@
       </p:sp>
       <p:sp>
         <p:nvSpPr>
-          <p:cNvPr id="214" name="Google Shape;214;p9"/>
+          <p:cNvPr id="223" name="Google Shape;223;p9"/>
           <p:cNvSpPr/>
           <p:nvPr/>
         </p:nvSpPr>
@@ -22959,7 +24392,7 @@
       </p:sp>
       <p:sp>
         <p:nvSpPr>
-          <p:cNvPr id="215" name="Google Shape;215;p9"/>
+          <p:cNvPr id="224" name="Google Shape;224;p9"/>
           <p:cNvSpPr/>
           <p:nvPr/>
         </p:nvSpPr>
@@ -23025,7 +24458,7 @@
       </p:sp>
       <p:graphicFrame>
         <p:nvGraphicFramePr>
-          <p:cNvPr id="216" name="Google Shape;216;p9"/>
+          <p:cNvPr id="225" name="Google Shape;225;p9"/>
           <p:cNvGraphicFramePr/>
           <p:nvPr/>
         </p:nvGraphicFramePr>
@@ -23038,7 +24471,7 @@
             <a:tbl>
               <a:tblPr>
                 <a:noFill/>
-                <a:tableStyleId>{54CA6EA9-A4D5-484C-96AC-4BE6A8093BED}</a:tableStyleId>
+                <a:tableStyleId>{6D1B3B3A-2459-47D5-AEC1-AF729658F296}</a:tableStyleId>
               </a:tblPr>
               <a:tblGrid>
                 <a:gridCol w="1638300"/>
@@ -24202,7 +25635,7 @@
       </p:graphicFrame>
       <p:sp>
         <p:nvSpPr>
-          <p:cNvPr id="217" name="Google Shape;217;p9"/>
+          <p:cNvPr id="226" name="Google Shape;226;p9"/>
           <p:cNvSpPr/>
           <p:nvPr/>
         </p:nvSpPr>
@@ -24298,7 +25731,7 @@
       </p:sp>
       <p:sp>
         <p:nvSpPr>
-          <p:cNvPr id="218" name="Google Shape;218;p9"/>
+          <p:cNvPr id="227" name="Google Shape;227;p9"/>
           <p:cNvSpPr/>
           <p:nvPr/>
         </p:nvSpPr>
@@ -24370,12 +25803,12 @@
 </p:sld>
 </file>
 
-<file path=ppt/slides/slide11.xml><?xml version="1.0" encoding="utf-8"?>
+<file path=ppt/slides/slide12.xml><?xml version="1.0" encoding="utf-8"?>
 <p:sld xmlns:a="http://schemas.openxmlformats.org/drawingml/2006/main" xmlns:r="http://schemas.openxmlformats.org/officeDocument/2006/relationships" xmlns:mc="http://schemas.openxmlformats.org/markup-compatibility/2006" xmlns:mv="urn:schemas-microsoft-com:mac:vml" xmlns:p="http://schemas.openxmlformats.org/presentationml/2006/main" xmlns:c="http://schemas.openxmlformats.org/drawingml/2006/chart" xmlns:dgm="http://schemas.openxmlformats.org/drawingml/2006/diagram" xmlns:o="urn:schemas-microsoft-com:office:office" xmlns:v="urn:schemas-microsoft-com:vml" xmlns:pvml="urn:schemas-microsoft-com:office:powerpoint" xmlns:com="http://schemas.openxmlformats.org/drawingml/2006/compatibility" xmlns:p14="http://schemas.microsoft.com/office/powerpoint/2010/main" xmlns:p15="http://schemas.microsoft.com/office/powerpoint/2012/main" xmlns:ahyp="http://schemas.microsoft.com/office/drawing/2018/hyperlinkcolor">
   <p:cSld>
     <p:spTree>
       <p:nvGrpSpPr>
-        <p:cNvPr id="222" name="Shape 222"/>
+        <p:cNvPr id="231" name="Shape 231"/>
         <p:cNvGrpSpPr/>
         <p:nvPr/>
       </p:nvGrpSpPr>
@@ -24389,7 +25822,7 @@
       </p:grpSpPr>
       <p:sp>
         <p:nvSpPr>
-          <p:cNvPr id="223" name="Google Shape;223;p10"/>
+          <p:cNvPr id="232" name="Google Shape;232;p10"/>
           <p:cNvSpPr/>
           <p:nvPr/>
         </p:nvSpPr>
@@ -24448,7 +25881,7 @@
       </p:sp>
       <p:sp>
         <p:nvSpPr>
-          <p:cNvPr id="224" name="Google Shape;224;p10"/>
+          <p:cNvPr id="233" name="Google Shape;233;p10"/>
           <p:cNvSpPr/>
           <p:nvPr/>
         </p:nvSpPr>
@@ -24514,7 +25947,7 @@
       </p:sp>
       <p:sp>
         <p:nvSpPr>
-          <p:cNvPr id="225" name="Google Shape;225;p10"/>
+          <p:cNvPr id="234" name="Google Shape;234;p10"/>
           <p:cNvSpPr txBox="1"/>
           <p:nvPr>
             <p:ph type="title"/>
@@ -24562,7 +25995,7 @@
       </p:sp>
       <p:sp>
         <p:nvSpPr>
-          <p:cNvPr id="226" name="Google Shape;226;p10"/>
+          <p:cNvPr id="235" name="Google Shape;235;p10"/>
           <p:cNvSpPr txBox="1"/>
           <p:nvPr>
             <p:ph idx="1" type="body"/>
@@ -24856,12 +26289,12 @@
 </p:sld>
 </file>
 
-<file path=ppt/slides/slide12.xml><?xml version="1.0" encoding="utf-8"?>
+<file path=ppt/slides/slide13.xml><?xml version="1.0" encoding="utf-8"?>
 <p:sld xmlns:a="http://schemas.openxmlformats.org/drawingml/2006/main" xmlns:r="http://schemas.openxmlformats.org/officeDocument/2006/relationships" xmlns:mc="http://schemas.openxmlformats.org/markup-compatibility/2006" xmlns:mv="urn:schemas-microsoft-com:mac:vml" xmlns:p="http://schemas.openxmlformats.org/presentationml/2006/main" xmlns:c="http://schemas.openxmlformats.org/drawingml/2006/chart" xmlns:dgm="http://schemas.openxmlformats.org/drawingml/2006/diagram" xmlns:o="urn:schemas-microsoft-com:office:office" xmlns:v="urn:schemas-microsoft-com:vml" xmlns:pvml="urn:schemas-microsoft-com:office:powerpoint" xmlns:com="http://schemas.openxmlformats.org/drawingml/2006/compatibility" xmlns:p14="http://schemas.microsoft.com/office/powerpoint/2010/main" xmlns:p15="http://schemas.microsoft.com/office/powerpoint/2012/main" xmlns:ahyp="http://schemas.microsoft.com/office/drawing/2018/hyperlinkcolor">
   <p:cSld>
     <p:spTree>
       <p:nvGrpSpPr>
-        <p:cNvPr id="230" name="Shape 230"/>
+        <p:cNvPr id="239" name="Shape 239"/>
         <p:cNvGrpSpPr/>
         <p:nvPr/>
       </p:nvGrpSpPr>
@@ -24875,7 +26308,7 @@
       </p:grpSpPr>
       <p:sp>
         <p:nvSpPr>
-          <p:cNvPr id="231" name="Google Shape;231;p11"/>
+          <p:cNvPr id="240" name="Google Shape;240;p11"/>
           <p:cNvSpPr/>
           <p:nvPr/>
         </p:nvSpPr>
@@ -24934,7 +26367,7 @@
       </p:sp>
       <p:sp>
         <p:nvSpPr>
-          <p:cNvPr id="232" name="Google Shape;232;p11"/>
+          <p:cNvPr id="241" name="Google Shape;241;p11"/>
           <p:cNvSpPr/>
           <p:nvPr/>
         </p:nvSpPr>
@@ -25031,7 +26464,7 @@
       </p:sp>
       <p:sp>
         <p:nvSpPr>
-          <p:cNvPr id="233" name="Google Shape;233;p11"/>
+          <p:cNvPr id="242" name="Google Shape;242;p11"/>
           <p:cNvSpPr txBox="1"/>
           <p:nvPr>
             <p:ph type="title"/>
@@ -25082,7 +26515,7 @@
       </p:sp>
       <p:sp>
         <p:nvSpPr>
-          <p:cNvPr id="234" name="Google Shape;234;p11"/>
+          <p:cNvPr id="243" name="Google Shape;243;p11"/>
           <p:cNvSpPr txBox="1"/>
           <p:nvPr>
             <p:ph idx="1" type="body"/>
@@ -25276,12 +26709,12 @@
 </p:sld>
 </file>
 
-<file path=ppt/slides/slide13.xml><?xml version="1.0" encoding="utf-8"?>
+<file path=ppt/slides/slide14.xml><?xml version="1.0" encoding="utf-8"?>
 <p:sld xmlns:a="http://schemas.openxmlformats.org/drawingml/2006/main" xmlns:r="http://schemas.openxmlformats.org/officeDocument/2006/relationships" xmlns:mc="http://schemas.openxmlformats.org/markup-compatibility/2006" xmlns:mv="urn:schemas-microsoft-com:mac:vml" xmlns:p="http://schemas.openxmlformats.org/presentationml/2006/main" xmlns:c="http://schemas.openxmlformats.org/drawingml/2006/chart" xmlns:dgm="http://schemas.openxmlformats.org/drawingml/2006/diagram" xmlns:o="urn:schemas-microsoft-com:office:office" xmlns:v="urn:schemas-microsoft-com:vml" xmlns:pvml="urn:schemas-microsoft-com:office:powerpoint" xmlns:com="http://schemas.openxmlformats.org/drawingml/2006/compatibility" xmlns:p14="http://schemas.microsoft.com/office/powerpoint/2010/main" xmlns:p15="http://schemas.microsoft.com/office/powerpoint/2012/main" xmlns:ahyp="http://schemas.microsoft.com/office/drawing/2018/hyperlinkcolor">
   <p:cSld>
     <p:spTree>
       <p:nvGrpSpPr>
-        <p:cNvPr id="238" name="Shape 238"/>
+        <p:cNvPr id="247" name="Shape 247"/>
         <p:cNvGrpSpPr/>
         <p:nvPr/>
       </p:nvGrpSpPr>
@@ -25295,7 +26728,7 @@
       </p:grpSpPr>
       <p:sp>
         <p:nvSpPr>
-          <p:cNvPr id="239" name="Google Shape;239;p12"/>
+          <p:cNvPr id="248" name="Google Shape;248;p12"/>
           <p:cNvSpPr/>
           <p:nvPr/>
         </p:nvSpPr>
@@ -25354,7 +26787,7 @@
       </p:sp>
       <p:sp>
         <p:nvSpPr>
-          <p:cNvPr id="240" name="Google Shape;240;p12"/>
+          <p:cNvPr id="249" name="Google Shape;249;p12"/>
           <p:cNvSpPr/>
           <p:nvPr/>
         </p:nvSpPr>
@@ -25451,7 +26884,7 @@
       </p:sp>
       <p:sp>
         <p:nvSpPr>
-          <p:cNvPr id="241" name="Google Shape;241;p12"/>
+          <p:cNvPr id="250" name="Google Shape;250;p12"/>
           <p:cNvSpPr txBox="1"/>
           <p:nvPr>
             <p:ph type="title"/>
@@ -25499,7 +26932,7 @@
       </p:sp>
       <p:sp>
         <p:nvSpPr>
-          <p:cNvPr id="242" name="Google Shape;242;p12"/>
+          <p:cNvPr id="251" name="Google Shape;251;p12"/>
           <p:cNvSpPr txBox="1"/>
           <p:nvPr>
             <p:ph idx="1" type="body"/>
@@ -25587,7 +27020,7 @@
       </p:sp>
       <p:sp>
         <p:nvSpPr>
-          <p:cNvPr id="243" name="Google Shape;243;p12"/>
+          <p:cNvPr id="252" name="Google Shape;252;p12"/>
           <p:cNvSpPr/>
           <p:nvPr/>
         </p:nvSpPr>
@@ -25965,7 +27398,7 @@
       </p:sp>
       <p:sp>
         <p:nvSpPr>
-          <p:cNvPr id="244" name="Google Shape;244;p12"/>
+          <p:cNvPr id="253" name="Google Shape;253;p12"/>
           <p:cNvSpPr/>
           <p:nvPr/>
         </p:nvSpPr>
@@ -26343,7 +27776,7 @@
       </p:sp>
       <p:grpSp>
         <p:nvGrpSpPr>
-          <p:cNvPr id="245" name="Google Shape;245;p12"/>
+          <p:cNvPr id="254" name="Google Shape;254;p12"/>
           <p:cNvGrpSpPr/>
           <p:nvPr/>
         </p:nvGrpSpPr>
@@ -26357,7 +27790,7 @@
         </p:grpSpPr>
         <p:cxnSp>
           <p:nvCxnSpPr>
-            <p:cNvPr id="246" name="Google Shape;246;p12"/>
+            <p:cNvPr id="255" name="Google Shape;255;p12"/>
             <p:cNvCxnSpPr/>
             <p:nvPr/>
           </p:nvCxnSpPr>
@@ -26383,7 +27816,7 @@
         </p:cxnSp>
         <p:cxnSp>
           <p:nvCxnSpPr>
-            <p:cNvPr id="247" name="Google Shape;247;p12"/>
+            <p:cNvPr id="256" name="Google Shape;256;p12"/>
             <p:cNvCxnSpPr/>
             <p:nvPr/>
           </p:nvCxnSpPr>
@@ -26410,7 +27843,7 @@
       </p:grpSp>
       <p:grpSp>
         <p:nvGrpSpPr>
-          <p:cNvPr id="248" name="Google Shape;248;p12"/>
+          <p:cNvPr id="257" name="Google Shape;257;p12"/>
           <p:cNvGrpSpPr/>
           <p:nvPr/>
         </p:nvGrpSpPr>
@@ -26424,7 +27857,7 @@
         </p:grpSpPr>
         <p:sp>
           <p:nvSpPr>
-            <p:cNvPr id="249" name="Google Shape;249;p12"/>
+            <p:cNvPr id="258" name="Google Shape;258;p12"/>
             <p:cNvSpPr/>
             <p:nvPr/>
           </p:nvSpPr>
@@ -26490,7 +27923,7 @@
         </p:sp>
         <p:sp>
           <p:nvSpPr>
-            <p:cNvPr id="250" name="Google Shape;250;p12"/>
+            <p:cNvPr id="259" name="Google Shape;259;p12"/>
             <p:cNvSpPr txBox="1"/>
             <p:nvPr/>
           </p:nvSpPr>
@@ -26556,7 +27989,7 @@
         </p:sp>
         <p:sp>
           <p:nvSpPr>
-            <p:cNvPr id="251" name="Google Shape;251;p12"/>
+            <p:cNvPr id="260" name="Google Shape;260;p12"/>
             <p:cNvSpPr/>
             <p:nvPr/>
           </p:nvSpPr>
@@ -26660,7 +28093,7 @@
                                           </p:stCondLst>
                                         </p:cTn>
                                         <p:tgtEl>
-                                          <p:spTgt spid="243"/>
+                                          <p:spTgt spid="252"/>
                                         </p:tgtEl>
                                         <p:attrNameLst>
                                           <p:attrName>style.visibility</p:attrName>
@@ -26705,7 +28138,7 @@
                                           </p:stCondLst>
                                         </p:cTn>
                                         <p:tgtEl>
-                                          <p:spTgt spid="245"/>
+                                          <p:spTgt spid="254"/>
                                         </p:tgtEl>
                                         <p:attrNameLst>
                                           <p:attrName>style.visibility</p:attrName>
@@ -26750,7 +28183,7 @@
                                           </p:stCondLst>
                                         </p:cTn>
                                         <p:tgtEl>
-                                          <p:spTgt spid="248"/>
+                                          <p:spTgt spid="257"/>
                                         </p:tgtEl>
                                         <p:attrNameLst>
                                           <p:attrName>style.visibility</p:attrName>
@@ -26795,7 +28228,7 @@
                                           </p:stCondLst>
                                         </p:cTn>
                                         <p:tgtEl>
-                                          <p:spTgt spid="242"/>
+                                          <p:spTgt spid="251"/>
                                         </p:tgtEl>
                                         <p:attrNameLst>
                                           <p:attrName>style.visibility</p:attrName>
@@ -26839,12 +28272,12 @@
 </p:sld>
 </file>
 
-<file path=ppt/slides/slide14.xml><?xml version="1.0" encoding="utf-8"?>
+<file path=ppt/slides/slide15.xml><?xml version="1.0" encoding="utf-8"?>
 <p:sld xmlns:a="http://schemas.openxmlformats.org/drawingml/2006/main" xmlns:r="http://schemas.openxmlformats.org/officeDocument/2006/relationships" xmlns:mc="http://schemas.openxmlformats.org/markup-compatibility/2006" xmlns:mv="urn:schemas-microsoft-com:mac:vml" xmlns:p="http://schemas.openxmlformats.org/presentationml/2006/main" xmlns:c="http://schemas.openxmlformats.org/drawingml/2006/chart" xmlns:dgm="http://schemas.openxmlformats.org/drawingml/2006/diagram" xmlns:o="urn:schemas-microsoft-com:office:office" xmlns:v="urn:schemas-microsoft-com:vml" xmlns:pvml="urn:schemas-microsoft-com:office:powerpoint" xmlns:com="http://schemas.openxmlformats.org/drawingml/2006/compatibility" xmlns:p14="http://schemas.microsoft.com/office/powerpoint/2010/main" xmlns:p15="http://schemas.microsoft.com/office/powerpoint/2012/main" xmlns:ahyp="http://schemas.microsoft.com/office/drawing/2018/hyperlinkcolor">
   <p:cSld>
     <p:spTree>
       <p:nvGrpSpPr>
-        <p:cNvPr id="255" name="Shape 255"/>
+        <p:cNvPr id="264" name="Shape 264"/>
         <p:cNvGrpSpPr/>
         <p:nvPr/>
       </p:nvGrpSpPr>
@@ -26858,7 +28291,7 @@
       </p:grpSpPr>
       <p:sp>
         <p:nvSpPr>
-          <p:cNvPr id="256" name="Google Shape;256;p14"/>
+          <p:cNvPr id="265" name="Google Shape;265;p14"/>
           <p:cNvSpPr/>
           <p:nvPr/>
         </p:nvSpPr>
@@ -26917,7 +28350,7 @@
       </p:sp>
       <p:sp>
         <p:nvSpPr>
-          <p:cNvPr id="257" name="Google Shape;257;p14"/>
+          <p:cNvPr id="266" name="Google Shape;266;p14"/>
           <p:cNvSpPr/>
           <p:nvPr/>
         </p:nvSpPr>
@@ -26983,7 +28416,7 @@
       </p:sp>
       <p:sp>
         <p:nvSpPr>
-          <p:cNvPr id="258" name="Google Shape;258;p14"/>
+          <p:cNvPr id="267" name="Google Shape;267;p14"/>
           <p:cNvSpPr txBox="1"/>
           <p:nvPr>
             <p:ph type="title"/>
@@ -27038,7 +28471,7 @@
       </p:sp>
       <p:sp>
         <p:nvSpPr>
-          <p:cNvPr id="259" name="Google Shape;259;p14"/>
+          <p:cNvPr id="268" name="Google Shape;268;p14"/>
           <p:cNvSpPr txBox="1"/>
           <p:nvPr>
             <p:ph idx="1" type="body"/>
@@ -27251,12 +28684,12 @@
 </p:sld>
 </file>
 
-<file path=ppt/slides/slide15.xml><?xml version="1.0" encoding="utf-8"?>
+<file path=ppt/slides/slide16.xml><?xml version="1.0" encoding="utf-8"?>
 <p:sld xmlns:a="http://schemas.openxmlformats.org/drawingml/2006/main" xmlns:r="http://schemas.openxmlformats.org/officeDocument/2006/relationships" xmlns:mc="http://schemas.openxmlformats.org/markup-compatibility/2006" xmlns:mv="urn:schemas-microsoft-com:mac:vml" xmlns:p="http://schemas.openxmlformats.org/presentationml/2006/main" xmlns:c="http://schemas.openxmlformats.org/drawingml/2006/chart" xmlns:dgm="http://schemas.openxmlformats.org/drawingml/2006/diagram" xmlns:o="urn:schemas-microsoft-com:office:office" xmlns:v="urn:schemas-microsoft-com:vml" xmlns:pvml="urn:schemas-microsoft-com:office:powerpoint" xmlns:com="http://schemas.openxmlformats.org/drawingml/2006/compatibility" xmlns:p14="http://schemas.microsoft.com/office/powerpoint/2010/main" xmlns:p15="http://schemas.microsoft.com/office/powerpoint/2012/main" xmlns:ahyp="http://schemas.microsoft.com/office/drawing/2018/hyperlinkcolor">
   <p:cSld>
     <p:spTree>
       <p:nvGrpSpPr>
-        <p:cNvPr id="263" name="Shape 263"/>
+        <p:cNvPr id="272" name="Shape 272"/>
         <p:cNvGrpSpPr/>
         <p:nvPr/>
       </p:nvGrpSpPr>
@@ -27270,7 +28703,7 @@
       </p:grpSpPr>
       <p:sp>
         <p:nvSpPr>
-          <p:cNvPr id="264" name="Google Shape;264;p15"/>
+          <p:cNvPr id="273" name="Google Shape;273;p15"/>
           <p:cNvSpPr/>
           <p:nvPr/>
         </p:nvSpPr>
@@ -27329,7 +28762,7 @@
       </p:sp>
       <p:sp>
         <p:nvSpPr>
-          <p:cNvPr id="265" name="Google Shape;265;p15"/>
+          <p:cNvPr id="274" name="Google Shape;274;p15"/>
           <p:cNvSpPr/>
           <p:nvPr/>
         </p:nvSpPr>
@@ -27395,7 +28828,7 @@
       </p:sp>
       <p:sp>
         <p:nvSpPr>
-          <p:cNvPr id="266" name="Google Shape;266;p15"/>
+          <p:cNvPr id="275" name="Google Shape;275;p15"/>
           <p:cNvSpPr txBox="1"/>
           <p:nvPr>
             <p:ph type="title"/>
@@ -27443,7 +28876,7 @@
       </p:sp>
       <p:sp>
         <p:nvSpPr>
-          <p:cNvPr id="267" name="Google Shape;267;p15"/>
+          <p:cNvPr id="276" name="Google Shape;276;p15"/>
           <p:cNvSpPr txBox="1"/>
           <p:nvPr>
             <p:ph idx="1" type="body"/>
@@ -27657,12 +29090,12 @@
 </p:sld>
 </file>
 
-<file path=ppt/slides/slide16.xml><?xml version="1.0" encoding="utf-8"?>
+<file path=ppt/slides/slide17.xml><?xml version="1.0" encoding="utf-8"?>
 <p:sld xmlns:a="http://schemas.openxmlformats.org/drawingml/2006/main" xmlns:r="http://schemas.openxmlformats.org/officeDocument/2006/relationships" xmlns:mc="http://schemas.openxmlformats.org/markup-compatibility/2006" xmlns:mv="urn:schemas-microsoft-com:mac:vml" xmlns:p="http://schemas.openxmlformats.org/presentationml/2006/main" xmlns:c="http://schemas.openxmlformats.org/drawingml/2006/chart" xmlns:dgm="http://schemas.openxmlformats.org/drawingml/2006/diagram" xmlns:o="urn:schemas-microsoft-com:office:office" xmlns:v="urn:schemas-microsoft-com:vml" xmlns:pvml="urn:schemas-microsoft-com:office:powerpoint" xmlns:com="http://schemas.openxmlformats.org/drawingml/2006/compatibility" xmlns:p14="http://schemas.microsoft.com/office/powerpoint/2010/main" xmlns:p15="http://schemas.microsoft.com/office/powerpoint/2012/main" xmlns:ahyp="http://schemas.microsoft.com/office/drawing/2018/hyperlinkcolor">
   <p:cSld>
     <p:spTree>
       <p:nvGrpSpPr>
-        <p:cNvPr id="271" name="Shape 271"/>
+        <p:cNvPr id="280" name="Shape 280"/>
         <p:cNvGrpSpPr/>
         <p:nvPr/>
       </p:nvGrpSpPr>
@@ -27676,7 +29109,7 @@
       </p:grpSpPr>
       <p:sp>
         <p:nvSpPr>
-          <p:cNvPr id="272" name="Google Shape;272;p16"/>
+          <p:cNvPr id="281" name="Google Shape;281;p16"/>
           <p:cNvSpPr/>
           <p:nvPr/>
         </p:nvSpPr>
@@ -27735,7 +29168,7 @@
       </p:sp>
       <p:sp>
         <p:nvSpPr>
-          <p:cNvPr id="273" name="Google Shape;273;p16"/>
+          <p:cNvPr id="282" name="Google Shape;282;p16"/>
           <p:cNvSpPr/>
           <p:nvPr/>
         </p:nvSpPr>
@@ -27801,7 +29234,7 @@
       </p:sp>
       <p:sp>
         <p:nvSpPr>
-          <p:cNvPr id="274" name="Google Shape;274;p16"/>
+          <p:cNvPr id="283" name="Google Shape;283;p16"/>
           <p:cNvSpPr txBox="1"/>
           <p:nvPr>
             <p:ph type="title"/>
@@ -27849,7 +29282,7 @@
       </p:sp>
       <p:sp>
         <p:nvSpPr>
-          <p:cNvPr id="275" name="Google Shape;275;p16"/>
+          <p:cNvPr id="284" name="Google Shape;284;p16"/>
           <p:cNvSpPr txBox="1"/>
           <p:nvPr>
             <p:ph idx="1" type="body"/>
@@ -28042,12 +29475,12 @@
 </p:sld>
 </file>
 
-<file path=ppt/slides/slide17.xml><?xml version="1.0" encoding="utf-8"?>
+<file path=ppt/slides/slide18.xml><?xml version="1.0" encoding="utf-8"?>
 <p:sld xmlns:a="http://schemas.openxmlformats.org/drawingml/2006/main" xmlns:r="http://schemas.openxmlformats.org/officeDocument/2006/relationships" xmlns:mc="http://schemas.openxmlformats.org/markup-compatibility/2006" xmlns:mv="urn:schemas-microsoft-com:mac:vml" xmlns:p="http://schemas.openxmlformats.org/presentationml/2006/main" xmlns:c="http://schemas.openxmlformats.org/drawingml/2006/chart" xmlns:dgm="http://schemas.openxmlformats.org/drawingml/2006/diagram" xmlns:o="urn:schemas-microsoft-com:office:office" xmlns:v="urn:schemas-microsoft-com:vml" xmlns:pvml="urn:schemas-microsoft-com:office:powerpoint" xmlns:com="http://schemas.openxmlformats.org/drawingml/2006/compatibility" xmlns:p14="http://schemas.microsoft.com/office/powerpoint/2010/main" xmlns:p15="http://schemas.microsoft.com/office/powerpoint/2012/main" xmlns:ahyp="http://schemas.microsoft.com/office/drawing/2018/hyperlinkcolor">
   <p:cSld>
     <p:spTree>
       <p:nvGrpSpPr>
-        <p:cNvPr id="279" name="Shape 279"/>
+        <p:cNvPr id="288" name="Shape 288"/>
         <p:cNvGrpSpPr/>
         <p:nvPr/>
       </p:nvGrpSpPr>
@@ -28061,7 +29494,7 @@
       </p:grpSpPr>
       <p:sp>
         <p:nvSpPr>
-          <p:cNvPr id="280" name="Google Shape;280;p21"/>
+          <p:cNvPr id="289" name="Google Shape;289;p21"/>
           <p:cNvSpPr/>
           <p:nvPr/>
         </p:nvSpPr>
@@ -28120,7 +29553,7 @@
       </p:sp>
       <p:sp>
         <p:nvSpPr>
-          <p:cNvPr id="281" name="Google Shape;281;p21"/>
+          <p:cNvPr id="290" name="Google Shape;290;p21"/>
           <p:cNvSpPr/>
           <p:nvPr/>
         </p:nvSpPr>
@@ -28217,7 +29650,7 @@
       </p:sp>
       <p:sp>
         <p:nvSpPr>
-          <p:cNvPr id="282" name="Google Shape;282;p21"/>
+          <p:cNvPr id="291" name="Google Shape;291;p21"/>
           <p:cNvSpPr txBox="1"/>
           <p:nvPr>
             <p:ph type="title"/>
@@ -28265,7 +29698,7 @@
       </p:sp>
       <p:sp>
         <p:nvSpPr>
-          <p:cNvPr id="283" name="Google Shape;283;p21"/>
+          <p:cNvPr id="292" name="Google Shape;292;p21"/>
           <p:cNvSpPr txBox="1"/>
           <p:nvPr>
             <p:ph idx="1" type="body"/>
@@ -28548,12 +29981,12 @@
 </p:sld>
 </file>
 
-<file path=ppt/slides/slide18.xml><?xml version="1.0" encoding="utf-8"?>
+<file path=ppt/slides/slide19.xml><?xml version="1.0" encoding="utf-8"?>
 <p:sld xmlns:a="http://schemas.openxmlformats.org/drawingml/2006/main" xmlns:r="http://schemas.openxmlformats.org/officeDocument/2006/relationships" xmlns:mc="http://schemas.openxmlformats.org/markup-compatibility/2006" xmlns:mv="urn:schemas-microsoft-com:mac:vml" xmlns:p="http://schemas.openxmlformats.org/presentationml/2006/main" xmlns:c="http://schemas.openxmlformats.org/drawingml/2006/chart" xmlns:dgm="http://schemas.openxmlformats.org/drawingml/2006/diagram" xmlns:o="urn:schemas-microsoft-com:office:office" xmlns:v="urn:schemas-microsoft-com:vml" xmlns:pvml="urn:schemas-microsoft-com:office:powerpoint" xmlns:com="http://schemas.openxmlformats.org/drawingml/2006/compatibility" xmlns:p14="http://schemas.microsoft.com/office/powerpoint/2010/main" xmlns:p15="http://schemas.microsoft.com/office/powerpoint/2012/main" xmlns:ahyp="http://schemas.microsoft.com/office/drawing/2018/hyperlinkcolor">
   <p:cSld>
     <p:spTree>
       <p:nvGrpSpPr>
-        <p:cNvPr id="287" name="Shape 287"/>
+        <p:cNvPr id="296" name="Shape 296"/>
         <p:cNvGrpSpPr/>
         <p:nvPr/>
       </p:nvGrpSpPr>
@@ -28567,7 +30000,7 @@
       </p:grpSpPr>
       <p:sp>
         <p:nvSpPr>
-          <p:cNvPr id="288" name="Google Shape;288;p22"/>
+          <p:cNvPr id="297" name="Google Shape;297;p22"/>
           <p:cNvSpPr/>
           <p:nvPr/>
         </p:nvSpPr>
@@ -28626,7 +30059,7 @@
       </p:sp>
       <p:sp>
         <p:nvSpPr>
-          <p:cNvPr id="289" name="Google Shape;289;p22"/>
+          <p:cNvPr id="298" name="Google Shape;298;p22"/>
           <p:cNvSpPr/>
           <p:nvPr/>
         </p:nvSpPr>
@@ -28723,7 +30156,7 @@
       </p:sp>
       <p:sp>
         <p:nvSpPr>
-          <p:cNvPr id="290" name="Google Shape;290;p22"/>
+          <p:cNvPr id="299" name="Google Shape;299;p22"/>
           <p:cNvSpPr txBox="1"/>
           <p:nvPr>
             <p:ph type="title"/>
@@ -28771,7 +30204,7 @@
       </p:sp>
       <p:sp>
         <p:nvSpPr>
-          <p:cNvPr id="291" name="Google Shape;291;p22"/>
+          <p:cNvPr id="300" name="Google Shape;300;p22"/>
           <p:cNvSpPr txBox="1"/>
           <p:nvPr>
             <p:ph idx="1" type="body"/>
@@ -29012,442 +30445,6 @@
             <a:r>
               <a:rPr lang="en-US"/>
               <a:t>Test your understanding of concepts &amp; mathematical principles</a:t>
-            </a:r>
-            <a:endParaRPr/>
-          </a:p>
-        </p:txBody>
-      </p:sp>
-    </p:spTree>
-  </p:cSld>
-  <p:clrMapOvr>
-    <a:masterClrMapping/>
-  </p:clrMapOvr>
-</p:sld>
-</file>
-
-<file path=ppt/slides/slide19.xml><?xml version="1.0" encoding="utf-8"?>
-<p:sld xmlns:a="http://schemas.openxmlformats.org/drawingml/2006/main" xmlns:r="http://schemas.openxmlformats.org/officeDocument/2006/relationships" xmlns:mc="http://schemas.openxmlformats.org/markup-compatibility/2006" xmlns:mv="urn:schemas-microsoft-com:mac:vml" xmlns:p="http://schemas.openxmlformats.org/presentationml/2006/main" xmlns:c="http://schemas.openxmlformats.org/drawingml/2006/chart" xmlns:dgm="http://schemas.openxmlformats.org/drawingml/2006/diagram" xmlns:o="urn:schemas-microsoft-com:office:office" xmlns:v="urn:schemas-microsoft-com:vml" xmlns:pvml="urn:schemas-microsoft-com:office:powerpoint" xmlns:com="http://schemas.openxmlformats.org/drawingml/2006/compatibility" xmlns:p14="http://schemas.microsoft.com/office/powerpoint/2010/main" xmlns:p15="http://schemas.microsoft.com/office/powerpoint/2012/main" xmlns:ahyp="http://schemas.microsoft.com/office/drawing/2018/hyperlinkcolor">
-  <p:cSld>
-    <p:spTree>
-      <p:nvGrpSpPr>
-        <p:cNvPr id="295" name="Shape 295"/>
-        <p:cNvGrpSpPr/>
-        <p:nvPr/>
-      </p:nvGrpSpPr>
-      <p:grpSpPr>
-        <a:xfrm>
-          <a:off x="0" y="0"/>
-          <a:ext cx="0" cy="0"/>
-          <a:chOff x="0" y="0"/>
-          <a:chExt cx="0" cy="0"/>
-        </a:xfrm>
-      </p:grpSpPr>
-      <p:sp>
-        <p:nvSpPr>
-          <p:cNvPr id="296" name="Google Shape;296;p30"/>
-          <p:cNvSpPr/>
-          <p:nvPr/>
-        </p:nvSpPr>
-        <p:spPr>
-          <a:xfrm>
-            <a:off x="0" y="0"/>
-            <a:ext cx="9156700" cy="228600"/>
-          </a:xfrm>
-          <a:prstGeom prst="rect">
-            <a:avLst/>
-          </a:prstGeom>
-          <a:solidFill>
-            <a:schemeClr val="accent1"/>
-          </a:solidFill>
-          <a:ln>
-            <a:noFill/>
-          </a:ln>
-        </p:spPr>
-        <p:txBody>
-          <a:bodyPr anchorCtr="0" anchor="t" bIns="0" lIns="0" spcFirstLastPara="1" rIns="0" wrap="square" tIns="0">
-            <a:noAutofit/>
-          </a:bodyPr>
-          <a:lstStyle/>
-          <a:p>
-            <a:pPr indent="0" lvl="0" marL="0" marR="0" rtl="0" algn="ctr">
-              <a:lnSpc>
-                <a:spcPct val="100000"/>
-              </a:lnSpc>
-              <a:spcBef>
-                <a:spcPts val="0"/>
-              </a:spcBef>
-              <a:spcAft>
-                <a:spcPts val="0"/>
-              </a:spcAft>
-              <a:buClr>
-                <a:srgbClr val="000000"/>
-              </a:buClr>
-              <a:buSzPts val="4200"/>
-              <a:buFont typeface="Arial"/>
-              <a:buNone/>
-            </a:pPr>
-            <a:r>
-              <a:t/>
-            </a:r>
-            <a:endParaRPr b="0" i="0" sz="4200" u="none" cap="none" strike="noStrike">
-              <a:solidFill>
-                <a:srgbClr val="000000"/>
-              </a:solidFill>
-              <a:latin typeface="Gill Sans"/>
-              <a:ea typeface="Gill Sans"/>
-              <a:cs typeface="Gill Sans"/>
-              <a:sym typeface="Gill Sans"/>
-            </a:endParaRPr>
-          </a:p>
-        </p:txBody>
-      </p:sp>
-      <p:sp>
-        <p:nvSpPr>
-          <p:cNvPr id="297" name="Google Shape;297;p30"/>
-          <p:cNvSpPr/>
-          <p:nvPr/>
-        </p:nvSpPr>
-        <p:spPr>
-          <a:xfrm>
-            <a:off x="7759528" y="22225"/>
-            <a:ext cx="1624200" cy="177900"/>
-          </a:xfrm>
-          <a:prstGeom prst="rect">
-            <a:avLst/>
-          </a:prstGeom>
-          <a:noFill/>
-          <a:ln>
-            <a:noFill/>
-          </a:ln>
-        </p:spPr>
-        <p:txBody>
-          <a:bodyPr anchorCtr="0" anchor="t" bIns="0" lIns="0" spcFirstLastPara="1" rIns="0" wrap="square" tIns="0">
-            <a:noAutofit/>
-          </a:bodyPr>
-          <a:lstStyle/>
-          <a:p>
-            <a:pPr indent="0" lvl="0" marL="0" marR="0" rtl="0" algn="l">
-              <a:lnSpc>
-                <a:spcPct val="100000"/>
-              </a:lnSpc>
-              <a:spcBef>
-                <a:spcPts val="0"/>
-              </a:spcBef>
-              <a:spcAft>
-                <a:spcPts val="0"/>
-              </a:spcAft>
-              <a:buClr>
-                <a:schemeClr val="dk1"/>
-              </a:buClr>
-              <a:buSzPts val="1200"/>
-              <a:buFont typeface="Arial"/>
-              <a:buNone/>
-            </a:pPr>
-            <a:r>
-              <a:rPr b="0" i="0" lang="en-US" sz="1200" u="none" cap="none" strike="noStrike">
-                <a:solidFill>
-                  <a:schemeClr val="lt1"/>
-                </a:solidFill>
-                <a:latin typeface="Gill Sans"/>
-                <a:ea typeface="Gill Sans"/>
-                <a:cs typeface="Gill Sans"/>
-                <a:sym typeface="Gill Sans"/>
-              </a:rPr>
-              <a:t>Ilia State University</a:t>
-            </a:r>
-            <a:endParaRPr b="0" i="0" sz="1400" u="none" cap="none" strike="noStrike">
-              <a:solidFill>
-                <a:schemeClr val="dk1"/>
-              </a:solidFill>
-              <a:latin typeface="Arial"/>
-              <a:ea typeface="Arial"/>
-              <a:cs typeface="Arial"/>
-              <a:sym typeface="Arial"/>
-            </a:endParaRPr>
-          </a:p>
-          <a:p>
-            <a:pPr indent="0" lvl="0" marL="0" marR="0" rtl="0" algn="l">
-              <a:lnSpc>
-                <a:spcPct val="100000"/>
-              </a:lnSpc>
-              <a:spcBef>
-                <a:spcPts val="0"/>
-              </a:spcBef>
-              <a:spcAft>
-                <a:spcPts val="0"/>
-              </a:spcAft>
-              <a:buClr>
-                <a:srgbClr val="000000"/>
-              </a:buClr>
-              <a:buSzPts val="1200"/>
-              <a:buFont typeface="Arial"/>
-              <a:buNone/>
-            </a:pPr>
-            <a:r>
-              <a:t/>
-            </a:r>
-            <a:endParaRPr b="0" i="0" sz="1200" u="none" cap="none" strike="noStrike">
-              <a:solidFill>
-                <a:srgbClr val="FFFFFF"/>
-              </a:solidFill>
-              <a:latin typeface="Gill Sans"/>
-              <a:ea typeface="Gill Sans"/>
-              <a:cs typeface="Gill Sans"/>
-              <a:sym typeface="Gill Sans"/>
-            </a:endParaRPr>
-          </a:p>
-        </p:txBody>
-      </p:sp>
-      <p:sp>
-        <p:nvSpPr>
-          <p:cNvPr id="298" name="Google Shape;298;p30"/>
-          <p:cNvSpPr txBox="1"/>
-          <p:nvPr>
-            <p:ph type="title"/>
-          </p:nvPr>
-        </p:nvSpPr>
-        <p:spPr>
-          <a:xfrm>
-            <a:off x="381000" y="254000"/>
-            <a:ext cx="8382000" cy="1092200"/>
-          </a:xfrm>
-          <a:prstGeom prst="rect">
-            <a:avLst/>
-          </a:prstGeom>
-          <a:noFill/>
-          <a:ln>
-            <a:noFill/>
-          </a:ln>
-        </p:spPr>
-        <p:txBody>
-          <a:bodyPr anchorCtr="0" anchor="ctr" bIns="38100" lIns="38100" spcFirstLastPara="1" rIns="38100" wrap="square" tIns="38100">
-            <a:noAutofit/>
-          </a:bodyPr>
-          <a:lstStyle/>
-          <a:p>
-            <a:pPr indent="-119063" lvl="0" marL="119063" rtl="0" algn="l">
-              <a:lnSpc>
-                <a:spcPct val="100000"/>
-              </a:lnSpc>
-              <a:spcBef>
-                <a:spcPts val="0"/>
-              </a:spcBef>
-              <a:spcAft>
-                <a:spcPts val="0"/>
-              </a:spcAft>
-              <a:buSzPts val="1400"/>
-              <a:buNone/>
-            </a:pPr>
-            <a:r>
-              <a:rPr lang="en-US"/>
-              <a:t>Programs and Data</a:t>
-            </a:r>
-            <a:endParaRPr/>
-          </a:p>
-        </p:txBody>
-      </p:sp>
-      <p:sp>
-        <p:nvSpPr>
-          <p:cNvPr id="299" name="Google Shape;299;p30"/>
-          <p:cNvSpPr txBox="1"/>
-          <p:nvPr>
-            <p:ph idx="1" type="body"/>
-          </p:nvPr>
-        </p:nvSpPr>
-        <p:spPr>
-          <a:xfrm>
-            <a:off x="381000" y="1397000"/>
-            <a:ext cx="8382000" cy="5435600"/>
-          </a:xfrm>
-          <a:prstGeom prst="rect">
-            <a:avLst/>
-          </a:prstGeom>
-          <a:noFill/>
-          <a:ln>
-            <a:noFill/>
-          </a:ln>
-        </p:spPr>
-        <p:txBody>
-          <a:bodyPr anchorCtr="0" anchor="t" bIns="38100" lIns="38100" spcFirstLastPara="1" rIns="38100" wrap="square" tIns="38100">
-            <a:noAutofit/>
-          </a:bodyPr>
-          <a:lstStyle/>
-          <a:p>
-            <a:pPr indent="-254000" lvl="0" marL="254000" rtl="0" algn="l">
-              <a:lnSpc>
-                <a:spcPct val="100000"/>
-              </a:lnSpc>
-              <a:spcBef>
-                <a:spcPts val="0"/>
-              </a:spcBef>
-              <a:spcAft>
-                <a:spcPts val="0"/>
-              </a:spcAft>
-              <a:buSzPts val="1440"/>
-              <a:buChar char="⬛"/>
-            </a:pPr>
-            <a:r>
-              <a:rPr lang="en-US"/>
-              <a:t>Topics</a:t>
-            </a:r>
-            <a:endParaRPr/>
-          </a:p>
-          <a:p>
-            <a:pPr indent="-234950" lvl="1" marL="552450" rtl="0" algn="l">
-              <a:lnSpc>
-                <a:spcPct val="100000"/>
-              </a:lnSpc>
-              <a:spcBef>
-                <a:spcPts val="500"/>
-              </a:spcBef>
-              <a:spcAft>
-                <a:spcPts val="0"/>
-              </a:spcAft>
-              <a:buSzPts val="2200"/>
-              <a:buChar char="▪"/>
-            </a:pPr>
-            <a:r>
-              <a:rPr lang="en-US"/>
-              <a:t>Bits operations, arithmetic, assembly language programs</a:t>
-            </a:r>
-            <a:endParaRPr/>
-          </a:p>
-          <a:p>
-            <a:pPr indent="-234950" lvl="1" marL="552450" rtl="0" algn="l">
-              <a:lnSpc>
-                <a:spcPct val="100000"/>
-              </a:lnSpc>
-              <a:spcBef>
-                <a:spcPts val="500"/>
-              </a:spcBef>
-              <a:spcAft>
-                <a:spcPts val="0"/>
-              </a:spcAft>
-              <a:buSzPts val="2200"/>
-              <a:buChar char="▪"/>
-            </a:pPr>
-            <a:r>
-              <a:rPr lang="en-US"/>
-              <a:t>Representation of C control and data structures</a:t>
-            </a:r>
-            <a:endParaRPr/>
-          </a:p>
-          <a:p>
-            <a:pPr indent="-234950" lvl="1" marL="552450" rtl="0" algn="l">
-              <a:lnSpc>
-                <a:spcPct val="100000"/>
-              </a:lnSpc>
-              <a:spcBef>
-                <a:spcPts val="500"/>
-              </a:spcBef>
-              <a:spcAft>
-                <a:spcPts val="0"/>
-              </a:spcAft>
-              <a:buSzPts val="2200"/>
-              <a:buChar char="▪"/>
-            </a:pPr>
-            <a:r>
-              <a:rPr lang="en-US"/>
-              <a:t>Includes aspects of architecture and compilers </a:t>
-            </a:r>
-            <a:endParaRPr/>
-          </a:p>
-          <a:p>
-            <a:pPr indent="-162560" lvl="0" marL="254000" rtl="0" algn="l">
-              <a:lnSpc>
-                <a:spcPct val="100000"/>
-              </a:lnSpc>
-              <a:spcBef>
-                <a:spcPts val="600"/>
-              </a:spcBef>
-              <a:spcAft>
-                <a:spcPts val="0"/>
-              </a:spcAft>
-              <a:buSzPts val="1440"/>
-              <a:buNone/>
-            </a:pPr>
-            <a:r>
-              <a:t/>
-            </a:r>
-            <a:endParaRPr/>
-          </a:p>
-          <a:p>
-            <a:pPr indent="-254000" lvl="0" marL="254000" rtl="0" algn="l">
-              <a:lnSpc>
-                <a:spcPct val="100000"/>
-              </a:lnSpc>
-              <a:spcBef>
-                <a:spcPts val="600"/>
-              </a:spcBef>
-              <a:spcAft>
-                <a:spcPts val="0"/>
-              </a:spcAft>
-              <a:buSzPts val="1440"/>
-              <a:buChar char="⬛"/>
-            </a:pPr>
-            <a:r>
-              <a:rPr lang="en-US"/>
-              <a:t>Assignments</a:t>
-            </a:r>
-            <a:endParaRPr/>
-          </a:p>
-          <a:p>
-            <a:pPr indent="-234950" lvl="1" marL="552450" rtl="0" algn="l">
-              <a:lnSpc>
-                <a:spcPct val="100000"/>
-              </a:lnSpc>
-              <a:spcBef>
-                <a:spcPts val="500"/>
-              </a:spcBef>
-              <a:spcAft>
-                <a:spcPts val="0"/>
-              </a:spcAft>
-              <a:buSzPts val="2200"/>
-              <a:buChar char="▪"/>
-            </a:pPr>
-            <a:r>
-              <a:rPr lang="en-US"/>
-              <a:t>L1 (datalab): Manipulating bits</a:t>
-            </a:r>
-            <a:endParaRPr/>
-          </a:p>
-          <a:p>
-            <a:pPr indent="-234950" lvl="1" marL="552450" rtl="0" algn="l">
-              <a:lnSpc>
-                <a:spcPct val="100000"/>
-              </a:lnSpc>
-              <a:spcBef>
-                <a:spcPts val="500"/>
-              </a:spcBef>
-              <a:spcAft>
-                <a:spcPts val="0"/>
-              </a:spcAft>
-              <a:buSzPts val="2200"/>
-              <a:buChar char="▪"/>
-            </a:pPr>
-            <a:r>
-              <a:rPr lang="en-US"/>
-              <a:t>L2 (bomblab): Defusing a binary bomb</a:t>
-            </a:r>
-            <a:endParaRPr/>
-          </a:p>
-          <a:p>
-            <a:pPr indent="-234950" lvl="1" marL="552450" rtl="0" algn="l">
-              <a:lnSpc>
-                <a:spcPct val="100000"/>
-              </a:lnSpc>
-              <a:spcBef>
-                <a:spcPts val="500"/>
-              </a:spcBef>
-              <a:spcAft>
-                <a:spcPts val="0"/>
-              </a:spcAft>
-              <a:buSzPts val="2200"/>
-              <a:buChar char="▪"/>
-            </a:pPr>
-            <a:r>
-              <a:rPr lang="en-US"/>
-              <a:t>L3 (attacklab): The basics of code injection attacks</a:t>
             </a:r>
             <a:endParaRPr/>
           </a:p>
@@ -29854,7 +30851,7 @@
   <p:cSld>
     <p:spTree>
       <p:nvGrpSpPr>
-        <p:cNvPr id="303" name="Shape 303"/>
+        <p:cNvPr id="304" name="Shape 304"/>
         <p:cNvGrpSpPr/>
         <p:nvPr/>
       </p:nvGrpSpPr>
@@ -29868,7 +30865,7 @@
       </p:grpSpPr>
       <p:sp>
         <p:nvSpPr>
-          <p:cNvPr id="304" name="Google Shape;304;p31"/>
+          <p:cNvPr id="305" name="Google Shape;305;p30"/>
           <p:cNvSpPr/>
           <p:nvPr/>
         </p:nvSpPr>
@@ -29927,14 +30924,14 @@
       </p:sp>
       <p:sp>
         <p:nvSpPr>
-          <p:cNvPr id="305" name="Google Shape;305;p31"/>
+          <p:cNvPr id="306" name="Google Shape;306;p30"/>
           <p:cNvSpPr/>
           <p:nvPr/>
         </p:nvSpPr>
         <p:spPr>
           <a:xfrm>
-            <a:off x="7775628" y="22225"/>
-            <a:ext cx="1608000" cy="177900"/>
+            <a:off x="7759528" y="22225"/>
+            <a:ext cx="1624200" cy="177900"/>
           </a:xfrm>
           <a:prstGeom prst="rect">
             <a:avLst/>
@@ -30024,7 +31021,7 @@
       </p:sp>
       <p:sp>
         <p:nvSpPr>
-          <p:cNvPr id="306" name="Google Shape;306;p31"/>
+          <p:cNvPr id="307" name="Google Shape;307;p30"/>
           <p:cNvSpPr txBox="1"/>
           <p:nvPr>
             <p:ph type="title"/>
@@ -30064,7 +31061,7 @@
             </a:pPr>
             <a:r>
               <a:rPr lang="en-US"/>
-              <a:t>The Memory Hierarchy</a:t>
+              <a:t>Programs and Data</a:t>
             </a:r>
             <a:endParaRPr/>
           </a:p>
@@ -30072,7 +31069,7 @@
       </p:sp>
       <p:sp>
         <p:nvSpPr>
-          <p:cNvPr id="307" name="Google Shape;307;p31"/>
+          <p:cNvPr id="308" name="Google Shape;308;p30"/>
           <p:cNvSpPr txBox="1"/>
           <p:nvPr>
             <p:ph idx="1" type="body"/>
@@ -30132,7 +31129,7 @@
             </a:pPr>
             <a:r>
               <a:rPr lang="en-US"/>
-              <a:t>Memory technology, memory hierarchy, caches, disks, locality</a:t>
+              <a:t>Bits operations, arithmetic, assembly language programs</a:t>
             </a:r>
             <a:endParaRPr/>
           </a:p>
@@ -30152,46 +31149,7 @@
             </a:pPr>
             <a:r>
               <a:rPr lang="en-US"/>
-              <a:t>Includes aspects of architecture and OS</a:t>
-            </a:r>
-            <a:endParaRPr/>
-          </a:p>
-          <a:p>
-            <a:pPr indent="-95250" lvl="1" marL="552450" rtl="0" algn="l">
-              <a:lnSpc>
-                <a:spcPct val="100000"/>
-              </a:lnSpc>
-              <a:spcBef>
-                <a:spcPts val="500"/>
-              </a:spcBef>
-              <a:spcAft>
-                <a:spcPts val="0"/>
-              </a:spcAft>
-              <a:buSzPts val="2200"/>
-              <a:buNone/>
-            </a:pPr>
-            <a:r>
-              <a:t/>
-            </a:r>
-            <a:endParaRPr/>
-          </a:p>
-          <a:p>
-            <a:pPr indent="-254000" lvl="0" marL="292100" rtl="0" algn="l">
-              <a:lnSpc>
-                <a:spcPct val="100000"/>
-              </a:lnSpc>
-              <a:spcBef>
-                <a:spcPts val="600"/>
-              </a:spcBef>
-              <a:spcAft>
-                <a:spcPts val="0"/>
-              </a:spcAft>
-              <a:buSzPts val="1440"/>
-              <a:buChar char="⬛"/>
-            </a:pPr>
-            <a:r>
-              <a:rPr lang="en-US"/>
-              <a:t>Assignments</a:t>
+              <a:t>Representation of C control and data structures</a:t>
             </a:r>
             <a:endParaRPr/>
           </a:p>
@@ -30211,27 +31169,106 @@
             </a:pPr>
             <a:r>
               <a:rPr lang="en-US"/>
-              <a:t>L4 (cachelab): Building a cache simulator and optimizing for locality.</a:t>
+              <a:t>Includes aspects of architecture and compilers </a:t>
             </a:r>
             <a:endParaRPr/>
           </a:p>
           <a:p>
-            <a:pPr indent="-203200" lvl="2" marL="838200" rtl="0" algn="l">
-              <a:lnSpc>
-                <a:spcPct val="100000"/>
-              </a:lnSpc>
-              <a:spcBef>
-                <a:spcPts val="500"/>
-              </a:spcBef>
-              <a:spcAft>
-                <a:spcPts val="0"/>
-              </a:spcAft>
-              <a:buSzPts val="1600"/>
+            <a:pPr indent="-162560" lvl="0" marL="254000" rtl="0" algn="l">
+              <a:lnSpc>
+                <a:spcPct val="100000"/>
+              </a:lnSpc>
+              <a:spcBef>
+                <a:spcPts val="600"/>
+              </a:spcBef>
+              <a:spcAft>
+                <a:spcPts val="0"/>
+              </a:spcAft>
+              <a:buSzPts val="1440"/>
+              <a:buNone/>
+            </a:pPr>
+            <a:r>
+              <a:t/>
+            </a:r>
+            <a:endParaRPr/>
+          </a:p>
+          <a:p>
+            <a:pPr indent="-254000" lvl="0" marL="254000" rtl="0" algn="l">
+              <a:lnSpc>
+                <a:spcPct val="100000"/>
+              </a:lnSpc>
+              <a:spcBef>
+                <a:spcPts val="600"/>
+              </a:spcBef>
+              <a:spcAft>
+                <a:spcPts val="0"/>
+              </a:spcAft>
+              <a:buSzPts val="1440"/>
+              <a:buChar char="⬛"/>
+            </a:pPr>
+            <a:r>
+              <a:rPr lang="en-US"/>
+              <a:t>Assignments</a:t>
+            </a:r>
+            <a:endParaRPr/>
+          </a:p>
+          <a:p>
+            <a:pPr indent="-234950" lvl="1" marL="552450" rtl="0" algn="l">
+              <a:lnSpc>
+                <a:spcPct val="100000"/>
+              </a:lnSpc>
+              <a:spcBef>
+                <a:spcPts val="500"/>
+              </a:spcBef>
+              <a:spcAft>
+                <a:spcPts val="0"/>
+              </a:spcAft>
+              <a:buSzPts val="2200"/>
               <a:buChar char="▪"/>
             </a:pPr>
             <a:r>
               <a:rPr lang="en-US"/>
-              <a:t>Learn how to exploit locality in your programs. </a:t>
+              <a:t>L1 (datalab): Manipulating bits</a:t>
+            </a:r>
+            <a:endParaRPr/>
+          </a:p>
+          <a:p>
+            <a:pPr indent="-234950" lvl="1" marL="552450" rtl="0" algn="l">
+              <a:lnSpc>
+                <a:spcPct val="100000"/>
+              </a:lnSpc>
+              <a:spcBef>
+                <a:spcPts val="500"/>
+              </a:spcBef>
+              <a:spcAft>
+                <a:spcPts val="0"/>
+              </a:spcAft>
+              <a:buSzPts val="2200"/>
+              <a:buChar char="▪"/>
+            </a:pPr>
+            <a:r>
+              <a:rPr lang="en-US"/>
+              <a:t>L2 (bomblab): Defusing a binary bomb</a:t>
+            </a:r>
+            <a:endParaRPr/>
+          </a:p>
+          <a:p>
+            <a:pPr indent="-234950" lvl="1" marL="552450" rtl="0" algn="l">
+              <a:lnSpc>
+                <a:spcPct val="100000"/>
+              </a:lnSpc>
+              <a:spcBef>
+                <a:spcPts val="500"/>
+              </a:spcBef>
+              <a:spcAft>
+                <a:spcPts val="0"/>
+              </a:spcAft>
+              <a:buSzPts val="2200"/>
+              <a:buChar char="▪"/>
+            </a:pPr>
+            <a:r>
+              <a:rPr lang="en-US"/>
+              <a:t>L3 (attacklab): The basics of code injection attacks</a:t>
             </a:r>
             <a:endParaRPr/>
           </a:p>
@@ -30250,7 +31287,7 @@
   <p:cSld>
     <p:spTree>
       <p:nvGrpSpPr>
-        <p:cNvPr id="311" name="Shape 311"/>
+        <p:cNvPr id="312" name="Shape 312"/>
         <p:cNvGrpSpPr/>
         <p:nvPr/>
       </p:nvGrpSpPr>
@@ -30264,7 +31301,7 @@
       </p:grpSpPr>
       <p:sp>
         <p:nvSpPr>
-          <p:cNvPr id="312" name="Google Shape;312;p32"/>
+          <p:cNvPr id="313" name="Google Shape;313;p31"/>
           <p:cNvSpPr/>
           <p:nvPr/>
         </p:nvSpPr>
@@ -30323,14 +31360,14 @@
       </p:sp>
       <p:sp>
         <p:nvSpPr>
-          <p:cNvPr id="313" name="Google Shape;313;p32"/>
+          <p:cNvPr id="314" name="Google Shape;314;p31"/>
           <p:cNvSpPr/>
           <p:nvPr/>
         </p:nvSpPr>
         <p:spPr>
           <a:xfrm>
-            <a:off x="7759528" y="22225"/>
-            <a:ext cx="1624200" cy="177900"/>
+            <a:off x="7775628" y="22225"/>
+            <a:ext cx="1608000" cy="177900"/>
           </a:xfrm>
           <a:prstGeom prst="rect">
             <a:avLst/>
@@ -30420,7 +31457,7 @@
       </p:sp>
       <p:sp>
         <p:nvSpPr>
-          <p:cNvPr id="314" name="Google Shape;314;p32"/>
+          <p:cNvPr id="315" name="Google Shape;315;p31"/>
           <p:cNvSpPr txBox="1"/>
           <p:nvPr>
             <p:ph type="title"/>
@@ -30460,7 +31497,7 @@
             </a:pPr>
             <a:r>
               <a:rPr lang="en-US"/>
-              <a:t>Exceptional  Control Flow</a:t>
+              <a:t>The Memory Hierarchy</a:t>
             </a:r>
             <a:endParaRPr/>
           </a:p>
@@ -30468,7 +31505,403 @@
       </p:sp>
       <p:sp>
         <p:nvSpPr>
-          <p:cNvPr id="315" name="Google Shape;315;p32"/>
+          <p:cNvPr id="316" name="Google Shape;316;p31"/>
+          <p:cNvSpPr txBox="1"/>
+          <p:nvPr>
+            <p:ph idx="1" type="body"/>
+          </p:nvPr>
+        </p:nvSpPr>
+        <p:spPr>
+          <a:xfrm>
+            <a:off x="381000" y="1397000"/>
+            <a:ext cx="8382000" cy="5435600"/>
+          </a:xfrm>
+          <a:prstGeom prst="rect">
+            <a:avLst/>
+          </a:prstGeom>
+          <a:noFill/>
+          <a:ln>
+            <a:noFill/>
+          </a:ln>
+        </p:spPr>
+        <p:txBody>
+          <a:bodyPr anchorCtr="0" anchor="t" bIns="38100" lIns="38100" spcFirstLastPara="1" rIns="38100" wrap="square" tIns="38100">
+            <a:noAutofit/>
+          </a:bodyPr>
+          <a:lstStyle/>
+          <a:p>
+            <a:pPr indent="-254000" lvl="0" marL="254000" rtl="0" algn="l">
+              <a:lnSpc>
+                <a:spcPct val="100000"/>
+              </a:lnSpc>
+              <a:spcBef>
+                <a:spcPts val="0"/>
+              </a:spcBef>
+              <a:spcAft>
+                <a:spcPts val="0"/>
+              </a:spcAft>
+              <a:buSzPts val="1440"/>
+              <a:buChar char="⬛"/>
+            </a:pPr>
+            <a:r>
+              <a:rPr lang="en-US"/>
+              <a:t>Topics</a:t>
+            </a:r>
+            <a:endParaRPr/>
+          </a:p>
+          <a:p>
+            <a:pPr indent="-234950" lvl="1" marL="552450" rtl="0" algn="l">
+              <a:lnSpc>
+                <a:spcPct val="100000"/>
+              </a:lnSpc>
+              <a:spcBef>
+                <a:spcPts val="500"/>
+              </a:spcBef>
+              <a:spcAft>
+                <a:spcPts val="0"/>
+              </a:spcAft>
+              <a:buSzPts val="2200"/>
+              <a:buChar char="▪"/>
+            </a:pPr>
+            <a:r>
+              <a:rPr lang="en-US"/>
+              <a:t>Memory technology, memory hierarchy, caches, disks, locality</a:t>
+            </a:r>
+            <a:endParaRPr/>
+          </a:p>
+          <a:p>
+            <a:pPr indent="-234950" lvl="1" marL="552450" rtl="0" algn="l">
+              <a:lnSpc>
+                <a:spcPct val="100000"/>
+              </a:lnSpc>
+              <a:spcBef>
+                <a:spcPts val="500"/>
+              </a:spcBef>
+              <a:spcAft>
+                <a:spcPts val="0"/>
+              </a:spcAft>
+              <a:buSzPts val="2200"/>
+              <a:buChar char="▪"/>
+            </a:pPr>
+            <a:r>
+              <a:rPr lang="en-US"/>
+              <a:t>Includes aspects of architecture and OS</a:t>
+            </a:r>
+            <a:endParaRPr/>
+          </a:p>
+          <a:p>
+            <a:pPr indent="-95250" lvl="1" marL="552450" rtl="0" algn="l">
+              <a:lnSpc>
+                <a:spcPct val="100000"/>
+              </a:lnSpc>
+              <a:spcBef>
+                <a:spcPts val="500"/>
+              </a:spcBef>
+              <a:spcAft>
+                <a:spcPts val="0"/>
+              </a:spcAft>
+              <a:buSzPts val="2200"/>
+              <a:buNone/>
+            </a:pPr>
+            <a:r>
+              <a:t/>
+            </a:r>
+            <a:endParaRPr/>
+          </a:p>
+          <a:p>
+            <a:pPr indent="-254000" lvl="0" marL="292100" rtl="0" algn="l">
+              <a:lnSpc>
+                <a:spcPct val="100000"/>
+              </a:lnSpc>
+              <a:spcBef>
+                <a:spcPts val="600"/>
+              </a:spcBef>
+              <a:spcAft>
+                <a:spcPts val="0"/>
+              </a:spcAft>
+              <a:buSzPts val="1440"/>
+              <a:buChar char="⬛"/>
+            </a:pPr>
+            <a:r>
+              <a:rPr lang="en-US"/>
+              <a:t>Assignments</a:t>
+            </a:r>
+            <a:endParaRPr/>
+          </a:p>
+          <a:p>
+            <a:pPr indent="-234950" lvl="1" marL="552450" rtl="0" algn="l">
+              <a:lnSpc>
+                <a:spcPct val="100000"/>
+              </a:lnSpc>
+              <a:spcBef>
+                <a:spcPts val="500"/>
+              </a:spcBef>
+              <a:spcAft>
+                <a:spcPts val="0"/>
+              </a:spcAft>
+              <a:buSzPts val="2200"/>
+              <a:buChar char="▪"/>
+            </a:pPr>
+            <a:r>
+              <a:rPr lang="en-US"/>
+              <a:t>L4 (cachelab): Building a cache simulator and optimizing for locality.</a:t>
+            </a:r>
+            <a:endParaRPr/>
+          </a:p>
+          <a:p>
+            <a:pPr indent="-203200" lvl="2" marL="838200" rtl="0" algn="l">
+              <a:lnSpc>
+                <a:spcPct val="100000"/>
+              </a:lnSpc>
+              <a:spcBef>
+                <a:spcPts val="500"/>
+              </a:spcBef>
+              <a:spcAft>
+                <a:spcPts val="0"/>
+              </a:spcAft>
+              <a:buSzPts val="1600"/>
+              <a:buChar char="▪"/>
+            </a:pPr>
+            <a:r>
+              <a:rPr lang="en-US"/>
+              <a:t>Learn how to exploit locality in your programs. </a:t>
+            </a:r>
+            <a:endParaRPr/>
+          </a:p>
+        </p:txBody>
+      </p:sp>
+    </p:spTree>
+  </p:cSld>
+  <p:clrMapOvr>
+    <a:masterClrMapping/>
+  </p:clrMapOvr>
+</p:sld>
+</file>
+
+<file path=ppt/slides/slide22.xml><?xml version="1.0" encoding="utf-8"?>
+<p:sld xmlns:a="http://schemas.openxmlformats.org/drawingml/2006/main" xmlns:r="http://schemas.openxmlformats.org/officeDocument/2006/relationships" xmlns:mc="http://schemas.openxmlformats.org/markup-compatibility/2006" xmlns:mv="urn:schemas-microsoft-com:mac:vml" xmlns:p="http://schemas.openxmlformats.org/presentationml/2006/main" xmlns:c="http://schemas.openxmlformats.org/drawingml/2006/chart" xmlns:dgm="http://schemas.openxmlformats.org/drawingml/2006/diagram" xmlns:o="urn:schemas-microsoft-com:office:office" xmlns:v="urn:schemas-microsoft-com:vml" xmlns:pvml="urn:schemas-microsoft-com:office:powerpoint" xmlns:com="http://schemas.openxmlformats.org/drawingml/2006/compatibility" xmlns:p14="http://schemas.microsoft.com/office/powerpoint/2010/main" xmlns:p15="http://schemas.microsoft.com/office/powerpoint/2012/main" xmlns:ahyp="http://schemas.microsoft.com/office/drawing/2018/hyperlinkcolor">
+  <p:cSld>
+    <p:spTree>
+      <p:nvGrpSpPr>
+        <p:cNvPr id="320" name="Shape 320"/>
+        <p:cNvGrpSpPr/>
+        <p:nvPr/>
+      </p:nvGrpSpPr>
+      <p:grpSpPr>
+        <a:xfrm>
+          <a:off x="0" y="0"/>
+          <a:ext cx="0" cy="0"/>
+          <a:chOff x="0" y="0"/>
+          <a:chExt cx="0" cy="0"/>
+        </a:xfrm>
+      </p:grpSpPr>
+      <p:sp>
+        <p:nvSpPr>
+          <p:cNvPr id="321" name="Google Shape;321;p32"/>
+          <p:cNvSpPr/>
+          <p:nvPr/>
+        </p:nvSpPr>
+        <p:spPr>
+          <a:xfrm>
+            <a:off x="0" y="0"/>
+            <a:ext cx="9156700" cy="228600"/>
+          </a:xfrm>
+          <a:prstGeom prst="rect">
+            <a:avLst/>
+          </a:prstGeom>
+          <a:solidFill>
+            <a:schemeClr val="accent1"/>
+          </a:solidFill>
+          <a:ln>
+            <a:noFill/>
+          </a:ln>
+        </p:spPr>
+        <p:txBody>
+          <a:bodyPr anchorCtr="0" anchor="t" bIns="0" lIns="0" spcFirstLastPara="1" rIns="0" wrap="square" tIns="0">
+            <a:noAutofit/>
+          </a:bodyPr>
+          <a:lstStyle/>
+          <a:p>
+            <a:pPr indent="0" lvl="0" marL="0" marR="0" rtl="0" algn="ctr">
+              <a:lnSpc>
+                <a:spcPct val="100000"/>
+              </a:lnSpc>
+              <a:spcBef>
+                <a:spcPts val="0"/>
+              </a:spcBef>
+              <a:spcAft>
+                <a:spcPts val="0"/>
+              </a:spcAft>
+              <a:buClr>
+                <a:srgbClr val="000000"/>
+              </a:buClr>
+              <a:buSzPts val="4200"/>
+              <a:buFont typeface="Arial"/>
+              <a:buNone/>
+            </a:pPr>
+            <a:r>
+              <a:t/>
+            </a:r>
+            <a:endParaRPr b="0" i="0" sz="4200" u="none" cap="none" strike="noStrike">
+              <a:solidFill>
+                <a:srgbClr val="000000"/>
+              </a:solidFill>
+              <a:latin typeface="Gill Sans"/>
+              <a:ea typeface="Gill Sans"/>
+              <a:cs typeface="Gill Sans"/>
+              <a:sym typeface="Gill Sans"/>
+            </a:endParaRPr>
+          </a:p>
+        </p:txBody>
+      </p:sp>
+      <p:sp>
+        <p:nvSpPr>
+          <p:cNvPr id="322" name="Google Shape;322;p32"/>
+          <p:cNvSpPr/>
+          <p:nvPr/>
+        </p:nvSpPr>
+        <p:spPr>
+          <a:xfrm>
+            <a:off x="7759528" y="22225"/>
+            <a:ext cx="1624200" cy="177900"/>
+          </a:xfrm>
+          <a:prstGeom prst="rect">
+            <a:avLst/>
+          </a:prstGeom>
+          <a:noFill/>
+          <a:ln>
+            <a:noFill/>
+          </a:ln>
+        </p:spPr>
+        <p:txBody>
+          <a:bodyPr anchorCtr="0" anchor="t" bIns="0" lIns="0" spcFirstLastPara="1" rIns="0" wrap="square" tIns="0">
+            <a:noAutofit/>
+          </a:bodyPr>
+          <a:lstStyle/>
+          <a:p>
+            <a:pPr indent="0" lvl="0" marL="0" marR="0" rtl="0" algn="l">
+              <a:lnSpc>
+                <a:spcPct val="100000"/>
+              </a:lnSpc>
+              <a:spcBef>
+                <a:spcPts val="0"/>
+              </a:spcBef>
+              <a:spcAft>
+                <a:spcPts val="0"/>
+              </a:spcAft>
+              <a:buClr>
+                <a:schemeClr val="dk1"/>
+              </a:buClr>
+              <a:buSzPts val="1200"/>
+              <a:buFont typeface="Arial"/>
+              <a:buNone/>
+            </a:pPr>
+            <a:r>
+              <a:rPr b="0" i="0" lang="en-US" sz="1200" u="none" cap="none" strike="noStrike">
+                <a:solidFill>
+                  <a:schemeClr val="lt1"/>
+                </a:solidFill>
+                <a:latin typeface="Gill Sans"/>
+                <a:ea typeface="Gill Sans"/>
+                <a:cs typeface="Gill Sans"/>
+                <a:sym typeface="Gill Sans"/>
+              </a:rPr>
+              <a:t>Ilia State University</a:t>
+            </a:r>
+            <a:endParaRPr b="0" i="0" sz="1400" u="none" cap="none" strike="noStrike">
+              <a:solidFill>
+                <a:schemeClr val="dk1"/>
+              </a:solidFill>
+              <a:latin typeface="Arial"/>
+              <a:ea typeface="Arial"/>
+              <a:cs typeface="Arial"/>
+              <a:sym typeface="Arial"/>
+            </a:endParaRPr>
+          </a:p>
+          <a:p>
+            <a:pPr indent="0" lvl="0" marL="0" marR="0" rtl="0" algn="l">
+              <a:lnSpc>
+                <a:spcPct val="100000"/>
+              </a:lnSpc>
+              <a:spcBef>
+                <a:spcPts val="0"/>
+              </a:spcBef>
+              <a:spcAft>
+                <a:spcPts val="0"/>
+              </a:spcAft>
+              <a:buClr>
+                <a:srgbClr val="000000"/>
+              </a:buClr>
+              <a:buSzPts val="1200"/>
+              <a:buFont typeface="Arial"/>
+              <a:buNone/>
+            </a:pPr>
+            <a:r>
+              <a:t/>
+            </a:r>
+            <a:endParaRPr b="0" i="0" sz="1200" u="none" cap="none" strike="noStrike">
+              <a:solidFill>
+                <a:srgbClr val="FFFFFF"/>
+              </a:solidFill>
+              <a:latin typeface="Gill Sans"/>
+              <a:ea typeface="Gill Sans"/>
+              <a:cs typeface="Gill Sans"/>
+              <a:sym typeface="Gill Sans"/>
+            </a:endParaRPr>
+          </a:p>
+        </p:txBody>
+      </p:sp>
+      <p:sp>
+        <p:nvSpPr>
+          <p:cNvPr id="323" name="Google Shape;323;p32"/>
+          <p:cNvSpPr txBox="1"/>
+          <p:nvPr>
+            <p:ph type="title"/>
+          </p:nvPr>
+        </p:nvSpPr>
+        <p:spPr>
+          <a:xfrm>
+            <a:off x="381000" y="254000"/>
+            <a:ext cx="8382000" cy="1092200"/>
+          </a:xfrm>
+          <a:prstGeom prst="rect">
+            <a:avLst/>
+          </a:prstGeom>
+          <a:noFill/>
+          <a:ln>
+            <a:noFill/>
+          </a:ln>
+        </p:spPr>
+        <p:txBody>
+          <a:bodyPr anchorCtr="0" anchor="ctr" bIns="38100" lIns="38100" spcFirstLastPara="1" rIns="38100" wrap="square" tIns="38100">
+            <a:noAutofit/>
+          </a:bodyPr>
+          <a:lstStyle/>
+          <a:p>
+            <a:pPr indent="-119063" lvl="0" marL="119063" rtl="0" algn="l">
+              <a:lnSpc>
+                <a:spcPct val="100000"/>
+              </a:lnSpc>
+              <a:spcBef>
+                <a:spcPts val="0"/>
+              </a:spcBef>
+              <a:spcAft>
+                <a:spcPts val="0"/>
+              </a:spcAft>
+              <a:buSzPts val="1400"/>
+              <a:buNone/>
+            </a:pPr>
+            <a:r>
+              <a:rPr lang="en-US"/>
+              <a:t>Exceptional  Control Flow</a:t>
+            </a:r>
+            <a:endParaRPr/>
+          </a:p>
+        </p:txBody>
+      </p:sp>
+      <p:sp>
+        <p:nvSpPr>
+          <p:cNvPr id="324" name="Google Shape;324;p32"/>
           <p:cNvSpPr txBox="1"/>
           <p:nvPr>
             <p:ph idx="1" type="body"/>
@@ -30641,12 +32074,12 @@
 </p:sld>
 </file>
 
-<file path=ppt/slides/slide22.xml><?xml version="1.0" encoding="utf-8"?>
+<file path=ppt/slides/slide23.xml><?xml version="1.0" encoding="utf-8"?>
 <p:sld xmlns:a="http://schemas.openxmlformats.org/drawingml/2006/main" xmlns:r="http://schemas.openxmlformats.org/officeDocument/2006/relationships" xmlns:mc="http://schemas.openxmlformats.org/markup-compatibility/2006" xmlns:mv="urn:schemas-microsoft-com:mac:vml" xmlns:p="http://schemas.openxmlformats.org/presentationml/2006/main" xmlns:c="http://schemas.openxmlformats.org/drawingml/2006/chart" xmlns:dgm="http://schemas.openxmlformats.org/drawingml/2006/diagram" xmlns:o="urn:schemas-microsoft-com:office:office" xmlns:v="urn:schemas-microsoft-com:vml" xmlns:pvml="urn:schemas-microsoft-com:office:powerpoint" xmlns:com="http://schemas.openxmlformats.org/drawingml/2006/compatibility" xmlns:p14="http://schemas.microsoft.com/office/powerpoint/2010/main" xmlns:p15="http://schemas.microsoft.com/office/powerpoint/2012/main" xmlns:ahyp="http://schemas.microsoft.com/office/drawing/2018/hyperlinkcolor">
   <p:cSld>
     <p:spTree>
       <p:nvGrpSpPr>
-        <p:cNvPr id="319" name="Shape 319"/>
+        <p:cNvPr id="328" name="Shape 328"/>
         <p:cNvGrpSpPr/>
         <p:nvPr/>
       </p:nvGrpSpPr>
@@ -30660,7 +32093,7 @@
       </p:grpSpPr>
       <p:sp>
         <p:nvSpPr>
-          <p:cNvPr id="320" name="Google Shape;320;p33"/>
+          <p:cNvPr id="329" name="Google Shape;329;p33"/>
           <p:cNvSpPr/>
           <p:nvPr/>
         </p:nvSpPr>
@@ -30719,7 +32152,7 @@
       </p:sp>
       <p:sp>
         <p:nvSpPr>
-          <p:cNvPr id="321" name="Google Shape;321;p33"/>
+          <p:cNvPr id="330" name="Google Shape;330;p33"/>
           <p:cNvSpPr/>
           <p:nvPr/>
         </p:nvSpPr>
@@ -30816,7 +32249,7 @@
       </p:sp>
       <p:sp>
         <p:nvSpPr>
-          <p:cNvPr id="322" name="Google Shape;322;p33"/>
+          <p:cNvPr id="331" name="Google Shape;331;p33"/>
           <p:cNvSpPr txBox="1"/>
           <p:nvPr>
             <p:ph type="title"/>
@@ -30864,7 +32297,7 @@
       </p:sp>
       <p:sp>
         <p:nvSpPr>
-          <p:cNvPr id="323" name="Google Shape;323;p33"/>
+          <p:cNvPr id="332" name="Google Shape;332;p33"/>
           <p:cNvSpPr txBox="1"/>
           <p:nvPr>
             <p:ph idx="1" type="body"/>
@@ -31037,12 +32470,12 @@
 </p:sld>
 </file>
 
-<file path=ppt/slides/slide23.xml><?xml version="1.0" encoding="utf-8"?>
+<file path=ppt/slides/slide24.xml><?xml version="1.0" encoding="utf-8"?>
 <p:sld xmlns:a="http://schemas.openxmlformats.org/drawingml/2006/main" xmlns:r="http://schemas.openxmlformats.org/officeDocument/2006/relationships" xmlns:mc="http://schemas.openxmlformats.org/markup-compatibility/2006" xmlns:mv="urn:schemas-microsoft-com:mac:vml" xmlns:p="http://schemas.openxmlformats.org/presentationml/2006/main" xmlns:c="http://schemas.openxmlformats.org/drawingml/2006/chart" xmlns:dgm="http://schemas.openxmlformats.org/drawingml/2006/diagram" xmlns:o="urn:schemas-microsoft-com:office:office" xmlns:v="urn:schemas-microsoft-com:vml" xmlns:pvml="urn:schemas-microsoft-com:office:powerpoint" xmlns:com="http://schemas.openxmlformats.org/drawingml/2006/compatibility" xmlns:p14="http://schemas.microsoft.com/office/powerpoint/2010/main" xmlns:p15="http://schemas.microsoft.com/office/powerpoint/2012/main" xmlns:ahyp="http://schemas.microsoft.com/office/drawing/2018/hyperlinkcolor">
   <p:cSld>
     <p:spTree>
       <p:nvGrpSpPr>
-        <p:cNvPr id="327" name="Shape 327"/>
+        <p:cNvPr id="336" name="Shape 336"/>
         <p:cNvGrpSpPr/>
         <p:nvPr/>
       </p:nvGrpSpPr>
@@ -31056,7 +32489,7 @@
       </p:grpSpPr>
       <p:sp>
         <p:nvSpPr>
-          <p:cNvPr id="328" name="Google Shape;328;p34"/>
+          <p:cNvPr id="337" name="Google Shape;337;p34"/>
           <p:cNvSpPr/>
           <p:nvPr/>
         </p:nvSpPr>
@@ -31115,7 +32548,7 @@
       </p:sp>
       <p:sp>
         <p:nvSpPr>
-          <p:cNvPr id="329" name="Google Shape;329;p34"/>
+          <p:cNvPr id="338" name="Google Shape;338;p34"/>
           <p:cNvSpPr/>
           <p:nvPr/>
         </p:nvSpPr>
@@ -31212,7 +32645,7 @@
       </p:sp>
       <p:sp>
         <p:nvSpPr>
-          <p:cNvPr id="330" name="Google Shape;330;p34"/>
+          <p:cNvPr id="339" name="Google Shape;339;p34"/>
           <p:cNvSpPr txBox="1"/>
           <p:nvPr>
             <p:ph type="title"/>
@@ -31260,7 +32693,7 @@
       </p:sp>
       <p:sp>
         <p:nvSpPr>
-          <p:cNvPr id="331" name="Google Shape;331;p34"/>
+          <p:cNvPr id="340" name="Google Shape;340;p34"/>
           <p:cNvSpPr txBox="1"/>
           <p:nvPr>
             <p:ph idx="1" type="body"/>
@@ -31493,12 +32926,12 @@
 </p:sld>
 </file>
 
-<file path=ppt/slides/slide24.xml><?xml version="1.0" encoding="utf-8"?>
+<file path=ppt/slides/slide25.xml><?xml version="1.0" encoding="utf-8"?>
 <p:sld xmlns:a="http://schemas.openxmlformats.org/drawingml/2006/main" xmlns:r="http://schemas.openxmlformats.org/officeDocument/2006/relationships" xmlns:mc="http://schemas.openxmlformats.org/markup-compatibility/2006" xmlns:mv="urn:schemas-microsoft-com:mac:vml" xmlns:p="http://schemas.openxmlformats.org/presentationml/2006/main" xmlns:c="http://schemas.openxmlformats.org/drawingml/2006/chart" xmlns:dgm="http://schemas.openxmlformats.org/drawingml/2006/diagram" xmlns:o="urn:schemas-microsoft-com:office:office" xmlns:v="urn:schemas-microsoft-com:vml" xmlns:pvml="urn:schemas-microsoft-com:office:powerpoint" xmlns:com="http://schemas.openxmlformats.org/drawingml/2006/compatibility" xmlns:p14="http://schemas.microsoft.com/office/powerpoint/2010/main" xmlns:p15="http://schemas.microsoft.com/office/powerpoint/2012/main" xmlns:ahyp="http://schemas.microsoft.com/office/drawing/2018/hyperlinkcolor">
   <p:cSld>
     <p:spTree>
       <p:nvGrpSpPr>
-        <p:cNvPr id="335" name="Shape 335"/>
+        <p:cNvPr id="344" name="Shape 344"/>
         <p:cNvGrpSpPr/>
         <p:nvPr/>
       </p:nvGrpSpPr>
@@ -31512,7 +32945,7 @@
       </p:grpSpPr>
       <p:sp>
         <p:nvSpPr>
-          <p:cNvPr id="336" name="Google Shape;336;p35"/>
+          <p:cNvPr id="345" name="Google Shape;345;p35"/>
           <p:cNvSpPr/>
           <p:nvPr/>
         </p:nvSpPr>
@@ -31571,7 +33004,7 @@
       </p:sp>
       <p:sp>
         <p:nvSpPr>
-          <p:cNvPr id="337" name="Google Shape;337;p35"/>
+          <p:cNvPr id="346" name="Google Shape;346;p35"/>
           <p:cNvSpPr/>
           <p:nvPr/>
         </p:nvSpPr>
@@ -31668,7 +33101,7 @@
       </p:sp>
       <p:sp>
         <p:nvSpPr>
-          <p:cNvPr id="338" name="Google Shape;338;p35"/>
+          <p:cNvPr id="347" name="Google Shape;347;p35"/>
           <p:cNvSpPr txBox="1"/>
           <p:nvPr>
             <p:ph type="title"/>
@@ -31716,7 +33149,7 @@
       </p:sp>
       <p:sp>
         <p:nvSpPr>
-          <p:cNvPr id="339" name="Google Shape;339;p35"/>
+          <p:cNvPr id="348" name="Google Shape;348;p35"/>
           <p:cNvSpPr txBox="1"/>
           <p:nvPr>
             <p:ph idx="1" type="body"/>
@@ -31809,12 +33242,12 @@
 </p:sld>
 </file>
 
-<file path=ppt/slides/slide25.xml><?xml version="1.0" encoding="utf-8"?>
+<file path=ppt/slides/slide26.xml><?xml version="1.0" encoding="utf-8"?>
 <p:sld xmlns:a="http://schemas.openxmlformats.org/drawingml/2006/main" xmlns:r="http://schemas.openxmlformats.org/officeDocument/2006/relationships" xmlns:mc="http://schemas.openxmlformats.org/markup-compatibility/2006" xmlns:mv="urn:schemas-microsoft-com:mac:vml" xmlns:p="http://schemas.openxmlformats.org/presentationml/2006/main" xmlns:c="http://schemas.openxmlformats.org/drawingml/2006/chart" xmlns:dgm="http://schemas.openxmlformats.org/drawingml/2006/diagram" xmlns:o="urn:schemas-microsoft-com:office:office" xmlns:v="urn:schemas-microsoft-com:vml" xmlns:pvml="urn:schemas-microsoft-com:office:powerpoint" xmlns:com="http://schemas.openxmlformats.org/drawingml/2006/compatibility" xmlns:p14="http://schemas.microsoft.com/office/powerpoint/2010/main" xmlns:p15="http://schemas.microsoft.com/office/powerpoint/2012/main" xmlns:ahyp="http://schemas.microsoft.com/office/drawing/2018/hyperlinkcolor">
   <p:cSld>
     <p:spTree>
       <p:nvGrpSpPr>
-        <p:cNvPr id="343" name="Shape 343"/>
+        <p:cNvPr id="352" name="Shape 352"/>
         <p:cNvGrpSpPr/>
         <p:nvPr/>
       </p:nvGrpSpPr>
@@ -31828,7 +33261,7 @@
       </p:grpSpPr>
       <p:sp>
         <p:nvSpPr>
-          <p:cNvPr id="344" name="Google Shape;344;p39"/>
+          <p:cNvPr id="353" name="Google Shape;353;p39"/>
           <p:cNvSpPr/>
           <p:nvPr/>
         </p:nvSpPr>
@@ -31887,7 +33320,7 @@
       </p:sp>
       <p:sp>
         <p:nvSpPr>
-          <p:cNvPr id="345" name="Google Shape;345;p39"/>
+          <p:cNvPr id="354" name="Google Shape;354;p39"/>
           <p:cNvSpPr/>
           <p:nvPr/>
         </p:nvSpPr>
@@ -31953,7 +33386,7 @@
       </p:sp>
       <p:sp>
         <p:nvSpPr>
-          <p:cNvPr id="346" name="Google Shape;346;p39"/>
+          <p:cNvPr id="355" name="Google Shape;355;p39"/>
           <p:cNvSpPr txBox="1"/>
           <p:nvPr>
             <p:ph type="title"/>
@@ -32342,7 +33775,7 @@
             <a:endParaRPr/>
           </a:p>
           <a:p>
-            <a:pPr indent="-251459" lvl="0" marL="254000" rtl="0" algn="l">
+            <a:pPr indent="-251458" lvl="0" marL="254000" rtl="0" algn="l">
               <a:lnSpc>
                 <a:spcPct val="100000"/>
               </a:lnSpc>
@@ -32357,7 +33790,67 @@
             </a:pPr>
             <a:r>
               <a:rPr lang="en-US"/>
-              <a:t>Systems Software Engineer at Qarva</a:t>
+              <a:t>Software Engineer at Qarva</a:t>
+            </a:r>
+            <a:endParaRPr/>
+          </a:p>
+          <a:p>
+            <a:pPr indent="-354330" lvl="1" marL="914400" rtl="0" algn="l">
+              <a:lnSpc>
+                <a:spcPct val="100000"/>
+              </a:lnSpc>
+              <a:spcBef>
+                <a:spcPts val="600"/>
+              </a:spcBef>
+              <a:spcAft>
+                <a:spcPts val="0"/>
+              </a:spcAft>
+              <a:buSzPts val="1980"/>
+              <a:buChar char="▪"/>
+            </a:pPr>
+            <a:r>
+              <a:rPr lang="en-US"/>
+              <a:t>Working on High Performance, High Concurrency Media Server</a:t>
+            </a:r>
+            <a:endParaRPr/>
+          </a:p>
+          <a:p>
+            <a:pPr indent="-251458" lvl="0" marL="254000" rtl="0" algn="l">
+              <a:lnSpc>
+                <a:spcPct val="100000"/>
+              </a:lnSpc>
+              <a:spcBef>
+                <a:spcPts val="600"/>
+              </a:spcBef>
+              <a:spcAft>
+                <a:spcPts val="0"/>
+              </a:spcAft>
+              <a:buSzPts val="1400"/>
+              <a:buChar char="⬛"/>
+            </a:pPr>
+            <a:r>
+              <a:rPr lang="en-US"/>
+              <a:t>Researcher at Ilia’s Computing Center</a:t>
+            </a:r>
+            <a:endParaRPr/>
+          </a:p>
+          <a:p>
+            <a:pPr indent="-354330" lvl="1" marL="914400" rtl="0" algn="l">
+              <a:lnSpc>
+                <a:spcPct val="100000"/>
+              </a:lnSpc>
+              <a:spcBef>
+                <a:spcPts val="600"/>
+              </a:spcBef>
+              <a:spcAft>
+                <a:spcPts val="0"/>
+              </a:spcAft>
+              <a:buSzPts val="1980"/>
+              <a:buChar char="▪"/>
+            </a:pPr>
+            <a:r>
+              <a:rPr lang="en-US"/>
+              <a:t>Heap Exploits</a:t>
             </a:r>
             <a:endParaRPr/>
           </a:p>
@@ -32377,27 +33870,7 @@
             </a:pPr>
             <a:r>
               <a:rPr lang="en-US"/>
-              <a:t>Interested in computer systems and quantum computing</a:t>
-            </a:r>
-            <a:endParaRPr/>
-          </a:p>
-          <a:p>
-            <a:pPr indent="-251459" lvl="0" marL="254000" rtl="0" algn="l">
-              <a:lnSpc>
-                <a:spcPct val="100000"/>
-              </a:lnSpc>
-              <a:spcBef>
-                <a:spcPts val="600"/>
-              </a:spcBef>
-              <a:spcAft>
-                <a:spcPts val="0"/>
-              </a:spcAft>
-              <a:buSzPts val="1400"/>
-              <a:buChar char="⬛"/>
-            </a:pPr>
-            <a:r>
-              <a:rPr lang="en-US"/>
-              <a:t>Amature runner</a:t>
+              <a:t>Running and MTB</a:t>
             </a:r>
             <a:endParaRPr/>
           </a:p>
@@ -32430,7 +33903,7 @@
       </p:grpSpPr>
       <p:sp>
         <p:nvSpPr>
-          <p:cNvPr id="156" name="Google Shape;156;p3"/>
+          <p:cNvPr id="156" name="Google Shape;156;g215f0423364_0_10"/>
           <p:cNvSpPr/>
           <p:nvPr/>
         </p:nvSpPr>
@@ -32489,7 +33962,378 @@
       </p:sp>
       <p:sp>
         <p:nvSpPr>
-          <p:cNvPr id="157" name="Google Shape;157;p3"/>
+          <p:cNvPr id="157" name="Google Shape;157;g215f0423364_0_10"/>
+          <p:cNvSpPr/>
+          <p:nvPr/>
+        </p:nvSpPr>
+        <p:spPr>
+          <a:xfrm>
+            <a:off x="7852327" y="22225"/>
+            <a:ext cx="1531500" cy="177900"/>
+          </a:xfrm>
+          <a:prstGeom prst="rect">
+            <a:avLst/>
+          </a:prstGeom>
+          <a:noFill/>
+          <a:ln>
+            <a:noFill/>
+          </a:ln>
+        </p:spPr>
+        <p:txBody>
+          <a:bodyPr anchorCtr="0" anchor="t" bIns="0" lIns="0" spcFirstLastPara="1" rIns="0" wrap="square" tIns="0">
+            <a:noAutofit/>
+          </a:bodyPr>
+          <a:lstStyle/>
+          <a:p>
+            <a:pPr indent="0" lvl="0" marL="0" marR="0" rtl="0" algn="l">
+              <a:lnSpc>
+                <a:spcPct val="100000"/>
+              </a:lnSpc>
+              <a:spcBef>
+                <a:spcPts val="0"/>
+              </a:spcBef>
+              <a:spcAft>
+                <a:spcPts val="0"/>
+              </a:spcAft>
+              <a:buClr>
+                <a:srgbClr val="000000"/>
+              </a:buClr>
+              <a:buSzPts val="1200"/>
+              <a:buFont typeface="Arial"/>
+              <a:buNone/>
+            </a:pPr>
+            <a:r>
+              <a:rPr b="0" i="0" lang="en-US" sz="1200" u="none" cap="none" strike="noStrike">
+                <a:solidFill>
+                  <a:srgbClr val="FFFFFF"/>
+                </a:solidFill>
+                <a:latin typeface="Gill Sans"/>
+                <a:ea typeface="Gill Sans"/>
+                <a:cs typeface="Gill Sans"/>
+                <a:sym typeface="Gill Sans"/>
+              </a:rPr>
+              <a:t>Ilia State University</a:t>
+            </a:r>
+            <a:endParaRPr b="0" i="0" sz="1200" u="none" cap="none" strike="noStrike">
+              <a:solidFill>
+                <a:srgbClr val="FFFFFF"/>
+              </a:solidFill>
+              <a:latin typeface="Gill Sans"/>
+              <a:ea typeface="Gill Sans"/>
+              <a:cs typeface="Gill Sans"/>
+              <a:sym typeface="Gill Sans"/>
+            </a:endParaRPr>
+          </a:p>
+          <a:p>
+            <a:pPr indent="0" lvl="0" marL="0" marR="0" rtl="0" algn="l">
+              <a:lnSpc>
+                <a:spcPct val="100000"/>
+              </a:lnSpc>
+              <a:spcBef>
+                <a:spcPts val="0"/>
+              </a:spcBef>
+              <a:spcAft>
+                <a:spcPts val="0"/>
+              </a:spcAft>
+              <a:buClr>
+                <a:srgbClr val="000000"/>
+              </a:buClr>
+              <a:buSzPts val="1200"/>
+              <a:buFont typeface="Arial"/>
+              <a:buNone/>
+            </a:pPr>
+            <a:r>
+              <a:t/>
+            </a:r>
+            <a:endParaRPr b="0" i="0" sz="1200" u="none" cap="none" strike="noStrike">
+              <a:solidFill>
+                <a:srgbClr val="FFFFFF"/>
+              </a:solidFill>
+              <a:latin typeface="Gill Sans"/>
+              <a:ea typeface="Gill Sans"/>
+              <a:cs typeface="Gill Sans"/>
+              <a:sym typeface="Gill Sans"/>
+            </a:endParaRPr>
+          </a:p>
+          <a:p>
+            <a:pPr indent="0" lvl="0" marL="0" marR="0" rtl="0" algn="l">
+              <a:lnSpc>
+                <a:spcPct val="100000"/>
+              </a:lnSpc>
+              <a:spcBef>
+                <a:spcPts val="0"/>
+              </a:spcBef>
+              <a:spcAft>
+                <a:spcPts val="0"/>
+              </a:spcAft>
+              <a:buClr>
+                <a:srgbClr val="000000"/>
+              </a:buClr>
+              <a:buSzPts val="1200"/>
+              <a:buFont typeface="Arial"/>
+              <a:buNone/>
+            </a:pPr>
+            <a:r>
+              <a:t/>
+            </a:r>
+            <a:endParaRPr b="0" i="0" sz="1200" u="none" cap="none" strike="noStrike">
+              <a:solidFill>
+                <a:srgbClr val="FFFFFF"/>
+              </a:solidFill>
+              <a:latin typeface="Gill Sans"/>
+              <a:ea typeface="Gill Sans"/>
+              <a:cs typeface="Gill Sans"/>
+              <a:sym typeface="Gill Sans"/>
+            </a:endParaRPr>
+          </a:p>
+        </p:txBody>
+      </p:sp>
+      <p:sp>
+        <p:nvSpPr>
+          <p:cNvPr id="158" name="Google Shape;158;g215f0423364_0_10"/>
+          <p:cNvSpPr txBox="1"/>
+          <p:nvPr>
+            <p:ph type="title"/>
+          </p:nvPr>
+        </p:nvSpPr>
+        <p:spPr>
+          <a:xfrm>
+            <a:off x="381000" y="254000"/>
+            <a:ext cx="8382000" cy="1092300"/>
+          </a:xfrm>
+          <a:prstGeom prst="rect">
+            <a:avLst/>
+          </a:prstGeom>
+          <a:noFill/>
+          <a:ln>
+            <a:noFill/>
+          </a:ln>
+        </p:spPr>
+        <p:txBody>
+          <a:bodyPr anchorCtr="0" anchor="ctr" bIns="38100" lIns="38100" spcFirstLastPara="1" rIns="38100" wrap="square" tIns="38100">
+            <a:noAutofit/>
+          </a:bodyPr>
+          <a:lstStyle/>
+          <a:p>
+            <a:pPr indent="0" lvl="0" marL="0" rtl="0" algn="l">
+              <a:spcBef>
+                <a:spcPts val="0"/>
+              </a:spcBef>
+              <a:spcAft>
+                <a:spcPts val="0"/>
+              </a:spcAft>
+              <a:buSzPts val="1100"/>
+              <a:buNone/>
+            </a:pPr>
+            <a:r>
+              <a:rPr lang="en-US"/>
+              <a:t>Carnegie Mellon University</a:t>
+            </a:r>
+            <a:endParaRPr/>
+          </a:p>
+        </p:txBody>
+      </p:sp>
+      <p:sp>
+        <p:nvSpPr>
+          <p:cNvPr id="159" name="Google Shape;159;g215f0423364_0_10"/>
+          <p:cNvSpPr txBox="1"/>
+          <p:nvPr>
+            <p:ph idx="1" type="body"/>
+          </p:nvPr>
+        </p:nvSpPr>
+        <p:spPr>
+          <a:xfrm>
+            <a:off x="381000" y="1397000"/>
+            <a:ext cx="8382000" cy="5435700"/>
+          </a:xfrm>
+          <a:prstGeom prst="rect">
+            <a:avLst/>
+          </a:prstGeom>
+          <a:noFill/>
+          <a:ln>
+            <a:noFill/>
+          </a:ln>
+        </p:spPr>
+        <p:txBody>
+          <a:bodyPr anchorCtr="0" anchor="t" bIns="38100" lIns="38100" spcFirstLastPara="1" rIns="38100" wrap="square" tIns="38100">
+            <a:noAutofit/>
+          </a:bodyPr>
+          <a:lstStyle/>
+          <a:p>
+            <a:pPr indent="-251458" lvl="0" marL="254000" rtl="0" algn="l">
+              <a:lnSpc>
+                <a:spcPct val="100000"/>
+              </a:lnSpc>
+              <a:spcBef>
+                <a:spcPts val="0"/>
+              </a:spcBef>
+              <a:spcAft>
+                <a:spcPts val="0"/>
+              </a:spcAft>
+              <a:buSzPts val="1400"/>
+              <a:buChar char="⬛"/>
+            </a:pPr>
+            <a:r>
+              <a:rPr lang="en-US"/>
+              <a:t>Created at The #1 CS School in The World</a:t>
+            </a:r>
+            <a:endParaRPr/>
+          </a:p>
+          <a:p>
+            <a:pPr indent="-251458" lvl="0" marL="254000" rtl="0" algn="l">
+              <a:lnSpc>
+                <a:spcPct val="100000"/>
+              </a:lnSpc>
+              <a:spcBef>
+                <a:spcPts val="0"/>
+              </a:spcBef>
+              <a:spcAft>
+                <a:spcPts val="0"/>
+              </a:spcAft>
+              <a:buSzPts val="1400"/>
+              <a:buChar char="⬛"/>
+            </a:pPr>
+            <a:r>
+              <a:rPr lang="en-US"/>
+              <a:t>BSc in computer science from San Diego State University</a:t>
+            </a:r>
+            <a:endParaRPr/>
+          </a:p>
+          <a:p>
+            <a:pPr indent="0" lvl="0" marL="0" rtl="0" algn="l">
+              <a:lnSpc>
+                <a:spcPct val="100000"/>
+              </a:lnSpc>
+              <a:spcBef>
+                <a:spcPts val="600"/>
+              </a:spcBef>
+              <a:spcAft>
+                <a:spcPts val="0"/>
+              </a:spcAft>
+              <a:buNone/>
+            </a:pPr>
+            <a:r>
+              <a:t/>
+            </a:r>
+            <a:endParaRPr/>
+          </a:p>
+        </p:txBody>
+      </p:sp>
+      <p:pic>
+        <p:nvPicPr>
+          <p:cNvPr id="160" name="Google Shape;160;g215f0423364_0_10"/>
+          <p:cNvPicPr preferRelativeResize="0"/>
+          <p:nvPr/>
+        </p:nvPicPr>
+        <p:blipFill>
+          <a:blip r:embed="rId3">
+            <a:alphaModFix/>
+          </a:blip>
+          <a:stretch>
+            <a:fillRect/>
+          </a:stretch>
+        </p:blipFill>
+        <p:spPr>
+          <a:xfrm>
+            <a:off x="381000" y="2378601"/>
+            <a:ext cx="7280250" cy="3381400"/>
+          </a:xfrm>
+          <a:prstGeom prst="rect">
+            <a:avLst/>
+          </a:prstGeom>
+          <a:noFill/>
+          <a:ln>
+            <a:noFill/>
+          </a:ln>
+        </p:spPr>
+      </p:pic>
+    </p:spTree>
+  </p:cSld>
+  <p:clrMapOvr>
+    <a:masterClrMapping/>
+  </p:clrMapOvr>
+</p:sld>
+</file>
+
+<file path=ppt/slides/slide5.xml><?xml version="1.0" encoding="utf-8"?>
+<p:sld xmlns:a="http://schemas.openxmlformats.org/drawingml/2006/main" xmlns:r="http://schemas.openxmlformats.org/officeDocument/2006/relationships" xmlns:mc="http://schemas.openxmlformats.org/markup-compatibility/2006" xmlns:mv="urn:schemas-microsoft-com:mac:vml" xmlns:p="http://schemas.openxmlformats.org/presentationml/2006/main" xmlns:c="http://schemas.openxmlformats.org/drawingml/2006/chart" xmlns:dgm="http://schemas.openxmlformats.org/drawingml/2006/diagram" xmlns:o="urn:schemas-microsoft-com:office:office" xmlns:v="urn:schemas-microsoft-com:vml" xmlns:pvml="urn:schemas-microsoft-com:office:powerpoint" xmlns:com="http://schemas.openxmlformats.org/drawingml/2006/compatibility" xmlns:p14="http://schemas.microsoft.com/office/powerpoint/2010/main" xmlns:p15="http://schemas.microsoft.com/office/powerpoint/2012/main" xmlns:ahyp="http://schemas.microsoft.com/office/drawing/2018/hyperlinkcolor">
+  <p:cSld>
+    <p:spTree>
+      <p:nvGrpSpPr>
+        <p:cNvPr id="164" name="Shape 164"/>
+        <p:cNvGrpSpPr/>
+        <p:nvPr/>
+      </p:nvGrpSpPr>
+      <p:grpSpPr>
+        <a:xfrm>
+          <a:off x="0" y="0"/>
+          <a:ext cx="0" cy="0"/>
+          <a:chOff x="0" y="0"/>
+          <a:chExt cx="0" cy="0"/>
+        </a:xfrm>
+      </p:grpSpPr>
+      <p:sp>
+        <p:nvSpPr>
+          <p:cNvPr id="165" name="Google Shape;165;p3"/>
+          <p:cNvSpPr/>
+          <p:nvPr/>
+        </p:nvSpPr>
+        <p:spPr>
+          <a:xfrm>
+            <a:off x="0" y="0"/>
+            <a:ext cx="9156600" cy="228600"/>
+          </a:xfrm>
+          <a:prstGeom prst="rect">
+            <a:avLst/>
+          </a:prstGeom>
+          <a:solidFill>
+            <a:schemeClr val="accent1"/>
+          </a:solidFill>
+          <a:ln>
+            <a:noFill/>
+          </a:ln>
+        </p:spPr>
+        <p:txBody>
+          <a:bodyPr anchorCtr="0" anchor="t" bIns="0" lIns="0" spcFirstLastPara="1" rIns="0" wrap="square" tIns="0">
+            <a:noAutofit/>
+          </a:bodyPr>
+          <a:lstStyle/>
+          <a:p>
+            <a:pPr indent="0" lvl="0" marL="0" marR="0" rtl="0" algn="ctr">
+              <a:lnSpc>
+                <a:spcPct val="100000"/>
+              </a:lnSpc>
+              <a:spcBef>
+                <a:spcPts val="0"/>
+              </a:spcBef>
+              <a:spcAft>
+                <a:spcPts val="0"/>
+              </a:spcAft>
+              <a:buClr>
+                <a:srgbClr val="000000"/>
+              </a:buClr>
+              <a:buSzPts val="4200"/>
+              <a:buFont typeface="Arial"/>
+              <a:buNone/>
+            </a:pPr>
+            <a:r>
+              <a:t/>
+            </a:r>
+            <a:endParaRPr b="0" i="0" sz="4200" u="none" cap="none" strike="noStrike">
+              <a:solidFill>
+                <a:srgbClr val="000000"/>
+              </a:solidFill>
+              <a:latin typeface="Gill Sans"/>
+              <a:ea typeface="Gill Sans"/>
+              <a:cs typeface="Gill Sans"/>
+              <a:sym typeface="Gill Sans"/>
+            </a:endParaRPr>
+          </a:p>
+        </p:txBody>
+      </p:sp>
+      <p:sp>
+        <p:nvSpPr>
+          <p:cNvPr id="166" name="Google Shape;166;p3"/>
           <p:cNvSpPr/>
           <p:nvPr/>
         </p:nvSpPr>
@@ -32586,7 +34430,7 @@
       </p:sp>
       <p:sp>
         <p:nvSpPr>
-          <p:cNvPr id="158" name="Google Shape;158;p3"/>
+          <p:cNvPr id="167" name="Google Shape;167;p3"/>
           <p:cNvSpPr txBox="1"/>
           <p:nvPr>
             <p:ph type="title"/>
@@ -32641,7 +34485,7 @@
       </p:sp>
       <p:sp>
         <p:nvSpPr>
-          <p:cNvPr id="159" name="Google Shape;159;p3"/>
+          <p:cNvPr id="168" name="Google Shape;168;p3"/>
           <p:cNvSpPr txBox="1"/>
           <p:nvPr>
             <p:ph idx="1" type="body"/>
@@ -32919,12 +34763,12 @@
 </p:sld>
 </file>
 
-<file path=ppt/slides/slide5.xml><?xml version="1.0" encoding="utf-8"?>
+<file path=ppt/slides/slide6.xml><?xml version="1.0" encoding="utf-8"?>
 <p:sld xmlns:a="http://schemas.openxmlformats.org/drawingml/2006/main" xmlns:r="http://schemas.openxmlformats.org/officeDocument/2006/relationships" xmlns:mc="http://schemas.openxmlformats.org/markup-compatibility/2006" xmlns:mv="urn:schemas-microsoft-com:mac:vml" xmlns:p="http://schemas.openxmlformats.org/presentationml/2006/main" xmlns:c="http://schemas.openxmlformats.org/drawingml/2006/chart" xmlns:dgm="http://schemas.openxmlformats.org/drawingml/2006/diagram" xmlns:o="urn:schemas-microsoft-com:office:office" xmlns:v="urn:schemas-microsoft-com:vml" xmlns:pvml="urn:schemas-microsoft-com:office:powerpoint" xmlns:com="http://schemas.openxmlformats.org/drawingml/2006/compatibility" xmlns:p14="http://schemas.microsoft.com/office/powerpoint/2010/main" xmlns:p15="http://schemas.microsoft.com/office/powerpoint/2012/main" xmlns:ahyp="http://schemas.microsoft.com/office/drawing/2018/hyperlinkcolor">
   <p:cSld>
     <p:spTree>
       <p:nvGrpSpPr>
-        <p:cNvPr id="163" name="Shape 163"/>
+        <p:cNvPr id="172" name="Shape 172"/>
         <p:cNvGrpSpPr/>
         <p:nvPr/>
       </p:nvGrpSpPr>
@@ -32938,7 +34782,7 @@
       </p:grpSpPr>
       <p:sp>
         <p:nvSpPr>
-          <p:cNvPr id="164" name="Google Shape;164;p4"/>
+          <p:cNvPr id="173" name="Google Shape;173;p4"/>
           <p:cNvSpPr/>
           <p:nvPr/>
         </p:nvSpPr>
@@ -32997,7 +34841,7 @@
       </p:sp>
       <p:sp>
         <p:nvSpPr>
-          <p:cNvPr id="165" name="Google Shape;165;p4"/>
+          <p:cNvPr id="174" name="Google Shape;174;p4"/>
           <p:cNvSpPr/>
           <p:nvPr/>
         </p:nvSpPr>
@@ -33063,7 +34907,7 @@
       </p:sp>
       <p:sp>
         <p:nvSpPr>
-          <p:cNvPr id="166" name="Google Shape;166;p4"/>
+          <p:cNvPr id="175" name="Google Shape;175;p4"/>
           <p:cNvSpPr txBox="1"/>
           <p:nvPr>
             <p:ph type="title"/>
@@ -33118,7 +34962,7 @@
       </p:sp>
       <p:sp>
         <p:nvSpPr>
-          <p:cNvPr id="167" name="Google Shape;167;p4"/>
+          <p:cNvPr id="176" name="Google Shape;176;p4"/>
           <p:cNvSpPr txBox="1"/>
           <p:nvPr>
             <p:ph idx="1" type="body"/>
@@ -33261,6 +35105,7 @@
               <a:spcAft>
                 <a:spcPts val="0"/>
               </a:spcAft>
+              <a:buSzPts val="1080"/>
               <a:buNone/>
             </a:pPr>
             <a:r>
@@ -33272,7 +35117,7 @@
       </p:sp>
       <p:pic>
         <p:nvPicPr>
-          <p:cNvPr id="168" name="Google Shape;168;p4"/>
+          <p:cNvPr id="177" name="Google Shape;177;p4"/>
           <p:cNvPicPr preferRelativeResize="0"/>
           <p:nvPr/>
         </p:nvPicPr>
@@ -33299,7 +35144,7 @@
       </p:pic>
       <p:sp>
         <p:nvSpPr>
-          <p:cNvPr id="169" name="Google Shape;169;p4"/>
+          <p:cNvPr id="178" name="Google Shape;178;p4"/>
           <p:cNvSpPr/>
           <p:nvPr/>
         </p:nvSpPr>
@@ -33402,7 +35247,7 @@
                                           </p:stCondLst>
                                         </p:cTn>
                                         <p:tgtEl>
-                                          <p:spTgt spid="167">
+                                          <p:spTgt spid="176">
                                             <p:txEl>
                                               <p:pRg end="0" st="0"/>
                                             </p:txEl>
@@ -33451,7 +35296,7 @@
                                           </p:stCondLst>
                                         </p:cTn>
                                         <p:tgtEl>
-                                          <p:spTgt spid="167">
+                                          <p:spTgt spid="176">
                                             <p:txEl>
                                               <p:pRg end="1" st="1"/>
                                             </p:txEl>
@@ -33500,7 +35345,7 @@
                                           </p:stCondLst>
                                         </p:cTn>
                                         <p:tgtEl>
-                                          <p:spTgt spid="167">
+                                          <p:spTgt spid="176">
                                             <p:txEl>
                                               <p:pRg end="2" st="2"/>
                                             </p:txEl>
@@ -33549,7 +35394,7 @@
                                           </p:stCondLst>
                                         </p:cTn>
                                         <p:tgtEl>
-                                          <p:spTgt spid="167">
+                                          <p:spTgt spid="176">
                                             <p:txEl>
                                               <p:pRg end="3" st="3"/>
                                             </p:txEl>
@@ -33598,7 +35443,7 @@
                                           </p:stCondLst>
                                         </p:cTn>
                                         <p:tgtEl>
-                                          <p:spTgt spid="167">
+                                          <p:spTgt spid="176">
                                             <p:txEl>
                                               <p:pRg end="4" st="4"/>
                                             </p:txEl>
@@ -33647,7 +35492,7 @@
                                           </p:stCondLst>
                                         </p:cTn>
                                         <p:tgtEl>
-                                          <p:spTgt spid="167">
+                                          <p:spTgt spid="176">
                                             <p:txEl>
                                               <p:pRg end="5" st="5"/>
                                             </p:txEl>
@@ -33696,7 +35541,7 @@
                                           </p:stCondLst>
                                         </p:cTn>
                                         <p:tgtEl>
-                                          <p:spTgt spid="168"/>
+                                          <p:spTgt spid="177"/>
                                         </p:tgtEl>
                                         <p:attrNameLst>
                                           <p:attrName>style.visibility</p:attrName>
@@ -33710,7 +35555,7 @@
                                       <p:cBhvr>
                                         <p:cTn dur="500"/>
                                         <p:tgtEl>
-                                          <p:spTgt spid="168"/>
+                                          <p:spTgt spid="177"/>
                                         </p:tgtEl>
                                       </p:cBhvr>
                                     </p:animEffect>
@@ -33748,12 +35593,12 @@
 </p:sld>
 </file>
 
-<file path=ppt/slides/slide6.xml><?xml version="1.0" encoding="utf-8"?>
+<file path=ppt/slides/slide7.xml><?xml version="1.0" encoding="utf-8"?>
 <p:sld xmlns:a="http://schemas.openxmlformats.org/drawingml/2006/main" xmlns:r="http://schemas.openxmlformats.org/officeDocument/2006/relationships" xmlns:mc="http://schemas.openxmlformats.org/markup-compatibility/2006" xmlns:mv="urn:schemas-microsoft-com:mac:vml" xmlns:p="http://schemas.openxmlformats.org/presentationml/2006/main" xmlns:c="http://schemas.openxmlformats.org/drawingml/2006/chart" xmlns:dgm="http://schemas.openxmlformats.org/drawingml/2006/diagram" xmlns:o="urn:schemas-microsoft-com:office:office" xmlns:v="urn:schemas-microsoft-com:vml" xmlns:pvml="urn:schemas-microsoft-com:office:powerpoint" xmlns:com="http://schemas.openxmlformats.org/drawingml/2006/compatibility" xmlns:p14="http://schemas.microsoft.com/office/powerpoint/2010/main" xmlns:p15="http://schemas.microsoft.com/office/powerpoint/2012/main" xmlns:ahyp="http://schemas.microsoft.com/office/drawing/2018/hyperlinkcolor">
   <p:cSld>
     <p:spTree>
       <p:nvGrpSpPr>
-        <p:cNvPr id="173" name="Shape 173"/>
+        <p:cNvPr id="182" name="Shape 182"/>
         <p:cNvGrpSpPr/>
         <p:nvPr/>
       </p:nvGrpSpPr>
@@ -33767,7 +35612,7 @@
       </p:grpSpPr>
       <p:sp>
         <p:nvSpPr>
-          <p:cNvPr id="174" name="Google Shape;174;p5"/>
+          <p:cNvPr id="183" name="Google Shape;183;p5"/>
           <p:cNvSpPr/>
           <p:nvPr/>
         </p:nvSpPr>
@@ -33826,7 +35671,7 @@
       </p:sp>
       <p:sp>
         <p:nvSpPr>
-          <p:cNvPr id="175" name="Google Shape;175;p5"/>
+          <p:cNvPr id="184" name="Google Shape;184;p5"/>
           <p:cNvSpPr/>
           <p:nvPr/>
         </p:nvSpPr>
@@ -33892,7 +35737,7 @@
       </p:sp>
       <p:sp>
         <p:nvSpPr>
-          <p:cNvPr id="176" name="Google Shape;176;p5"/>
+          <p:cNvPr id="185" name="Google Shape;185;p5"/>
           <p:cNvSpPr txBox="1"/>
           <p:nvPr>
             <p:ph type="title"/>
@@ -33940,7 +35785,7 @@
       </p:sp>
       <p:sp>
         <p:nvSpPr>
-          <p:cNvPr id="177" name="Google Shape;177;p5"/>
+          <p:cNvPr id="186" name="Google Shape;186;p5"/>
           <p:cNvSpPr txBox="1"/>
           <p:nvPr>
             <p:ph idx="1" type="body"/>
@@ -34085,42 +35930,20 @@
             <a:endParaRPr/>
           </a:p>
           <a:p>
-            <a:pPr indent="-234950" lvl="1" marL="514350" rtl="0" algn="l">
-              <a:lnSpc>
-                <a:spcPct val="100000"/>
-              </a:lnSpc>
-              <a:spcBef>
-                <a:spcPts val="500"/>
-              </a:spcBef>
-              <a:spcAft>
-                <a:spcPts val="0"/>
-              </a:spcAft>
-              <a:buSzPts val="2200"/>
-              <a:buChar char="▪"/>
+            <a:pPr indent="0" lvl="0" marL="914400" rtl="0" algn="l">
+              <a:lnSpc>
+                <a:spcPct val="100000"/>
+              </a:lnSpc>
+              <a:spcBef>
+                <a:spcPts val="500"/>
+              </a:spcBef>
+              <a:spcAft>
+                <a:spcPts val="0"/>
+              </a:spcAft>
+              <a:buNone/>
             </a:pPr>
             <a:r>
-              <a:rPr lang="en-US"/>
-              <a:t>Floating point operations satisfy “ordering” properties</a:t>
-            </a:r>
-            <a:endParaRPr/>
-          </a:p>
-          <a:p>
-            <a:pPr indent="-203200" lvl="2" marL="800100" rtl="0" algn="l">
-              <a:lnSpc>
-                <a:spcPct val="100000"/>
-              </a:lnSpc>
-              <a:spcBef>
-                <a:spcPts val="500"/>
-              </a:spcBef>
-              <a:spcAft>
-                <a:spcPts val="0"/>
-              </a:spcAft>
-              <a:buSzPts val="1600"/>
-              <a:buChar char="▪"/>
-            </a:pPr>
-            <a:r>
-              <a:rPr lang="en-US"/>
-              <a:t>Monotonicity, values of signs</a:t>
+              <a:t/>
             </a:r>
             <a:endParaRPr/>
           </a:p>
@@ -34194,12 +36017,12 @@
 </p:sld>
 </file>
 
-<file path=ppt/slides/slide7.xml><?xml version="1.0" encoding="utf-8"?>
+<file path=ppt/slides/slide8.xml><?xml version="1.0" encoding="utf-8"?>
 <p:sld xmlns:a="http://schemas.openxmlformats.org/drawingml/2006/main" xmlns:r="http://schemas.openxmlformats.org/officeDocument/2006/relationships" xmlns:mc="http://schemas.openxmlformats.org/markup-compatibility/2006" xmlns:mv="urn:schemas-microsoft-com:mac:vml" xmlns:p="http://schemas.openxmlformats.org/presentationml/2006/main" xmlns:c="http://schemas.openxmlformats.org/drawingml/2006/chart" xmlns:dgm="http://schemas.openxmlformats.org/drawingml/2006/diagram" xmlns:o="urn:schemas-microsoft-com:office:office" xmlns:v="urn:schemas-microsoft-com:vml" xmlns:pvml="urn:schemas-microsoft-com:office:powerpoint" xmlns:com="http://schemas.openxmlformats.org/drawingml/2006/compatibility" xmlns:p14="http://schemas.microsoft.com/office/powerpoint/2010/main" xmlns:p15="http://schemas.microsoft.com/office/powerpoint/2012/main" xmlns:ahyp="http://schemas.microsoft.com/office/drawing/2018/hyperlinkcolor">
   <p:cSld>
     <p:spTree>
       <p:nvGrpSpPr>
-        <p:cNvPr id="181" name="Shape 181"/>
+        <p:cNvPr id="190" name="Shape 190"/>
         <p:cNvGrpSpPr/>
         <p:nvPr/>
       </p:nvGrpSpPr>
@@ -34213,7 +36036,7 @@
       </p:grpSpPr>
       <p:sp>
         <p:nvSpPr>
-          <p:cNvPr id="182" name="Google Shape;182;p6"/>
+          <p:cNvPr id="191" name="Google Shape;191;p6"/>
           <p:cNvSpPr/>
           <p:nvPr/>
         </p:nvSpPr>
@@ -34272,7 +36095,7 @@
       </p:sp>
       <p:sp>
         <p:nvSpPr>
-          <p:cNvPr id="183" name="Google Shape;183;p6"/>
+          <p:cNvPr id="192" name="Google Shape;192;p6"/>
           <p:cNvSpPr/>
           <p:nvPr/>
         </p:nvSpPr>
@@ -34338,7 +36161,7 @@
       </p:sp>
       <p:sp>
         <p:nvSpPr>
-          <p:cNvPr id="184" name="Google Shape;184;p6"/>
+          <p:cNvPr id="193" name="Google Shape;193;p6"/>
           <p:cNvSpPr txBox="1"/>
           <p:nvPr>
             <p:ph type="title"/>
@@ -34393,7 +36216,7 @@
       </p:sp>
       <p:sp>
         <p:nvSpPr>
-          <p:cNvPr id="185" name="Google Shape;185;p6"/>
+          <p:cNvPr id="194" name="Google Shape;194;p6"/>
           <p:cNvSpPr txBox="1"/>
           <p:nvPr>
             <p:ph idx="1" type="body"/>
@@ -34687,12 +36510,12 @@
 </p:sld>
 </file>
 
-<file path=ppt/slides/slide8.xml><?xml version="1.0" encoding="utf-8"?>
+<file path=ppt/slides/slide9.xml><?xml version="1.0" encoding="utf-8"?>
 <p:sld xmlns:a="http://schemas.openxmlformats.org/drawingml/2006/main" xmlns:r="http://schemas.openxmlformats.org/officeDocument/2006/relationships" xmlns:mc="http://schemas.openxmlformats.org/markup-compatibility/2006" xmlns:mv="urn:schemas-microsoft-com:mac:vml" xmlns:p="http://schemas.openxmlformats.org/presentationml/2006/main" xmlns:c="http://schemas.openxmlformats.org/drawingml/2006/chart" xmlns:dgm="http://schemas.openxmlformats.org/drawingml/2006/diagram" xmlns:o="urn:schemas-microsoft-com:office:office" xmlns:v="urn:schemas-microsoft-com:vml" xmlns:pvml="urn:schemas-microsoft-com:office:powerpoint" xmlns:com="http://schemas.openxmlformats.org/drawingml/2006/compatibility" xmlns:p14="http://schemas.microsoft.com/office/powerpoint/2010/main" xmlns:p15="http://schemas.microsoft.com/office/powerpoint/2012/main" xmlns:ahyp="http://schemas.microsoft.com/office/drawing/2018/hyperlinkcolor">
   <p:cSld>
     <p:spTree>
       <p:nvGrpSpPr>
-        <p:cNvPr id="189" name="Shape 189"/>
+        <p:cNvPr id="198" name="Shape 198"/>
         <p:cNvGrpSpPr/>
         <p:nvPr/>
       </p:nvGrpSpPr>
@@ -34706,7 +36529,7 @@
       </p:grpSpPr>
       <p:sp>
         <p:nvSpPr>
-          <p:cNvPr id="190" name="Google Shape;190;p7"/>
+          <p:cNvPr id="199" name="Google Shape;199;p7"/>
           <p:cNvSpPr/>
           <p:nvPr/>
         </p:nvSpPr>
@@ -34765,7 +36588,7 @@
       </p:sp>
       <p:sp>
         <p:nvSpPr>
-          <p:cNvPr id="191" name="Google Shape;191;p7"/>
+          <p:cNvPr id="200" name="Google Shape;200;p7"/>
           <p:cNvSpPr/>
           <p:nvPr/>
         </p:nvSpPr>
@@ -34831,7 +36654,7 @@
       </p:sp>
       <p:sp>
         <p:nvSpPr>
-          <p:cNvPr id="192" name="Google Shape;192;p7"/>
+          <p:cNvPr id="201" name="Google Shape;201;p7"/>
           <p:cNvSpPr txBox="1"/>
           <p:nvPr>
             <p:ph type="title"/>
@@ -34886,7 +36709,7 @@
       </p:sp>
       <p:sp>
         <p:nvSpPr>
-          <p:cNvPr id="193" name="Google Shape;193;p7"/>
+          <p:cNvPr id="202" name="Google Shape;202;p7"/>
           <p:cNvSpPr txBox="1"/>
           <p:nvPr>
             <p:ph idx="1" type="body"/>
@@ -35099,1358 +36922,286 @@
 </p:sld>
 </file>
 
-<file path=ppt/slides/slide9.xml><?xml version="1.0" encoding="utf-8"?>
-<p:sld xmlns:a="http://schemas.openxmlformats.org/drawingml/2006/main" xmlns:r="http://schemas.openxmlformats.org/officeDocument/2006/relationships" xmlns:mc="http://schemas.openxmlformats.org/markup-compatibility/2006" xmlns:mv="urn:schemas-microsoft-com:mac:vml" xmlns:p="http://schemas.openxmlformats.org/presentationml/2006/main" xmlns:c="http://schemas.openxmlformats.org/drawingml/2006/chart" xmlns:dgm="http://schemas.openxmlformats.org/drawingml/2006/diagram" xmlns:o="urn:schemas-microsoft-com:office:office" xmlns:v="urn:schemas-microsoft-com:vml" xmlns:pvml="urn:schemas-microsoft-com:office:powerpoint" xmlns:com="http://schemas.openxmlformats.org/drawingml/2006/compatibility" xmlns:p14="http://schemas.microsoft.com/office/powerpoint/2010/main" xmlns:p15="http://schemas.microsoft.com/office/powerpoint/2012/main" xmlns:ahyp="http://schemas.microsoft.com/office/drawing/2018/hyperlinkcolor">
-  <p:cSld>
-    <p:spTree>
-      <p:nvGrpSpPr>
-        <p:cNvPr id="197" name="Shape 197"/>
-        <p:cNvGrpSpPr/>
-        <p:nvPr/>
-      </p:nvGrpSpPr>
-      <p:grpSpPr>
-        <a:xfrm>
-          <a:off x="0" y="0"/>
-          <a:ext cx="0" cy="0"/>
-          <a:chOff x="0" y="0"/>
-          <a:chExt cx="0" cy="0"/>
-        </a:xfrm>
-      </p:grpSpPr>
-      <p:sp>
-        <p:nvSpPr>
-          <p:cNvPr id="198" name="Google Shape;198;p8"/>
-          <p:cNvSpPr/>
-          <p:nvPr/>
-        </p:nvSpPr>
-        <p:spPr>
-          <a:xfrm>
-            <a:off x="0" y="0"/>
-            <a:ext cx="9156700" cy="228600"/>
-          </a:xfrm>
-          <a:prstGeom prst="rect">
-            <a:avLst/>
-          </a:prstGeom>
+<file path=ppt/theme/theme1.xml><?xml version="1.0" encoding="utf-8"?>
+<a:theme xmlns:a="http://schemas.openxmlformats.org/drawingml/2006/main" xmlns:r="http://schemas.openxmlformats.org/officeDocument/2006/relationships" name="Office Theme">
+  <a:themeElements>
+    <a:clrScheme name="">
+      <a:dk1>
+        <a:srgbClr val="000000"/>
+      </a:dk1>
+      <a:lt1>
+        <a:srgbClr val="FFFFFF"/>
+      </a:lt1>
+      <a:dk2>
+        <a:srgbClr val="000000"/>
+      </a:dk2>
+      <a:lt2>
+        <a:srgbClr val="808080"/>
+      </a:lt2>
+      <a:accent1>
+        <a:srgbClr val="BBE0E3"/>
+      </a:accent1>
+      <a:accent2>
+        <a:srgbClr val="333399"/>
+      </a:accent2>
+      <a:accent3>
+        <a:srgbClr val="FFFFFF"/>
+      </a:accent3>
+      <a:accent4>
+        <a:srgbClr val="000000"/>
+      </a:accent4>
+      <a:accent5>
+        <a:srgbClr val="DAEDEF"/>
+      </a:accent5>
+      <a:accent6>
+        <a:srgbClr val="2D2D8A"/>
+      </a:accent6>
+      <a:hlink>
+        <a:srgbClr val="009999"/>
+      </a:hlink>
+      <a:folHlink>
+        <a:srgbClr val="99CC00"/>
+      </a:folHlink>
+    </a:clrScheme>
+    <a:fontScheme name="Office">
+      <a:majorFont>
+        <a:latin typeface="Arial"/>
+        <a:ea typeface=""/>
+        <a:cs typeface=""/>
+        <a:font script="Jpan" typeface="ＭＳ Ｐゴシック"/>
+        <a:font script="Hang" typeface="맑은 고딕"/>
+        <a:font script="Hans" typeface="宋体"/>
+        <a:font script="Hant" typeface="新細明體"/>
+        <a:font script="Arab" typeface="Times New Roman"/>
+        <a:font script="Hebr" typeface="Times New Roman"/>
+        <a:font script="Thai" typeface="Angsana New"/>
+        <a:font script="Ethi" typeface="Nyala"/>
+        <a:font script="Beng" typeface="Vrinda"/>
+        <a:font script="Gujr" typeface="Shruti"/>
+        <a:font script="Khmr" typeface="MoolBoran"/>
+        <a:font script="Knda" typeface="Tunga"/>
+        <a:font script="Guru" typeface="Raavi"/>
+        <a:font script="Cans" typeface="Euphemia"/>
+        <a:font script="Cher" typeface="Plantagenet Cherokee"/>
+        <a:font script="Yiii" typeface="Microsoft Yi Baiti"/>
+        <a:font script="Tibt" typeface="Microsoft Himalaya"/>
+        <a:font script="Thaa" typeface="MV Boli"/>
+        <a:font script="Deva" typeface="Mangal"/>
+        <a:font script="Telu" typeface="Gautami"/>
+        <a:font script="Taml" typeface="Latha"/>
+        <a:font script="Syrc" typeface="Estrangelo Edessa"/>
+        <a:font script="Orya" typeface="Kalinga"/>
+        <a:font script="Mlym" typeface="Kartika"/>
+        <a:font script="Laoo" typeface="DokChampa"/>
+        <a:font script="Sinh" typeface="Iskoola Pota"/>
+        <a:font script="Mong" typeface="Mongolian Baiti"/>
+        <a:font script="Viet" typeface="Times New Roman"/>
+        <a:font script="Uigh" typeface="Microsoft Uighur"/>
+        <a:font script="Geor" typeface="Sylfaen"/>
+      </a:majorFont>
+      <a:minorFont>
+        <a:latin typeface="Arial"/>
+        <a:ea typeface=""/>
+        <a:cs typeface=""/>
+        <a:font script="Jpan" typeface="ＭＳ Ｐゴシック"/>
+        <a:font script="Hang" typeface="맑은 고딕"/>
+        <a:font script="Hans" typeface="宋体"/>
+        <a:font script="Hant" typeface="新細明體"/>
+        <a:font script="Arab" typeface="Arial"/>
+        <a:font script="Hebr" typeface="Arial"/>
+        <a:font script="Thai" typeface="Cordia New"/>
+        <a:font script="Ethi" typeface="Nyala"/>
+        <a:font script="Beng" typeface="Vrinda"/>
+        <a:font script="Gujr" typeface="Shruti"/>
+        <a:font script="Khmr" typeface="DaunPenh"/>
+        <a:font script="Knda" typeface="Tunga"/>
+        <a:font script="Guru" typeface="Raavi"/>
+        <a:font script="Cans" typeface="Euphemia"/>
+        <a:font script="Cher" typeface="Plantagenet Cherokee"/>
+        <a:font script="Yiii" typeface="Microsoft Yi Baiti"/>
+        <a:font script="Tibt" typeface="Microsoft Himalaya"/>
+        <a:font script="Thaa" typeface="MV Boli"/>
+        <a:font script="Deva" typeface="Mangal"/>
+        <a:font script="Telu" typeface="Gautami"/>
+        <a:font script="Taml" typeface="Latha"/>
+        <a:font script="Syrc" typeface="Estrangelo Edessa"/>
+        <a:font script="Orya" typeface="Kalinga"/>
+        <a:font script="Mlym" typeface="Kartika"/>
+        <a:font script="Laoo" typeface="DokChampa"/>
+        <a:font script="Sinh" typeface="Iskoola Pota"/>
+        <a:font script="Mong" typeface="Mongolian Baiti"/>
+        <a:font script="Viet" typeface="Arial"/>
+        <a:font script="Uigh" typeface="Microsoft Uighur"/>
+        <a:font script="Geor" typeface="Sylfaen"/>
+      </a:minorFont>
+    </a:fontScheme>
+    <a:fmtScheme name="Office">
+      <a:fillStyleLst>
+        <a:solidFill>
+          <a:schemeClr val="phClr"/>
+        </a:solidFill>
+        <a:gradFill rotWithShape="1">
+          <a:gsLst>
+            <a:gs pos="0">
+              <a:schemeClr val="phClr">
+                <a:tint val="50000"/>
+                <a:satMod val="300000"/>
+              </a:schemeClr>
+            </a:gs>
+            <a:gs pos="35000">
+              <a:schemeClr val="phClr">
+                <a:tint val="37000"/>
+                <a:satMod val="300000"/>
+              </a:schemeClr>
+            </a:gs>
+            <a:gs pos="100000">
+              <a:schemeClr val="phClr">
+                <a:tint val="15000"/>
+                <a:satMod val="350000"/>
+              </a:schemeClr>
+            </a:gs>
+          </a:gsLst>
+          <a:lin ang="16200000" scaled="1"/>
+        </a:gradFill>
+        <a:gradFill rotWithShape="1">
+          <a:gsLst>
+            <a:gs pos="0">
+              <a:schemeClr val="phClr">
+                <a:tint val="100000"/>
+                <a:shade val="100000"/>
+                <a:satMod val="130000"/>
+              </a:schemeClr>
+            </a:gs>
+            <a:gs pos="100000">
+              <a:schemeClr val="phClr">
+                <a:tint val="50000"/>
+                <a:shade val="100000"/>
+                <a:satMod val="350000"/>
+              </a:schemeClr>
+            </a:gs>
+          </a:gsLst>
+          <a:lin ang="16200000" scaled="0"/>
+        </a:gradFill>
+      </a:fillStyleLst>
+      <a:lnStyleLst>
+        <a:ln w="9525" cap="flat" cmpd="sng" algn="ctr">
           <a:solidFill>
-            <a:schemeClr val="accent1"/>
+            <a:schemeClr val="phClr">
+              <a:shade val="95000"/>
+              <a:satMod val="105000"/>
+            </a:schemeClr>
           </a:solidFill>
-          <a:ln>
-            <a:noFill/>
-          </a:ln>
-        </p:spPr>
-        <p:txBody>
-          <a:bodyPr anchorCtr="0" anchor="t" bIns="0" lIns="0" spcFirstLastPara="1" rIns="0" wrap="square" tIns="0">
-            <a:noAutofit/>
-          </a:bodyPr>
-          <a:lstStyle/>
-          <a:p>
-            <a:pPr indent="0" lvl="0" marL="0" marR="0" rtl="0" algn="ctr">
-              <a:lnSpc>
-                <a:spcPct val="100000"/>
-              </a:lnSpc>
-              <a:spcBef>
-                <a:spcPts val="0"/>
-              </a:spcBef>
-              <a:spcAft>
-                <a:spcPts val="0"/>
-              </a:spcAft>
-              <a:buClr>
-                <a:srgbClr val="000000"/>
-              </a:buClr>
-              <a:buSzPts val="4200"/>
-              <a:buFont typeface="Arial"/>
-              <a:buNone/>
-            </a:pPr>
-            <a:r>
-              <a:t/>
-            </a:r>
-            <a:endParaRPr b="0" i="0" sz="4200" u="none" cap="none" strike="noStrike">
-              <a:solidFill>
-                <a:srgbClr val="000000"/>
-              </a:solidFill>
-              <a:latin typeface="Gill Sans"/>
-              <a:ea typeface="Gill Sans"/>
-              <a:cs typeface="Gill Sans"/>
-              <a:sym typeface="Gill Sans"/>
-            </a:endParaRPr>
-          </a:p>
-        </p:txBody>
-      </p:sp>
-      <p:sp>
-        <p:nvSpPr>
-          <p:cNvPr id="199" name="Google Shape;199;p8"/>
-          <p:cNvSpPr/>
-          <p:nvPr/>
-        </p:nvSpPr>
-        <p:spPr>
-          <a:xfrm>
-            <a:off x="7840027" y="22225"/>
-            <a:ext cx="1543800" cy="177900"/>
-          </a:xfrm>
-          <a:prstGeom prst="rect">
-            <a:avLst/>
-          </a:prstGeom>
-          <a:noFill/>
-          <a:ln>
-            <a:noFill/>
-          </a:ln>
-        </p:spPr>
-        <p:txBody>
-          <a:bodyPr anchorCtr="0" anchor="t" bIns="0" lIns="0" spcFirstLastPara="1" rIns="0" wrap="square" tIns="0">
-            <a:noAutofit/>
-          </a:bodyPr>
-          <a:lstStyle/>
-          <a:p>
-            <a:pPr indent="0" lvl="0" marL="0" marR="0" rtl="0" algn="l">
-              <a:lnSpc>
-                <a:spcPct val="100000"/>
-              </a:lnSpc>
-              <a:spcBef>
-                <a:spcPts val="0"/>
-              </a:spcBef>
-              <a:spcAft>
-                <a:spcPts val="0"/>
-              </a:spcAft>
-              <a:buClr>
-                <a:srgbClr val="000000"/>
-              </a:buClr>
-              <a:buSzPts val="1200"/>
-              <a:buFont typeface="Arial"/>
-              <a:buNone/>
-            </a:pPr>
-            <a:r>
-              <a:rPr b="0" i="0" lang="en-US" sz="1200" u="none" cap="none" strike="noStrike">
-                <a:solidFill>
-                  <a:srgbClr val="FFFFFF"/>
-                </a:solidFill>
-                <a:latin typeface="Gill Sans"/>
-                <a:ea typeface="Gill Sans"/>
-                <a:cs typeface="Gill Sans"/>
-                <a:sym typeface="Gill Sans"/>
-              </a:rPr>
-              <a:t>Ilia State University</a:t>
-            </a:r>
-            <a:endParaRPr b="0" i="0" sz="1400" u="none" cap="none" strike="noStrike">
-              <a:solidFill>
-                <a:srgbClr val="000000"/>
-              </a:solidFill>
-              <a:latin typeface="Arial"/>
-              <a:ea typeface="Arial"/>
-              <a:cs typeface="Arial"/>
-              <a:sym typeface="Arial"/>
-            </a:endParaRPr>
-          </a:p>
-        </p:txBody>
-      </p:sp>
-      <p:sp>
-        <p:nvSpPr>
-          <p:cNvPr id="200" name="Google Shape;200;p8"/>
-          <p:cNvSpPr txBox="1"/>
-          <p:nvPr>
-            <p:ph type="title"/>
-          </p:nvPr>
-        </p:nvSpPr>
-        <p:spPr>
-          <a:xfrm>
-            <a:off x="381000" y="254000"/>
-            <a:ext cx="8382000" cy="1092200"/>
-          </a:xfrm>
-          <a:prstGeom prst="rect">
-            <a:avLst/>
-          </a:prstGeom>
-          <a:noFill/>
-          <a:ln>
-            <a:noFill/>
-          </a:ln>
-        </p:spPr>
-        <p:txBody>
-          <a:bodyPr anchorCtr="0" anchor="ctr" bIns="38100" lIns="38100" spcFirstLastPara="1" rIns="38100" wrap="square" tIns="38100">
-            <a:noAutofit/>
-          </a:bodyPr>
-          <a:lstStyle/>
-          <a:p>
-            <a:pPr indent="-119063" lvl="0" marL="119063" rtl="0" algn="l">
-              <a:lnSpc>
-                <a:spcPct val="100000"/>
-              </a:lnSpc>
-              <a:spcBef>
-                <a:spcPts val="0"/>
-              </a:spcBef>
-              <a:spcAft>
-                <a:spcPts val="0"/>
-              </a:spcAft>
-              <a:buSzPts val="1400"/>
-              <a:buNone/>
-            </a:pPr>
-            <a:r>
-              <a:rPr b="1" lang="en-US"/>
-              <a:t>Memory Referencing Bug Example</a:t>
-            </a:r>
-            <a:endParaRPr/>
-          </a:p>
-        </p:txBody>
-      </p:sp>
-      <p:sp>
-        <p:nvSpPr>
-          <p:cNvPr id="201" name="Google Shape;201;p8"/>
-          <p:cNvSpPr txBox="1"/>
-          <p:nvPr>
-            <p:ph idx="1" type="body"/>
-          </p:nvPr>
-        </p:nvSpPr>
-        <p:spPr>
-          <a:xfrm>
-            <a:off x="457200" y="6096000"/>
-            <a:ext cx="8229600" cy="563563"/>
-          </a:xfrm>
-          <a:prstGeom prst="rect">
-            <a:avLst/>
-          </a:prstGeom>
-          <a:noFill/>
-          <a:ln>
-            <a:noFill/>
-          </a:ln>
-        </p:spPr>
-        <p:txBody>
-          <a:bodyPr anchorCtr="0" anchor="t" bIns="38100" lIns="38100" spcFirstLastPara="1" rIns="38100" wrap="square" tIns="38100">
-            <a:noAutofit/>
-          </a:bodyPr>
-          <a:lstStyle/>
-          <a:p>
-            <a:pPr indent="-342900" lvl="1" marL="514350" rtl="0" algn="l">
-              <a:lnSpc>
-                <a:spcPct val="100000"/>
-              </a:lnSpc>
-              <a:spcBef>
-                <a:spcPts val="0"/>
-              </a:spcBef>
-              <a:spcAft>
-                <a:spcPts val="0"/>
-              </a:spcAft>
-              <a:buSzPts val="2200"/>
-              <a:buChar char="▪"/>
-            </a:pPr>
-            <a:r>
-              <a:rPr lang="en-US"/>
-              <a:t>Result is system specific</a:t>
-            </a:r>
-            <a:endParaRPr/>
-          </a:p>
-        </p:txBody>
-      </p:sp>
-      <p:sp>
-        <p:nvSpPr>
-          <p:cNvPr id="202" name="Google Shape;202;p8"/>
-          <p:cNvSpPr/>
-          <p:nvPr/>
-        </p:nvSpPr>
-        <p:spPr>
-          <a:xfrm>
-            <a:off x="825500" y="4267200"/>
-            <a:ext cx="7327900" cy="1828800"/>
-          </a:xfrm>
-          <a:prstGeom prst="rect">
-            <a:avLst/>
-          </a:prstGeom>
+          <a:prstDash val="solid"/>
+        </a:ln>
+        <a:ln w="25400" cap="flat" cmpd="sng" algn="ctr">
           <a:solidFill>
-            <a:srgbClr val="FFFFFF"/>
+            <a:schemeClr val="phClr"/>
           </a:solidFill>
-          <a:ln>
-            <a:noFill/>
-          </a:ln>
-        </p:spPr>
-        <p:txBody>
-          <a:bodyPr anchorCtr="0" anchor="t" bIns="38100" lIns="38100" spcFirstLastPara="1" rIns="38100" wrap="square" tIns="38100">
-            <a:noAutofit/>
-          </a:bodyPr>
-          <a:lstStyle/>
-          <a:p>
-            <a:pPr indent="0" lvl="0" marL="0" marR="0" rtl="0" algn="l">
-              <a:lnSpc>
-                <a:spcPct val="100000"/>
-              </a:lnSpc>
-              <a:spcBef>
-                <a:spcPts val="0"/>
-              </a:spcBef>
-              <a:spcAft>
-                <a:spcPts val="0"/>
-              </a:spcAft>
-              <a:buClr>
-                <a:srgbClr val="000000"/>
-              </a:buClr>
-              <a:buSzPts val="1800"/>
-              <a:buFont typeface="Arial"/>
-              <a:buNone/>
-            </a:pPr>
-            <a:r>
-              <a:rPr b="0" i="0" lang="en-US" sz="1800" u="none" cap="none" strike="noStrike">
-                <a:solidFill>
-                  <a:schemeClr val="dk1"/>
-                </a:solidFill>
-                <a:latin typeface="Courier New"/>
-                <a:ea typeface="Courier New"/>
-                <a:cs typeface="Courier New"/>
-                <a:sym typeface="Courier New"/>
-              </a:rPr>
-              <a:t>fun(0)  ➙	3.14</a:t>
-            </a:r>
-            <a:endParaRPr b="0" i="0" sz="2400" u="none" cap="none" strike="noStrike">
-              <a:solidFill>
-                <a:schemeClr val="dk1"/>
-              </a:solidFill>
-              <a:latin typeface="Arial Narrow"/>
-              <a:ea typeface="Arial Narrow"/>
-              <a:cs typeface="Arial Narrow"/>
-              <a:sym typeface="Arial Narrow"/>
-            </a:endParaRPr>
-          </a:p>
-          <a:p>
-            <a:pPr indent="0" lvl="0" marL="0" marR="0" rtl="0" algn="l">
-              <a:lnSpc>
-                <a:spcPct val="100000"/>
-              </a:lnSpc>
-              <a:spcBef>
-                <a:spcPts val="0"/>
-              </a:spcBef>
-              <a:spcAft>
-                <a:spcPts val="0"/>
-              </a:spcAft>
-              <a:buClr>
-                <a:srgbClr val="000000"/>
-              </a:buClr>
-              <a:buSzPts val="1800"/>
-              <a:buFont typeface="Arial"/>
-              <a:buNone/>
-            </a:pPr>
-            <a:r>
-              <a:rPr b="0" i="0" lang="en-US" sz="1800" u="none" cap="none" strike="noStrike">
-                <a:solidFill>
-                  <a:schemeClr val="dk1"/>
-                </a:solidFill>
-                <a:latin typeface="Courier New"/>
-                <a:ea typeface="Courier New"/>
-                <a:cs typeface="Courier New"/>
-                <a:sym typeface="Courier New"/>
-              </a:rPr>
-              <a:t>fun(1)  ➙	3.14</a:t>
-            </a:r>
-            <a:endParaRPr b="0" i="0" sz="2400" u="none" cap="none" strike="noStrike">
-              <a:solidFill>
-                <a:schemeClr val="dk1"/>
-              </a:solidFill>
-              <a:latin typeface="Arial Narrow"/>
-              <a:ea typeface="Arial Narrow"/>
-              <a:cs typeface="Arial Narrow"/>
-              <a:sym typeface="Arial Narrow"/>
-            </a:endParaRPr>
-          </a:p>
-          <a:p>
-            <a:pPr indent="0" lvl="0" marL="0" marR="0" rtl="0" algn="l">
-              <a:lnSpc>
-                <a:spcPct val="100000"/>
-              </a:lnSpc>
-              <a:spcBef>
-                <a:spcPts val="0"/>
-              </a:spcBef>
-              <a:spcAft>
-                <a:spcPts val="0"/>
-              </a:spcAft>
-              <a:buClr>
-                <a:srgbClr val="000000"/>
-              </a:buClr>
-              <a:buSzPts val="1800"/>
-              <a:buFont typeface="Arial"/>
-              <a:buNone/>
-            </a:pPr>
-            <a:r>
-              <a:rPr b="0" i="0" lang="en-US" sz="1800" u="none" cap="none" strike="noStrike">
-                <a:solidFill>
-                  <a:schemeClr val="dk1"/>
-                </a:solidFill>
-                <a:latin typeface="Courier New"/>
-                <a:ea typeface="Courier New"/>
-                <a:cs typeface="Courier New"/>
-                <a:sym typeface="Courier New"/>
-              </a:rPr>
-              <a:t>fun(2)  ➙	3.1399998664856</a:t>
-            </a:r>
-            <a:endParaRPr b="0" i="0" sz="2400" u="none" cap="none" strike="noStrike">
-              <a:solidFill>
-                <a:schemeClr val="dk1"/>
-              </a:solidFill>
-              <a:latin typeface="Arial Narrow"/>
-              <a:ea typeface="Arial Narrow"/>
-              <a:cs typeface="Arial Narrow"/>
-              <a:sym typeface="Arial Narrow"/>
-            </a:endParaRPr>
-          </a:p>
-          <a:p>
-            <a:pPr indent="0" lvl="0" marL="0" marR="0" rtl="0" algn="l">
-              <a:lnSpc>
-                <a:spcPct val="100000"/>
-              </a:lnSpc>
-              <a:spcBef>
-                <a:spcPts val="0"/>
-              </a:spcBef>
-              <a:spcAft>
-                <a:spcPts val="0"/>
-              </a:spcAft>
-              <a:buClr>
-                <a:srgbClr val="000000"/>
-              </a:buClr>
-              <a:buSzPts val="1800"/>
-              <a:buFont typeface="Arial"/>
-              <a:buNone/>
-            </a:pPr>
-            <a:r>
-              <a:rPr b="0" i="0" lang="en-US" sz="1800" u="none" cap="none" strike="noStrike">
-                <a:solidFill>
-                  <a:schemeClr val="dk1"/>
-                </a:solidFill>
-                <a:latin typeface="Courier New"/>
-                <a:ea typeface="Courier New"/>
-                <a:cs typeface="Courier New"/>
-                <a:sym typeface="Courier New"/>
-              </a:rPr>
-              <a:t>fun(3)  ➙	2.00000061035156</a:t>
-            </a:r>
-            <a:endParaRPr b="0" i="0" sz="2400" u="none" cap="none" strike="noStrike">
-              <a:solidFill>
-                <a:schemeClr val="dk1"/>
-              </a:solidFill>
-              <a:latin typeface="Arial Narrow"/>
-              <a:ea typeface="Arial Narrow"/>
-              <a:cs typeface="Arial Narrow"/>
-              <a:sym typeface="Arial Narrow"/>
-            </a:endParaRPr>
-          </a:p>
-          <a:p>
-            <a:pPr indent="0" lvl="0" marL="0" marR="0" rtl="0" algn="l">
-              <a:lnSpc>
-                <a:spcPct val="100000"/>
-              </a:lnSpc>
-              <a:spcBef>
-                <a:spcPts val="0"/>
-              </a:spcBef>
-              <a:spcAft>
-                <a:spcPts val="0"/>
-              </a:spcAft>
-              <a:buClr>
-                <a:srgbClr val="000000"/>
-              </a:buClr>
-              <a:buSzPts val="1800"/>
-              <a:buFont typeface="Arial"/>
-              <a:buNone/>
-            </a:pPr>
-            <a:r>
-              <a:rPr b="0" i="0" lang="en-US" sz="1800" u="none" cap="none" strike="noStrike">
-                <a:solidFill>
-                  <a:schemeClr val="dk1"/>
-                </a:solidFill>
-                <a:latin typeface="Courier New"/>
-                <a:ea typeface="Courier New"/>
-                <a:cs typeface="Courier New"/>
-                <a:sym typeface="Courier New"/>
-              </a:rPr>
-              <a:t>fun(4)  ➙	3.14</a:t>
-            </a:r>
-            <a:endParaRPr b="0" i="0" sz="1400" u="none" cap="none" strike="noStrike">
-              <a:solidFill>
-                <a:srgbClr val="000000"/>
-              </a:solidFill>
-              <a:latin typeface="Arial"/>
-              <a:ea typeface="Arial"/>
-              <a:cs typeface="Arial"/>
-              <a:sym typeface="Arial"/>
-            </a:endParaRPr>
-          </a:p>
-          <a:p>
-            <a:pPr indent="0" lvl="0" marL="0" marR="0" rtl="0" algn="l">
-              <a:lnSpc>
-                <a:spcPct val="100000"/>
-              </a:lnSpc>
-              <a:spcBef>
-                <a:spcPts val="0"/>
-              </a:spcBef>
-              <a:spcAft>
-                <a:spcPts val="0"/>
-              </a:spcAft>
-              <a:buClr>
-                <a:srgbClr val="000000"/>
-              </a:buClr>
-              <a:buSzPts val="1800"/>
-              <a:buFont typeface="Arial"/>
-              <a:buNone/>
-            </a:pPr>
-            <a:r>
-              <a:rPr b="0" i="0" lang="en-US" sz="1800" u="none" cap="none" strike="noStrike">
-                <a:solidFill>
-                  <a:schemeClr val="dk1"/>
-                </a:solidFill>
-                <a:latin typeface="Courier New"/>
-                <a:ea typeface="Courier New"/>
-                <a:cs typeface="Courier New"/>
-                <a:sym typeface="Courier New"/>
-              </a:rPr>
-              <a:t>fun(6)  ➙	</a:t>
-            </a:r>
-            <a:r>
-              <a:rPr b="0" i="0" lang="en-US" sz="1800" u="none" cap="none" strike="noStrike">
-                <a:solidFill>
-                  <a:schemeClr val="dk1"/>
-                </a:solidFill>
-                <a:latin typeface="Calibri"/>
-                <a:ea typeface="Calibri"/>
-                <a:cs typeface="Calibri"/>
-                <a:sym typeface="Calibri"/>
-              </a:rPr>
-              <a:t>Segmentation fault</a:t>
-            </a:r>
-            <a:endParaRPr b="0" i="0" sz="1800" u="none" cap="none" strike="noStrike">
-              <a:solidFill>
-                <a:schemeClr val="dk1"/>
-              </a:solidFill>
-              <a:latin typeface="Courier New"/>
-              <a:ea typeface="Courier New"/>
-              <a:cs typeface="Courier New"/>
-              <a:sym typeface="Courier New"/>
-            </a:endParaRPr>
-          </a:p>
-        </p:txBody>
-      </p:sp>
-      <p:sp>
-        <p:nvSpPr>
-          <p:cNvPr id="203" name="Google Shape;203;p8"/>
-          <p:cNvSpPr/>
-          <p:nvPr/>
-        </p:nvSpPr>
-        <p:spPr>
-          <a:xfrm>
-            <a:off x="838200" y="1295400"/>
-            <a:ext cx="6553200" cy="2844800"/>
-          </a:xfrm>
-          <a:prstGeom prst="rect">
-            <a:avLst/>
-          </a:prstGeom>
+          <a:prstDash val="solid"/>
+        </a:ln>
+        <a:ln w="38100" cap="flat" cmpd="sng" algn="ctr">
           <a:solidFill>
-            <a:srgbClr val="F8F6D9"/>
+            <a:schemeClr val="phClr"/>
           </a:solidFill>
-          <a:ln cap="flat" cmpd="sng" w="9525">
-            <a:solidFill>
-              <a:schemeClr val="dk1"/>
-            </a:solidFill>
-            <a:prstDash val="solid"/>
-            <a:miter lim="800000"/>
-            <a:headEnd len="sm" w="sm" type="none"/>
-            <a:tailEnd len="sm" w="sm" type="none"/>
-          </a:ln>
-        </p:spPr>
-        <p:txBody>
-          <a:bodyPr anchorCtr="0" anchor="t" bIns="63500" lIns="63500" spcFirstLastPara="1" rIns="63500" wrap="square" tIns="63500">
-            <a:noAutofit/>
-          </a:bodyPr>
-          <a:lstStyle/>
-          <a:p>
-            <a:pPr indent="0" lvl="0" marL="0" marR="0" rtl="0" algn="l">
-              <a:lnSpc>
-                <a:spcPct val="100000"/>
-              </a:lnSpc>
-              <a:spcBef>
-                <a:spcPts val="0"/>
-              </a:spcBef>
-              <a:spcAft>
-                <a:spcPts val="0"/>
-              </a:spcAft>
-              <a:buClr>
-                <a:srgbClr val="000000"/>
-              </a:buClr>
-              <a:buSzPts val="1600"/>
-              <a:buFont typeface="Arial"/>
-              <a:buNone/>
-            </a:pPr>
-            <a:r>
-              <a:rPr b="1" i="0" lang="en-US" sz="1600" u="none" cap="none" strike="noStrike">
-                <a:solidFill>
-                  <a:schemeClr val="dk1"/>
-                </a:solidFill>
-                <a:latin typeface="Courier New"/>
-                <a:ea typeface="Courier New"/>
-                <a:cs typeface="Courier New"/>
-                <a:sym typeface="Courier New"/>
-              </a:rPr>
-              <a:t>typedef struct {</a:t>
-            </a:r>
-            <a:endParaRPr b="0" i="0" sz="1400" u="none" cap="none" strike="noStrike">
-              <a:solidFill>
-                <a:srgbClr val="000000"/>
-              </a:solidFill>
-              <a:latin typeface="Arial"/>
-              <a:ea typeface="Arial"/>
-              <a:cs typeface="Arial"/>
-              <a:sym typeface="Arial"/>
-            </a:endParaRPr>
-          </a:p>
-          <a:p>
-            <a:pPr indent="0" lvl="0" marL="0" marR="0" rtl="0" algn="l">
-              <a:lnSpc>
-                <a:spcPct val="100000"/>
-              </a:lnSpc>
-              <a:spcBef>
-                <a:spcPts val="0"/>
-              </a:spcBef>
-              <a:spcAft>
-                <a:spcPts val="0"/>
-              </a:spcAft>
-              <a:buClr>
-                <a:srgbClr val="000000"/>
-              </a:buClr>
-              <a:buSzPts val="1600"/>
-              <a:buFont typeface="Arial"/>
-              <a:buNone/>
-            </a:pPr>
-            <a:r>
-              <a:rPr b="1" i="0" lang="en-US" sz="1600" u="none" cap="none" strike="noStrike">
-                <a:solidFill>
-                  <a:schemeClr val="dk1"/>
-                </a:solidFill>
-                <a:latin typeface="Courier New"/>
-                <a:ea typeface="Courier New"/>
-                <a:cs typeface="Courier New"/>
-                <a:sym typeface="Courier New"/>
-              </a:rPr>
-              <a:t>  int a[2];</a:t>
-            </a:r>
-            <a:endParaRPr b="0" i="0" sz="1400" u="none" cap="none" strike="noStrike">
-              <a:solidFill>
-                <a:srgbClr val="000000"/>
-              </a:solidFill>
-              <a:latin typeface="Arial"/>
-              <a:ea typeface="Arial"/>
-              <a:cs typeface="Arial"/>
-              <a:sym typeface="Arial"/>
-            </a:endParaRPr>
-          </a:p>
-          <a:p>
-            <a:pPr indent="0" lvl="0" marL="0" marR="0" rtl="0" algn="l">
-              <a:lnSpc>
-                <a:spcPct val="100000"/>
-              </a:lnSpc>
-              <a:spcBef>
-                <a:spcPts val="0"/>
-              </a:spcBef>
-              <a:spcAft>
-                <a:spcPts val="0"/>
-              </a:spcAft>
-              <a:buClr>
-                <a:srgbClr val="000000"/>
-              </a:buClr>
-              <a:buSzPts val="1600"/>
-              <a:buFont typeface="Arial"/>
-              <a:buNone/>
-            </a:pPr>
-            <a:r>
-              <a:rPr b="1" i="0" lang="en-US" sz="1600" u="none" cap="none" strike="noStrike">
-                <a:solidFill>
-                  <a:schemeClr val="dk1"/>
-                </a:solidFill>
-                <a:latin typeface="Courier New"/>
-                <a:ea typeface="Courier New"/>
-                <a:cs typeface="Courier New"/>
-                <a:sym typeface="Courier New"/>
-              </a:rPr>
-              <a:t>  double d;</a:t>
-            </a:r>
-            <a:endParaRPr b="0" i="0" sz="1400" u="none" cap="none" strike="noStrike">
-              <a:solidFill>
-                <a:srgbClr val="000000"/>
-              </a:solidFill>
-              <a:latin typeface="Arial"/>
-              <a:ea typeface="Arial"/>
-              <a:cs typeface="Arial"/>
-              <a:sym typeface="Arial"/>
-            </a:endParaRPr>
-          </a:p>
-          <a:p>
-            <a:pPr indent="0" lvl="0" marL="0" marR="0" rtl="0" algn="l">
-              <a:lnSpc>
-                <a:spcPct val="100000"/>
-              </a:lnSpc>
-              <a:spcBef>
-                <a:spcPts val="0"/>
-              </a:spcBef>
-              <a:spcAft>
-                <a:spcPts val="0"/>
-              </a:spcAft>
-              <a:buClr>
-                <a:srgbClr val="000000"/>
-              </a:buClr>
-              <a:buSzPts val="1600"/>
-              <a:buFont typeface="Arial"/>
-              <a:buNone/>
-            </a:pPr>
-            <a:r>
-              <a:rPr b="1" i="0" lang="en-US" sz="1600" u="none" cap="none" strike="noStrike">
-                <a:solidFill>
-                  <a:schemeClr val="dk1"/>
-                </a:solidFill>
-                <a:latin typeface="Courier New"/>
-                <a:ea typeface="Courier New"/>
-                <a:cs typeface="Courier New"/>
-                <a:sym typeface="Courier New"/>
-              </a:rPr>
-              <a:t>} struct_t;</a:t>
-            </a:r>
-            <a:endParaRPr b="0" i="0" sz="1400" u="none" cap="none" strike="noStrike">
-              <a:solidFill>
-                <a:srgbClr val="000000"/>
-              </a:solidFill>
-              <a:latin typeface="Arial"/>
-              <a:ea typeface="Arial"/>
-              <a:cs typeface="Arial"/>
-              <a:sym typeface="Arial"/>
-            </a:endParaRPr>
-          </a:p>
-          <a:p>
-            <a:pPr indent="0" lvl="0" marL="0" marR="0" rtl="0" algn="l">
-              <a:lnSpc>
-                <a:spcPct val="100000"/>
-              </a:lnSpc>
-              <a:spcBef>
-                <a:spcPts val="0"/>
-              </a:spcBef>
-              <a:spcAft>
-                <a:spcPts val="0"/>
-              </a:spcAft>
-              <a:buClr>
-                <a:srgbClr val="000000"/>
-              </a:buClr>
-              <a:buSzPts val="1600"/>
-              <a:buFont typeface="Arial"/>
-              <a:buNone/>
-            </a:pPr>
-            <a:r>
-              <a:t/>
-            </a:r>
-            <a:endParaRPr b="1" i="0" sz="1600" u="none" cap="none" strike="noStrike">
-              <a:solidFill>
-                <a:schemeClr val="dk1"/>
-              </a:solidFill>
-              <a:latin typeface="Courier New"/>
-              <a:ea typeface="Courier New"/>
-              <a:cs typeface="Courier New"/>
-              <a:sym typeface="Courier New"/>
-            </a:endParaRPr>
-          </a:p>
-          <a:p>
-            <a:pPr indent="0" lvl="0" marL="0" marR="0" rtl="0" algn="l">
-              <a:lnSpc>
-                <a:spcPct val="100000"/>
-              </a:lnSpc>
-              <a:spcBef>
-                <a:spcPts val="0"/>
-              </a:spcBef>
-              <a:spcAft>
-                <a:spcPts val="0"/>
-              </a:spcAft>
-              <a:buClr>
-                <a:srgbClr val="000000"/>
-              </a:buClr>
-              <a:buSzPts val="1600"/>
-              <a:buFont typeface="Arial"/>
-              <a:buNone/>
-            </a:pPr>
-            <a:r>
-              <a:rPr b="1" lang="en-US" sz="1600">
-                <a:solidFill>
-                  <a:schemeClr val="dk1"/>
-                </a:solidFill>
-                <a:latin typeface="Courier New"/>
-                <a:ea typeface="Courier New"/>
-                <a:cs typeface="Courier New"/>
-                <a:sym typeface="Courier New"/>
-              </a:rPr>
-              <a:t>double</a:t>
-            </a:r>
-            <a:r>
-              <a:rPr b="1" i="0" lang="en-US" sz="1600" u="none" cap="none" strike="noStrike">
-                <a:solidFill>
-                  <a:schemeClr val="dk1"/>
-                </a:solidFill>
-                <a:latin typeface="Courier New"/>
-                <a:ea typeface="Courier New"/>
-                <a:cs typeface="Courier New"/>
-                <a:sym typeface="Courier New"/>
-              </a:rPr>
-              <a:t> fun(int i) {</a:t>
-            </a:r>
-            <a:endParaRPr b="1" i="0" sz="1600" u="none" cap="none" strike="noStrike">
-              <a:solidFill>
-                <a:schemeClr val="dk1"/>
-              </a:solidFill>
-              <a:latin typeface="Courier New"/>
-              <a:ea typeface="Courier New"/>
-              <a:cs typeface="Courier New"/>
-              <a:sym typeface="Courier New"/>
-            </a:endParaRPr>
-          </a:p>
-          <a:p>
-            <a:pPr indent="0" lvl="0" marL="0" marR="0" rtl="0" algn="l">
-              <a:lnSpc>
-                <a:spcPct val="100000"/>
-              </a:lnSpc>
-              <a:spcBef>
-                <a:spcPts val="0"/>
-              </a:spcBef>
-              <a:spcAft>
-                <a:spcPts val="0"/>
-              </a:spcAft>
-              <a:buClr>
-                <a:srgbClr val="000000"/>
-              </a:buClr>
-              <a:buSzPts val="1600"/>
-              <a:buFont typeface="Arial"/>
-              <a:buNone/>
-            </a:pPr>
-            <a:r>
-              <a:rPr b="1" i="0" lang="en-US" sz="1600" u="none" cap="none" strike="noStrike">
-                <a:solidFill>
-                  <a:schemeClr val="dk1"/>
-                </a:solidFill>
-                <a:latin typeface="Courier New"/>
-                <a:ea typeface="Courier New"/>
-                <a:cs typeface="Courier New"/>
-                <a:sym typeface="Courier New"/>
-              </a:rPr>
-              <a:t>  volatile struct_t s;</a:t>
-            </a:r>
-            <a:endParaRPr b="1" i="0" sz="1600" u="none" cap="none" strike="noStrike">
-              <a:solidFill>
-                <a:schemeClr val="dk1"/>
-              </a:solidFill>
-              <a:latin typeface="Courier New"/>
-              <a:ea typeface="Courier New"/>
-              <a:cs typeface="Courier New"/>
-              <a:sym typeface="Courier New"/>
-            </a:endParaRPr>
-          </a:p>
-          <a:p>
-            <a:pPr indent="0" lvl="0" marL="0" marR="0" rtl="0" algn="l">
-              <a:lnSpc>
-                <a:spcPct val="100000"/>
-              </a:lnSpc>
-              <a:spcBef>
-                <a:spcPts val="0"/>
-              </a:spcBef>
-              <a:spcAft>
-                <a:spcPts val="0"/>
-              </a:spcAft>
-              <a:buClr>
-                <a:srgbClr val="000000"/>
-              </a:buClr>
-              <a:buSzPts val="1600"/>
-              <a:buFont typeface="Arial"/>
-              <a:buNone/>
-            </a:pPr>
-            <a:r>
-              <a:rPr b="1" i="0" lang="en-US" sz="1600" u="none" cap="none" strike="noStrike">
-                <a:solidFill>
-                  <a:schemeClr val="dk1"/>
-                </a:solidFill>
-                <a:latin typeface="Courier New"/>
-                <a:ea typeface="Courier New"/>
-                <a:cs typeface="Courier New"/>
-                <a:sym typeface="Courier New"/>
-              </a:rPr>
-              <a:t>  s.d = 3.14;</a:t>
-            </a:r>
-            <a:endParaRPr b="1" i="0" sz="1600" u="none" cap="none" strike="noStrike">
-              <a:solidFill>
-                <a:schemeClr val="dk1"/>
-              </a:solidFill>
-              <a:latin typeface="Courier New"/>
-              <a:ea typeface="Courier New"/>
-              <a:cs typeface="Courier New"/>
-              <a:sym typeface="Courier New"/>
-            </a:endParaRPr>
-          </a:p>
-          <a:p>
-            <a:pPr indent="0" lvl="0" marL="0" marR="0" rtl="0" algn="l">
-              <a:lnSpc>
-                <a:spcPct val="100000"/>
-              </a:lnSpc>
-              <a:spcBef>
-                <a:spcPts val="0"/>
-              </a:spcBef>
-              <a:spcAft>
-                <a:spcPts val="0"/>
-              </a:spcAft>
-              <a:buClr>
-                <a:srgbClr val="000000"/>
-              </a:buClr>
-              <a:buSzPts val="1600"/>
-              <a:buFont typeface="Arial"/>
-              <a:buNone/>
-            </a:pPr>
-            <a:r>
-              <a:rPr b="1" i="0" lang="en-US" sz="1600" u="none" cap="none" strike="noStrike">
-                <a:solidFill>
-                  <a:schemeClr val="dk1"/>
-                </a:solidFill>
-                <a:latin typeface="Courier New"/>
-                <a:ea typeface="Courier New"/>
-                <a:cs typeface="Courier New"/>
-                <a:sym typeface="Courier New"/>
-              </a:rPr>
-              <a:t>  s.a[i] = 1073741824; /* Possibly out of bounds */</a:t>
-            </a:r>
-            <a:endParaRPr b="0" i="0" sz="1400" u="none" cap="none" strike="noStrike">
-              <a:solidFill>
-                <a:srgbClr val="000000"/>
-              </a:solidFill>
-              <a:latin typeface="Arial"/>
-              <a:ea typeface="Arial"/>
-              <a:cs typeface="Arial"/>
-              <a:sym typeface="Arial"/>
-            </a:endParaRPr>
-          </a:p>
-          <a:p>
-            <a:pPr indent="0" lvl="0" marL="0" marR="0" rtl="0" algn="l">
-              <a:lnSpc>
-                <a:spcPct val="100000"/>
-              </a:lnSpc>
-              <a:spcBef>
-                <a:spcPts val="0"/>
-              </a:spcBef>
-              <a:spcAft>
-                <a:spcPts val="0"/>
-              </a:spcAft>
-              <a:buClr>
-                <a:srgbClr val="000000"/>
-              </a:buClr>
-              <a:buSzPts val="1600"/>
-              <a:buFont typeface="Arial"/>
-              <a:buNone/>
-            </a:pPr>
-            <a:r>
-              <a:rPr b="1" i="0" lang="en-US" sz="1600" u="none" cap="none" strike="noStrike">
-                <a:solidFill>
-                  <a:schemeClr val="dk1"/>
-                </a:solidFill>
-                <a:latin typeface="Courier New"/>
-                <a:ea typeface="Courier New"/>
-                <a:cs typeface="Courier New"/>
-                <a:sym typeface="Courier New"/>
-              </a:rPr>
-              <a:t>  return s.</a:t>
-            </a:r>
-            <a:r>
-              <a:rPr b="1" lang="en-US" sz="1600">
-                <a:solidFill>
-                  <a:schemeClr val="dk1"/>
-                </a:solidFill>
-                <a:latin typeface="Courier New"/>
-                <a:ea typeface="Courier New"/>
-                <a:cs typeface="Courier New"/>
-                <a:sym typeface="Courier New"/>
-              </a:rPr>
-              <a:t>d</a:t>
-            </a:r>
-            <a:r>
-              <a:rPr b="1" i="0" lang="en-US" sz="1600" u="none" cap="none" strike="noStrike">
-                <a:solidFill>
-                  <a:schemeClr val="dk1"/>
-                </a:solidFill>
-                <a:latin typeface="Courier New"/>
-                <a:ea typeface="Courier New"/>
-                <a:cs typeface="Courier New"/>
-                <a:sym typeface="Courier New"/>
-              </a:rPr>
-              <a:t>;</a:t>
-            </a:r>
-            <a:endParaRPr b="1" i="0" sz="1600" u="none" cap="none" strike="noStrike">
-              <a:solidFill>
-                <a:schemeClr val="dk1"/>
-              </a:solidFill>
-              <a:latin typeface="Courier New"/>
-              <a:ea typeface="Courier New"/>
-              <a:cs typeface="Courier New"/>
-              <a:sym typeface="Courier New"/>
-            </a:endParaRPr>
-          </a:p>
-          <a:p>
-            <a:pPr indent="0" lvl="0" marL="0" marR="0" rtl="0" algn="l">
-              <a:lnSpc>
-                <a:spcPct val="100000"/>
-              </a:lnSpc>
-              <a:spcBef>
-                <a:spcPts val="0"/>
-              </a:spcBef>
-              <a:spcAft>
-                <a:spcPts val="0"/>
-              </a:spcAft>
-              <a:buClr>
-                <a:srgbClr val="000000"/>
-              </a:buClr>
-              <a:buSzPts val="1600"/>
-              <a:buFont typeface="Arial"/>
-              <a:buNone/>
-            </a:pPr>
-            <a:r>
-              <a:rPr b="1" i="0" lang="en-US" sz="1600" u="none" cap="none" strike="noStrike">
-                <a:solidFill>
-                  <a:schemeClr val="dk1"/>
-                </a:solidFill>
-                <a:latin typeface="Courier New"/>
-                <a:ea typeface="Courier New"/>
-                <a:cs typeface="Courier New"/>
-                <a:sym typeface="Courier New"/>
-              </a:rPr>
-              <a:t>}</a:t>
-            </a:r>
-            <a:endParaRPr b="0" i="0" sz="1400" u="none" cap="none" strike="noStrike">
-              <a:solidFill>
-                <a:srgbClr val="000000"/>
-              </a:solidFill>
-              <a:latin typeface="Arial"/>
-              <a:ea typeface="Arial"/>
-              <a:cs typeface="Arial"/>
-              <a:sym typeface="Arial"/>
-            </a:endParaRPr>
-          </a:p>
-        </p:txBody>
-      </p:sp>
-    </p:spTree>
-  </p:cSld>
-  <p:clrMapOvr>
-    <a:masterClrMapping/>
-  </p:clrMapOvr>
-  <p:timing>
-    <p:tnLst>
-      <p:par>
-        <p:cTn dur="indefinite" nodeType="tmRoot" restart="never">
-          <p:childTnLst>
-            <p:seq concurrent="1" nextAc="seek">
-              <p:cTn dur="indefinite" id="2" nodeType="mainSeq">
-                <p:childTnLst>
-                  <p:par>
-                    <p:cTn fill="hold">
-                      <p:stCondLst>
-                        <p:cond delay="indefinite"/>
-                      </p:stCondLst>
-                      <p:childTnLst>
-                        <p:par>
-                          <p:cTn fill="hold">
-                            <p:stCondLst>
-                              <p:cond delay="0"/>
-                            </p:stCondLst>
-                            <p:childTnLst>
-                              <p:par>
-                                <p:cTn fill="hold" nodeType="clickEffect" presetClass="entr" presetID="1" presetSubtype="0">
-                                  <p:stCondLst>
-                                    <p:cond delay="0"/>
-                                  </p:stCondLst>
-                                  <p:childTnLst>
-                                    <p:set>
-                                      <p:cBhvr>
-                                        <p:cTn dur="1" fill="hold">
-                                          <p:stCondLst>
-                                            <p:cond delay="0"/>
-                                          </p:stCondLst>
-                                        </p:cTn>
-                                        <p:tgtEl>
-                                          <p:spTgt spid="202">
-                                            <p:txEl>
-                                              <p:pRg end="0" st="0"/>
-                                            </p:txEl>
-                                          </p:spTgt>
-                                        </p:tgtEl>
-                                        <p:attrNameLst>
-                                          <p:attrName>style.visibility</p:attrName>
-                                        </p:attrNameLst>
-                                      </p:cBhvr>
-                                      <p:to>
-                                        <p:strVal val="visible"/>
-                                      </p:to>
-                                    </p:set>
-                                  </p:childTnLst>
-                                </p:cTn>
-                              </p:par>
-                            </p:childTnLst>
-                          </p:cTn>
-                        </p:par>
-                      </p:childTnLst>
-                    </p:cTn>
-                  </p:par>
-                  <p:par>
-                    <p:cTn fill="hold">
-                      <p:stCondLst>
-                        <p:cond delay="indefinite"/>
-                      </p:stCondLst>
-                      <p:childTnLst>
-                        <p:par>
-                          <p:cTn fill="hold">
-                            <p:stCondLst>
-                              <p:cond delay="0"/>
-                            </p:stCondLst>
-                            <p:childTnLst>
-                              <p:par>
-                                <p:cTn fill="hold" nodeType="clickEffect" presetClass="entr" presetID="1" presetSubtype="0">
-                                  <p:stCondLst>
-                                    <p:cond delay="0"/>
-                                  </p:stCondLst>
-                                  <p:childTnLst>
-                                    <p:set>
-                                      <p:cBhvr>
-                                        <p:cTn dur="1" fill="hold">
-                                          <p:stCondLst>
-                                            <p:cond delay="0"/>
-                                          </p:stCondLst>
-                                        </p:cTn>
-                                        <p:tgtEl>
-                                          <p:spTgt spid="202">
-                                            <p:txEl>
-                                              <p:pRg end="1" st="1"/>
-                                            </p:txEl>
-                                          </p:spTgt>
-                                        </p:tgtEl>
-                                        <p:attrNameLst>
-                                          <p:attrName>style.visibility</p:attrName>
-                                        </p:attrNameLst>
-                                      </p:cBhvr>
-                                      <p:to>
-                                        <p:strVal val="visible"/>
-                                      </p:to>
-                                    </p:set>
-                                  </p:childTnLst>
-                                </p:cTn>
-                              </p:par>
-                            </p:childTnLst>
-                          </p:cTn>
-                        </p:par>
-                      </p:childTnLst>
-                    </p:cTn>
-                  </p:par>
-                  <p:par>
-                    <p:cTn fill="hold">
-                      <p:stCondLst>
-                        <p:cond delay="indefinite"/>
-                      </p:stCondLst>
-                      <p:childTnLst>
-                        <p:par>
-                          <p:cTn fill="hold">
-                            <p:stCondLst>
-                              <p:cond delay="0"/>
-                            </p:stCondLst>
-                            <p:childTnLst>
-                              <p:par>
-                                <p:cTn fill="hold" nodeType="clickEffect" presetClass="entr" presetID="1" presetSubtype="0">
-                                  <p:stCondLst>
-                                    <p:cond delay="0"/>
-                                  </p:stCondLst>
-                                  <p:childTnLst>
-                                    <p:set>
-                                      <p:cBhvr>
-                                        <p:cTn dur="1" fill="hold">
-                                          <p:stCondLst>
-                                            <p:cond delay="0"/>
-                                          </p:stCondLst>
-                                        </p:cTn>
-                                        <p:tgtEl>
-                                          <p:spTgt spid="202">
-                                            <p:txEl>
-                                              <p:pRg end="2" st="2"/>
-                                            </p:txEl>
-                                          </p:spTgt>
-                                        </p:tgtEl>
-                                        <p:attrNameLst>
-                                          <p:attrName>style.visibility</p:attrName>
-                                        </p:attrNameLst>
-                                      </p:cBhvr>
-                                      <p:to>
-                                        <p:strVal val="visible"/>
-                                      </p:to>
-                                    </p:set>
-                                  </p:childTnLst>
-                                </p:cTn>
-                              </p:par>
-                            </p:childTnLst>
-                          </p:cTn>
-                        </p:par>
-                      </p:childTnLst>
-                    </p:cTn>
-                  </p:par>
-                  <p:par>
-                    <p:cTn fill="hold">
-                      <p:stCondLst>
-                        <p:cond delay="indefinite"/>
-                      </p:stCondLst>
-                      <p:childTnLst>
-                        <p:par>
-                          <p:cTn fill="hold">
-                            <p:stCondLst>
-                              <p:cond delay="0"/>
-                            </p:stCondLst>
-                            <p:childTnLst>
-                              <p:par>
-                                <p:cTn fill="hold" nodeType="clickEffect" presetClass="entr" presetID="1" presetSubtype="0">
-                                  <p:stCondLst>
-                                    <p:cond delay="0"/>
-                                  </p:stCondLst>
-                                  <p:childTnLst>
-                                    <p:set>
-                                      <p:cBhvr>
-                                        <p:cTn dur="1" fill="hold">
-                                          <p:stCondLst>
-                                            <p:cond delay="0"/>
-                                          </p:stCondLst>
-                                        </p:cTn>
-                                        <p:tgtEl>
-                                          <p:spTgt spid="202">
-                                            <p:txEl>
-                                              <p:pRg end="3" st="3"/>
-                                            </p:txEl>
-                                          </p:spTgt>
-                                        </p:tgtEl>
-                                        <p:attrNameLst>
-                                          <p:attrName>style.visibility</p:attrName>
-                                        </p:attrNameLst>
-                                      </p:cBhvr>
-                                      <p:to>
-                                        <p:strVal val="visible"/>
-                                      </p:to>
-                                    </p:set>
-                                  </p:childTnLst>
-                                </p:cTn>
-                              </p:par>
-                            </p:childTnLst>
-                          </p:cTn>
-                        </p:par>
-                      </p:childTnLst>
-                    </p:cTn>
-                  </p:par>
-                  <p:par>
-                    <p:cTn fill="hold">
-                      <p:stCondLst>
-                        <p:cond delay="indefinite"/>
-                      </p:stCondLst>
-                      <p:childTnLst>
-                        <p:par>
-                          <p:cTn fill="hold">
-                            <p:stCondLst>
-                              <p:cond delay="0"/>
-                            </p:stCondLst>
-                            <p:childTnLst>
-                              <p:par>
-                                <p:cTn fill="hold" nodeType="clickEffect" presetClass="entr" presetID="1" presetSubtype="0">
-                                  <p:stCondLst>
-                                    <p:cond delay="0"/>
-                                  </p:stCondLst>
-                                  <p:childTnLst>
-                                    <p:set>
-                                      <p:cBhvr>
-                                        <p:cTn dur="1" fill="hold">
-                                          <p:stCondLst>
-                                            <p:cond delay="0"/>
-                                          </p:stCondLst>
-                                        </p:cTn>
-                                        <p:tgtEl>
-                                          <p:spTgt spid="202">
-                                            <p:txEl>
-                                              <p:pRg end="4" st="4"/>
-                                            </p:txEl>
-                                          </p:spTgt>
-                                        </p:tgtEl>
-                                        <p:attrNameLst>
-                                          <p:attrName>style.visibility</p:attrName>
-                                        </p:attrNameLst>
-                                      </p:cBhvr>
-                                      <p:to>
-                                        <p:strVal val="visible"/>
-                                      </p:to>
-                                    </p:set>
-                                  </p:childTnLst>
-                                </p:cTn>
-                              </p:par>
-                            </p:childTnLst>
-                          </p:cTn>
-                        </p:par>
-                      </p:childTnLst>
-                    </p:cTn>
-                  </p:par>
-                  <p:par>
-                    <p:cTn fill="hold">
-                      <p:stCondLst>
-                        <p:cond delay="indefinite"/>
-                      </p:stCondLst>
-                      <p:childTnLst>
-                        <p:par>
-                          <p:cTn fill="hold">
-                            <p:stCondLst>
-                              <p:cond delay="0"/>
-                            </p:stCondLst>
-                            <p:childTnLst>
-                              <p:par>
-                                <p:cTn fill="hold" nodeType="clickEffect" presetClass="entr" presetID="1" presetSubtype="0">
-                                  <p:stCondLst>
-                                    <p:cond delay="0"/>
-                                  </p:stCondLst>
-                                  <p:childTnLst>
-                                    <p:set>
-                                      <p:cBhvr>
-                                        <p:cTn dur="1" fill="hold">
-                                          <p:stCondLst>
-                                            <p:cond delay="0"/>
-                                          </p:stCondLst>
-                                        </p:cTn>
-                                        <p:tgtEl>
-                                          <p:spTgt spid="202">
-                                            <p:txEl>
-                                              <p:pRg end="5" st="5"/>
-                                            </p:txEl>
-                                          </p:spTgt>
-                                        </p:tgtEl>
-                                        <p:attrNameLst>
-                                          <p:attrName>style.visibility</p:attrName>
-                                        </p:attrNameLst>
-                                      </p:cBhvr>
-                                      <p:to>
-                                        <p:strVal val="visible"/>
-                                      </p:to>
-                                    </p:set>
-                                  </p:childTnLst>
-                                </p:cTn>
-                              </p:par>
-                            </p:childTnLst>
-                          </p:cTn>
-                        </p:par>
-                      </p:childTnLst>
-                    </p:cTn>
-                  </p:par>
-                </p:childTnLst>
-              </p:cTn>
-              <p:prevCondLst>
-                <p:cond evt="onPrev">
-                  <p:tgtEl>
-                    <p:sldTgt/>
-                  </p:tgtEl>
-                </p:cond>
-              </p:prevCondLst>
-              <p:nextCondLst>
-                <p:cond evt="onNext">
-                  <p:tgtEl>
-                    <p:sldTgt/>
-                  </p:tgtEl>
-                </p:cond>
-              </p:nextCondLst>
-            </p:seq>
-          </p:childTnLst>
-        </p:cTn>
-      </p:par>
-    </p:tnLst>
-  </p:timing>
-</p:sld>
+          <a:prstDash val="solid"/>
+        </a:ln>
+      </a:lnStyleLst>
+      <a:effectStyleLst>
+        <a:effectStyle>
+          <a:effectLst>
+            <a:outerShdw blurRad="40000" dist="20000" dir="5400000" rotWithShape="0">
+              <a:srgbClr val="000000">
+                <a:alpha val="38000"/>
+              </a:srgbClr>
+            </a:outerShdw>
+          </a:effectLst>
+        </a:effectStyle>
+        <a:effectStyle>
+          <a:effectLst>
+            <a:outerShdw blurRad="40000" dist="23000" dir="5400000" rotWithShape="0">
+              <a:srgbClr val="000000">
+                <a:alpha val="35000"/>
+              </a:srgbClr>
+            </a:outerShdw>
+          </a:effectLst>
+        </a:effectStyle>
+        <a:effectStyle>
+          <a:effectLst>
+            <a:outerShdw blurRad="40000" dist="23000" dir="5400000" rotWithShape="0">
+              <a:srgbClr val="000000">
+                <a:alpha val="35000"/>
+              </a:srgbClr>
+            </a:outerShdw>
+          </a:effectLst>
+          <a:scene3d>
+            <a:camera prst="orthographicFront">
+              <a:rot lat="0" lon="0" rev="0"/>
+            </a:camera>
+            <a:lightRig rig="threePt" dir="t">
+              <a:rot lat="0" lon="0" rev="1200000"/>
+            </a:lightRig>
+          </a:scene3d>
+          <a:sp3d>
+            <a:bevelT w="63500" h="25400"/>
+          </a:sp3d>
+        </a:effectStyle>
+      </a:effectStyleLst>
+      <a:bgFillStyleLst>
+        <a:solidFill>
+          <a:schemeClr val="phClr"/>
+        </a:solidFill>
+        <a:gradFill rotWithShape="1">
+          <a:gsLst>
+            <a:gs pos="0">
+              <a:schemeClr val="phClr">
+                <a:tint val="40000"/>
+                <a:satMod val="350000"/>
+              </a:schemeClr>
+            </a:gs>
+            <a:gs pos="40000">
+              <a:schemeClr val="phClr">
+                <a:tint val="45000"/>
+                <a:shade val="99000"/>
+                <a:satMod val="350000"/>
+              </a:schemeClr>
+            </a:gs>
+            <a:gs pos="100000">
+              <a:schemeClr val="phClr">
+                <a:shade val="20000"/>
+                <a:satMod val="255000"/>
+              </a:schemeClr>
+            </a:gs>
+          </a:gsLst>
+          <a:path path="circle">
+            <a:fillToRect l="50000" t="-80000" r="50000" b="180000"/>
+          </a:path>
+        </a:gradFill>
+        <a:gradFill rotWithShape="1">
+          <a:gsLst>
+            <a:gs pos="0">
+              <a:schemeClr val="phClr">
+                <a:tint val="80000"/>
+                <a:satMod val="300000"/>
+              </a:schemeClr>
+            </a:gs>
+            <a:gs pos="100000">
+              <a:schemeClr val="phClr">
+                <a:shade val="30000"/>
+                <a:satMod val="200000"/>
+              </a:schemeClr>
+            </a:gs>
+          </a:gsLst>
+          <a:path path="circle">
+            <a:fillToRect l="50000" t="50000" r="50000" b="50000"/>
+          </a:path>
+        </a:gradFill>
+      </a:bgFillStyleLst>
+    </a:fmtScheme>
+  </a:themeElements>
+</a:theme>
 </file>
 
-<file path=ppt/theme/theme1.xml><?xml version="1.0" encoding="utf-8"?>
+<file path=ppt/theme/theme2.xml><?xml version="1.0" encoding="utf-8"?>
 <a:theme xmlns:a="http://schemas.openxmlformats.org/drawingml/2006/main" xmlns:r="http://schemas.openxmlformats.org/officeDocument/2006/relationships" name="Title Only">
   <a:themeElements>
     <a:clrScheme name="">
@@ -36729,7 +37480,7 @@
 </a:theme>
 </file>
 
-<file path=ppt/theme/theme2.xml><?xml version="1.0" encoding="utf-8"?>
+<file path=ppt/theme/theme3.xml><?xml version="1.0" encoding="utf-8"?>
 <a:theme xmlns:a="http://schemas.openxmlformats.org/drawingml/2006/main" xmlns:r="http://schemas.openxmlformats.org/officeDocument/2006/relationships" name="Title Slide">
   <a:themeElements>
     <a:clrScheme name="">
@@ -36759,285 +37510,6 @@
       </a:accent4>
       <a:accent5>
         <a:srgbClr val="CAAAAA"/>
-      </a:accent5>
-      <a:accent6>
-        <a:srgbClr val="2D2D8A"/>
-      </a:accent6>
-      <a:hlink>
-        <a:srgbClr val="009999"/>
-      </a:hlink>
-      <a:folHlink>
-        <a:srgbClr val="99CC00"/>
-      </a:folHlink>
-    </a:clrScheme>
-    <a:fontScheme name="Office">
-      <a:majorFont>
-        <a:latin typeface="Arial"/>
-        <a:ea typeface=""/>
-        <a:cs typeface=""/>
-        <a:font script="Jpan" typeface="ＭＳ Ｐゴシック"/>
-        <a:font script="Hang" typeface="맑은 고딕"/>
-        <a:font script="Hans" typeface="宋体"/>
-        <a:font script="Hant" typeface="新細明體"/>
-        <a:font script="Arab" typeface="Times New Roman"/>
-        <a:font script="Hebr" typeface="Times New Roman"/>
-        <a:font script="Thai" typeface="Angsana New"/>
-        <a:font script="Ethi" typeface="Nyala"/>
-        <a:font script="Beng" typeface="Vrinda"/>
-        <a:font script="Gujr" typeface="Shruti"/>
-        <a:font script="Khmr" typeface="MoolBoran"/>
-        <a:font script="Knda" typeface="Tunga"/>
-        <a:font script="Guru" typeface="Raavi"/>
-        <a:font script="Cans" typeface="Euphemia"/>
-        <a:font script="Cher" typeface="Plantagenet Cherokee"/>
-        <a:font script="Yiii" typeface="Microsoft Yi Baiti"/>
-        <a:font script="Tibt" typeface="Microsoft Himalaya"/>
-        <a:font script="Thaa" typeface="MV Boli"/>
-        <a:font script="Deva" typeface="Mangal"/>
-        <a:font script="Telu" typeface="Gautami"/>
-        <a:font script="Taml" typeface="Latha"/>
-        <a:font script="Syrc" typeface="Estrangelo Edessa"/>
-        <a:font script="Orya" typeface="Kalinga"/>
-        <a:font script="Mlym" typeface="Kartika"/>
-        <a:font script="Laoo" typeface="DokChampa"/>
-        <a:font script="Sinh" typeface="Iskoola Pota"/>
-        <a:font script="Mong" typeface="Mongolian Baiti"/>
-        <a:font script="Viet" typeface="Times New Roman"/>
-        <a:font script="Uigh" typeface="Microsoft Uighur"/>
-        <a:font script="Geor" typeface="Sylfaen"/>
-      </a:majorFont>
-      <a:minorFont>
-        <a:latin typeface="Arial"/>
-        <a:ea typeface=""/>
-        <a:cs typeface=""/>
-        <a:font script="Jpan" typeface="ＭＳ Ｐゴシック"/>
-        <a:font script="Hang" typeface="맑은 고딕"/>
-        <a:font script="Hans" typeface="宋体"/>
-        <a:font script="Hant" typeface="新細明體"/>
-        <a:font script="Arab" typeface="Arial"/>
-        <a:font script="Hebr" typeface="Arial"/>
-        <a:font script="Thai" typeface="Cordia New"/>
-        <a:font script="Ethi" typeface="Nyala"/>
-        <a:font script="Beng" typeface="Vrinda"/>
-        <a:font script="Gujr" typeface="Shruti"/>
-        <a:font script="Khmr" typeface="DaunPenh"/>
-        <a:font script="Knda" typeface="Tunga"/>
-        <a:font script="Guru" typeface="Raavi"/>
-        <a:font script="Cans" typeface="Euphemia"/>
-        <a:font script="Cher" typeface="Plantagenet Cherokee"/>
-        <a:font script="Yiii" typeface="Microsoft Yi Baiti"/>
-        <a:font script="Tibt" typeface="Microsoft Himalaya"/>
-        <a:font script="Thaa" typeface="MV Boli"/>
-        <a:font script="Deva" typeface="Mangal"/>
-        <a:font script="Telu" typeface="Gautami"/>
-        <a:font script="Taml" typeface="Latha"/>
-        <a:font script="Syrc" typeface="Estrangelo Edessa"/>
-        <a:font script="Orya" typeface="Kalinga"/>
-        <a:font script="Mlym" typeface="Kartika"/>
-        <a:font script="Laoo" typeface="DokChampa"/>
-        <a:font script="Sinh" typeface="Iskoola Pota"/>
-        <a:font script="Mong" typeface="Mongolian Baiti"/>
-        <a:font script="Viet" typeface="Arial"/>
-        <a:font script="Uigh" typeface="Microsoft Uighur"/>
-        <a:font script="Geor" typeface="Sylfaen"/>
-      </a:minorFont>
-    </a:fontScheme>
-    <a:fmtScheme name="Office">
-      <a:fillStyleLst>
-        <a:solidFill>
-          <a:schemeClr val="phClr"/>
-        </a:solidFill>
-        <a:gradFill rotWithShape="1">
-          <a:gsLst>
-            <a:gs pos="0">
-              <a:schemeClr val="phClr">
-                <a:tint val="50000"/>
-                <a:satMod val="300000"/>
-              </a:schemeClr>
-            </a:gs>
-            <a:gs pos="35000">
-              <a:schemeClr val="phClr">
-                <a:tint val="37000"/>
-                <a:satMod val="300000"/>
-              </a:schemeClr>
-            </a:gs>
-            <a:gs pos="100000">
-              <a:schemeClr val="phClr">
-                <a:tint val="15000"/>
-                <a:satMod val="350000"/>
-              </a:schemeClr>
-            </a:gs>
-          </a:gsLst>
-          <a:lin ang="16200000" scaled="1"/>
-        </a:gradFill>
-        <a:gradFill rotWithShape="1">
-          <a:gsLst>
-            <a:gs pos="0">
-              <a:schemeClr val="phClr">
-                <a:tint val="100000"/>
-                <a:shade val="100000"/>
-                <a:satMod val="130000"/>
-              </a:schemeClr>
-            </a:gs>
-            <a:gs pos="100000">
-              <a:schemeClr val="phClr">
-                <a:tint val="50000"/>
-                <a:shade val="100000"/>
-                <a:satMod val="350000"/>
-              </a:schemeClr>
-            </a:gs>
-          </a:gsLst>
-          <a:lin ang="16200000" scaled="0"/>
-        </a:gradFill>
-      </a:fillStyleLst>
-      <a:lnStyleLst>
-        <a:ln w="9525" cap="flat" cmpd="sng" algn="ctr">
-          <a:solidFill>
-            <a:schemeClr val="phClr">
-              <a:shade val="95000"/>
-              <a:satMod val="105000"/>
-            </a:schemeClr>
-          </a:solidFill>
-          <a:prstDash val="solid"/>
-        </a:ln>
-        <a:ln w="25400" cap="flat" cmpd="sng" algn="ctr">
-          <a:solidFill>
-            <a:schemeClr val="phClr"/>
-          </a:solidFill>
-          <a:prstDash val="solid"/>
-        </a:ln>
-        <a:ln w="38100" cap="flat" cmpd="sng" algn="ctr">
-          <a:solidFill>
-            <a:schemeClr val="phClr"/>
-          </a:solidFill>
-          <a:prstDash val="solid"/>
-        </a:ln>
-      </a:lnStyleLst>
-      <a:effectStyleLst>
-        <a:effectStyle>
-          <a:effectLst>
-            <a:outerShdw blurRad="40000" dist="20000" dir="5400000" rotWithShape="0">
-              <a:srgbClr val="000000">
-                <a:alpha val="38000"/>
-              </a:srgbClr>
-            </a:outerShdw>
-          </a:effectLst>
-        </a:effectStyle>
-        <a:effectStyle>
-          <a:effectLst>
-            <a:outerShdw blurRad="40000" dist="23000" dir="5400000" rotWithShape="0">
-              <a:srgbClr val="000000">
-                <a:alpha val="35000"/>
-              </a:srgbClr>
-            </a:outerShdw>
-          </a:effectLst>
-        </a:effectStyle>
-        <a:effectStyle>
-          <a:effectLst>
-            <a:outerShdw blurRad="40000" dist="23000" dir="5400000" rotWithShape="0">
-              <a:srgbClr val="000000">
-                <a:alpha val="35000"/>
-              </a:srgbClr>
-            </a:outerShdw>
-          </a:effectLst>
-          <a:scene3d>
-            <a:camera prst="orthographicFront">
-              <a:rot lat="0" lon="0" rev="0"/>
-            </a:camera>
-            <a:lightRig rig="threePt" dir="t">
-              <a:rot lat="0" lon="0" rev="1200000"/>
-            </a:lightRig>
-          </a:scene3d>
-          <a:sp3d>
-            <a:bevelT w="63500" h="25400"/>
-          </a:sp3d>
-        </a:effectStyle>
-      </a:effectStyleLst>
-      <a:bgFillStyleLst>
-        <a:solidFill>
-          <a:schemeClr val="phClr"/>
-        </a:solidFill>
-        <a:gradFill rotWithShape="1">
-          <a:gsLst>
-            <a:gs pos="0">
-              <a:schemeClr val="phClr">
-                <a:tint val="40000"/>
-                <a:satMod val="350000"/>
-              </a:schemeClr>
-            </a:gs>
-            <a:gs pos="40000">
-              <a:schemeClr val="phClr">
-                <a:tint val="45000"/>
-                <a:shade val="99000"/>
-                <a:satMod val="350000"/>
-              </a:schemeClr>
-            </a:gs>
-            <a:gs pos="100000">
-              <a:schemeClr val="phClr">
-                <a:shade val="20000"/>
-                <a:satMod val="255000"/>
-              </a:schemeClr>
-            </a:gs>
-          </a:gsLst>
-          <a:path path="circle">
-            <a:fillToRect l="50000" t="-80000" r="50000" b="180000"/>
-          </a:path>
-        </a:gradFill>
-        <a:gradFill rotWithShape="1">
-          <a:gsLst>
-            <a:gs pos="0">
-              <a:schemeClr val="phClr">
-                <a:tint val="80000"/>
-                <a:satMod val="300000"/>
-              </a:schemeClr>
-            </a:gs>
-            <a:gs pos="100000">
-              <a:schemeClr val="phClr">
-                <a:shade val="30000"/>
-                <a:satMod val="200000"/>
-              </a:schemeClr>
-            </a:gs>
-          </a:gsLst>
-          <a:path path="circle">
-            <a:fillToRect l="50000" t="50000" r="50000" b="50000"/>
-          </a:path>
-        </a:gradFill>
-      </a:bgFillStyleLst>
-    </a:fmtScheme>
-  </a:themeElements>
-</a:theme>
-</file>
-
-<file path=ppt/theme/theme3.xml><?xml version="1.0" encoding="utf-8"?>
-<a:theme xmlns:a="http://schemas.openxmlformats.org/drawingml/2006/main" xmlns:r="http://schemas.openxmlformats.org/officeDocument/2006/relationships" name="Office Theme">
-  <a:themeElements>
-    <a:clrScheme name="">
-      <a:dk1>
-        <a:srgbClr val="000000"/>
-      </a:dk1>
-      <a:lt1>
-        <a:srgbClr val="FFFFFF"/>
-      </a:lt1>
-      <a:dk2>
-        <a:srgbClr val="000000"/>
-      </a:dk2>
-      <a:lt2>
-        <a:srgbClr val="808080"/>
-      </a:lt2>
-      <a:accent1>
-        <a:srgbClr val="BBE0E3"/>
-      </a:accent1>
-      <a:accent2>
-        <a:srgbClr val="333399"/>
-      </a:accent2>
-      <a:accent3>
-        <a:srgbClr val="FFFFFF"/>
-      </a:accent3>
-      <a:accent4>
-        <a:srgbClr val="000000"/>
-      </a:accent4>
-      <a:accent5>
-        <a:srgbClr val="DAEDEF"/>
       </a:accent5>
       <a:accent6>
         <a:srgbClr val="2D2D8A"/>

--- a/weekly-material/Week1/Lec1/01-overview.pptx
+++ b/weekly-material/Week1/Lec1/01-overview.pptx
@@ -24471,7 +24471,7 @@
             <a:tbl>
               <a:tblPr>
                 <a:noFill/>
-                <a:tableStyleId>{6D1B3B3A-2459-47D5-AEC1-AF729658F296}</a:tableStyleId>
+                <a:tableStyleId>{7CCCA0B9-96CC-48B3-84A4-737960CAF7C0}</a:tableStyleId>
               </a:tblPr>
               <a:tblGrid>
                 <a:gridCol w="1638300"/>
@@ -30812,7 +30812,7 @@
             </a:pPr>
             <a:r>
               <a:rPr lang="en-US"/>
-              <a:t>How the course fits into the CS/ECE curriculum</a:t>
+              <a:t>How the course fits into the CS/CE curriculum</a:t>
             </a:r>
             <a:endParaRPr/>
           </a:p>
@@ -33394,8 +33394,8 @@
         </p:nvSpPr>
         <p:spPr>
           <a:xfrm>
-            <a:off x="2971800" y="2720975"/>
-            <a:ext cx="2870200" cy="784225"/>
+            <a:off x="1899450" y="2880725"/>
+            <a:ext cx="5345100" cy="784200"/>
           </a:xfrm>
           <a:prstGeom prst="rect">
             <a:avLst/>
@@ -33811,46 +33811,6 @@
             <a:r>
               <a:rPr lang="en-US"/>
               <a:t>Working on High Performance, High Concurrency Media Server</a:t>
-            </a:r>
-            <a:endParaRPr/>
-          </a:p>
-          <a:p>
-            <a:pPr indent="-251458" lvl="0" marL="254000" rtl="0" algn="l">
-              <a:lnSpc>
-                <a:spcPct val="100000"/>
-              </a:lnSpc>
-              <a:spcBef>
-                <a:spcPts val="600"/>
-              </a:spcBef>
-              <a:spcAft>
-                <a:spcPts val="0"/>
-              </a:spcAft>
-              <a:buSzPts val="1400"/>
-              <a:buChar char="⬛"/>
-            </a:pPr>
-            <a:r>
-              <a:rPr lang="en-US"/>
-              <a:t>Researcher at Ilia’s Computing Center</a:t>
-            </a:r>
-            <a:endParaRPr/>
-          </a:p>
-          <a:p>
-            <a:pPr indent="-354330" lvl="1" marL="914400" rtl="0" algn="l">
-              <a:lnSpc>
-                <a:spcPct val="100000"/>
-              </a:lnSpc>
-              <a:spcBef>
-                <a:spcPts val="600"/>
-              </a:spcBef>
-              <a:spcAft>
-                <a:spcPts val="0"/>
-              </a:spcAft>
-              <a:buSzPts val="1980"/>
-              <a:buChar char="▪"/>
-            </a:pPr>
-            <a:r>
-              <a:rPr lang="en-US"/>
-              <a:t>Heap Exploits</a:t>
             </a:r>
             <a:endParaRPr/>
           </a:p>
@@ -36923,7 +36883,7 @@
 </file>
 
 <file path=ppt/theme/theme1.xml><?xml version="1.0" encoding="utf-8"?>
-<a:theme xmlns:a="http://schemas.openxmlformats.org/drawingml/2006/main" xmlns:r="http://schemas.openxmlformats.org/officeDocument/2006/relationships" name="Office Theme">
+<a:theme xmlns:a="http://schemas.openxmlformats.org/drawingml/2006/main" xmlns:r="http://schemas.openxmlformats.org/officeDocument/2006/relationships" name="Title Slide">
   <a:themeElements>
     <a:clrScheme name="">
       <a:dk1>
@@ -36939,7 +36899,7 @@
         <a:srgbClr val="808080"/>
       </a:lt2>
       <a:accent1>
-        <a:srgbClr val="BBE0E3"/>
+        <a:srgbClr val="990000"/>
       </a:accent1>
       <a:accent2>
         <a:srgbClr val="333399"/>
@@ -36951,7 +36911,7 @@
         <a:srgbClr val="000000"/>
       </a:accent4>
       <a:accent5>
-        <a:srgbClr val="DAEDEF"/>
+        <a:srgbClr val="CAAAAA"/>
       </a:accent5>
       <a:accent6>
         <a:srgbClr val="2D2D8A"/>
@@ -37202,6 +37162,285 @@
 </file>
 
 <file path=ppt/theme/theme2.xml><?xml version="1.0" encoding="utf-8"?>
+<a:theme xmlns:a="http://schemas.openxmlformats.org/drawingml/2006/main" xmlns:r="http://schemas.openxmlformats.org/officeDocument/2006/relationships" name="Title and Content">
+  <a:themeElements>
+    <a:clrScheme name="">
+      <a:dk1>
+        <a:srgbClr val="000000"/>
+      </a:dk1>
+      <a:lt1>
+        <a:srgbClr val="FFFFFF"/>
+      </a:lt1>
+      <a:dk2>
+        <a:srgbClr val="000000"/>
+      </a:dk2>
+      <a:lt2>
+        <a:srgbClr val="C0C0C0"/>
+      </a:lt2>
+      <a:accent1>
+        <a:srgbClr val="990000"/>
+      </a:accent1>
+      <a:accent2>
+        <a:srgbClr val="333399"/>
+      </a:accent2>
+      <a:accent3>
+        <a:srgbClr val="FFFFFF"/>
+      </a:accent3>
+      <a:accent4>
+        <a:srgbClr val="000000"/>
+      </a:accent4>
+      <a:accent5>
+        <a:srgbClr val="CAAAAA"/>
+      </a:accent5>
+      <a:accent6>
+        <a:srgbClr val="2D2D8A"/>
+      </a:accent6>
+      <a:hlink>
+        <a:srgbClr val="009999"/>
+      </a:hlink>
+      <a:folHlink>
+        <a:srgbClr val="99CC00"/>
+      </a:folHlink>
+    </a:clrScheme>
+    <a:fontScheme name="Office">
+      <a:majorFont>
+        <a:latin typeface="Arial"/>
+        <a:ea typeface=""/>
+        <a:cs typeface=""/>
+        <a:font script="Jpan" typeface="ＭＳ Ｐゴシック"/>
+        <a:font script="Hang" typeface="맑은 고딕"/>
+        <a:font script="Hans" typeface="宋体"/>
+        <a:font script="Hant" typeface="新細明體"/>
+        <a:font script="Arab" typeface="Times New Roman"/>
+        <a:font script="Hebr" typeface="Times New Roman"/>
+        <a:font script="Thai" typeface="Angsana New"/>
+        <a:font script="Ethi" typeface="Nyala"/>
+        <a:font script="Beng" typeface="Vrinda"/>
+        <a:font script="Gujr" typeface="Shruti"/>
+        <a:font script="Khmr" typeface="MoolBoran"/>
+        <a:font script="Knda" typeface="Tunga"/>
+        <a:font script="Guru" typeface="Raavi"/>
+        <a:font script="Cans" typeface="Euphemia"/>
+        <a:font script="Cher" typeface="Plantagenet Cherokee"/>
+        <a:font script="Yiii" typeface="Microsoft Yi Baiti"/>
+        <a:font script="Tibt" typeface="Microsoft Himalaya"/>
+        <a:font script="Thaa" typeface="MV Boli"/>
+        <a:font script="Deva" typeface="Mangal"/>
+        <a:font script="Telu" typeface="Gautami"/>
+        <a:font script="Taml" typeface="Latha"/>
+        <a:font script="Syrc" typeface="Estrangelo Edessa"/>
+        <a:font script="Orya" typeface="Kalinga"/>
+        <a:font script="Mlym" typeface="Kartika"/>
+        <a:font script="Laoo" typeface="DokChampa"/>
+        <a:font script="Sinh" typeface="Iskoola Pota"/>
+        <a:font script="Mong" typeface="Mongolian Baiti"/>
+        <a:font script="Viet" typeface="Times New Roman"/>
+        <a:font script="Uigh" typeface="Microsoft Uighur"/>
+        <a:font script="Geor" typeface="Sylfaen"/>
+      </a:majorFont>
+      <a:minorFont>
+        <a:latin typeface="Arial"/>
+        <a:ea typeface=""/>
+        <a:cs typeface=""/>
+        <a:font script="Jpan" typeface="ＭＳ Ｐゴシック"/>
+        <a:font script="Hang" typeface="맑은 고딕"/>
+        <a:font script="Hans" typeface="宋体"/>
+        <a:font script="Hant" typeface="新細明體"/>
+        <a:font script="Arab" typeface="Arial"/>
+        <a:font script="Hebr" typeface="Arial"/>
+        <a:font script="Thai" typeface="Cordia New"/>
+        <a:font script="Ethi" typeface="Nyala"/>
+        <a:font script="Beng" typeface="Vrinda"/>
+        <a:font script="Gujr" typeface="Shruti"/>
+        <a:font script="Khmr" typeface="DaunPenh"/>
+        <a:font script="Knda" typeface="Tunga"/>
+        <a:font script="Guru" typeface="Raavi"/>
+        <a:font script="Cans" typeface="Euphemia"/>
+        <a:font script="Cher" typeface="Plantagenet Cherokee"/>
+        <a:font script="Yiii" typeface="Microsoft Yi Baiti"/>
+        <a:font script="Tibt" typeface="Microsoft Himalaya"/>
+        <a:font script="Thaa" typeface="MV Boli"/>
+        <a:font script="Deva" typeface="Mangal"/>
+        <a:font script="Telu" typeface="Gautami"/>
+        <a:font script="Taml" typeface="Latha"/>
+        <a:font script="Syrc" typeface="Estrangelo Edessa"/>
+        <a:font script="Orya" typeface="Kalinga"/>
+        <a:font script="Mlym" typeface="Kartika"/>
+        <a:font script="Laoo" typeface="DokChampa"/>
+        <a:font script="Sinh" typeface="Iskoola Pota"/>
+        <a:font script="Mong" typeface="Mongolian Baiti"/>
+        <a:font script="Viet" typeface="Arial"/>
+        <a:font script="Uigh" typeface="Microsoft Uighur"/>
+        <a:font script="Geor" typeface="Sylfaen"/>
+      </a:minorFont>
+    </a:fontScheme>
+    <a:fmtScheme name="Office">
+      <a:fillStyleLst>
+        <a:solidFill>
+          <a:schemeClr val="phClr"/>
+        </a:solidFill>
+        <a:gradFill rotWithShape="1">
+          <a:gsLst>
+            <a:gs pos="0">
+              <a:schemeClr val="phClr">
+                <a:tint val="50000"/>
+                <a:satMod val="300000"/>
+              </a:schemeClr>
+            </a:gs>
+            <a:gs pos="35000">
+              <a:schemeClr val="phClr">
+                <a:tint val="37000"/>
+                <a:satMod val="300000"/>
+              </a:schemeClr>
+            </a:gs>
+            <a:gs pos="100000">
+              <a:schemeClr val="phClr">
+                <a:tint val="15000"/>
+                <a:satMod val="350000"/>
+              </a:schemeClr>
+            </a:gs>
+          </a:gsLst>
+          <a:lin ang="16200000" scaled="1"/>
+        </a:gradFill>
+        <a:gradFill rotWithShape="1">
+          <a:gsLst>
+            <a:gs pos="0">
+              <a:schemeClr val="phClr">
+                <a:tint val="100000"/>
+                <a:shade val="100000"/>
+                <a:satMod val="130000"/>
+              </a:schemeClr>
+            </a:gs>
+            <a:gs pos="100000">
+              <a:schemeClr val="phClr">
+                <a:tint val="50000"/>
+                <a:shade val="100000"/>
+                <a:satMod val="350000"/>
+              </a:schemeClr>
+            </a:gs>
+          </a:gsLst>
+          <a:lin ang="16200000" scaled="0"/>
+        </a:gradFill>
+      </a:fillStyleLst>
+      <a:lnStyleLst>
+        <a:ln w="9525" cap="flat" cmpd="sng" algn="ctr">
+          <a:solidFill>
+            <a:schemeClr val="phClr">
+              <a:shade val="95000"/>
+              <a:satMod val="105000"/>
+            </a:schemeClr>
+          </a:solidFill>
+          <a:prstDash val="solid"/>
+        </a:ln>
+        <a:ln w="25400" cap="flat" cmpd="sng" algn="ctr">
+          <a:solidFill>
+            <a:schemeClr val="phClr"/>
+          </a:solidFill>
+          <a:prstDash val="solid"/>
+        </a:ln>
+        <a:ln w="38100" cap="flat" cmpd="sng" algn="ctr">
+          <a:solidFill>
+            <a:schemeClr val="phClr"/>
+          </a:solidFill>
+          <a:prstDash val="solid"/>
+        </a:ln>
+      </a:lnStyleLst>
+      <a:effectStyleLst>
+        <a:effectStyle>
+          <a:effectLst>
+            <a:outerShdw blurRad="40000" dist="20000" dir="5400000" rotWithShape="0">
+              <a:srgbClr val="000000">
+                <a:alpha val="38000"/>
+              </a:srgbClr>
+            </a:outerShdw>
+          </a:effectLst>
+        </a:effectStyle>
+        <a:effectStyle>
+          <a:effectLst>
+            <a:outerShdw blurRad="40000" dist="23000" dir="5400000" rotWithShape="0">
+              <a:srgbClr val="000000">
+                <a:alpha val="35000"/>
+              </a:srgbClr>
+            </a:outerShdw>
+          </a:effectLst>
+        </a:effectStyle>
+        <a:effectStyle>
+          <a:effectLst>
+            <a:outerShdw blurRad="40000" dist="23000" dir="5400000" rotWithShape="0">
+              <a:srgbClr val="000000">
+                <a:alpha val="35000"/>
+              </a:srgbClr>
+            </a:outerShdw>
+          </a:effectLst>
+          <a:scene3d>
+            <a:camera prst="orthographicFront">
+              <a:rot lat="0" lon="0" rev="0"/>
+            </a:camera>
+            <a:lightRig rig="threePt" dir="t">
+              <a:rot lat="0" lon="0" rev="1200000"/>
+            </a:lightRig>
+          </a:scene3d>
+          <a:sp3d>
+            <a:bevelT w="63500" h="25400"/>
+          </a:sp3d>
+        </a:effectStyle>
+      </a:effectStyleLst>
+      <a:bgFillStyleLst>
+        <a:solidFill>
+          <a:schemeClr val="phClr"/>
+        </a:solidFill>
+        <a:gradFill rotWithShape="1">
+          <a:gsLst>
+            <a:gs pos="0">
+              <a:schemeClr val="phClr">
+                <a:tint val="40000"/>
+                <a:satMod val="350000"/>
+              </a:schemeClr>
+            </a:gs>
+            <a:gs pos="40000">
+              <a:schemeClr val="phClr">
+                <a:tint val="45000"/>
+                <a:shade val="99000"/>
+                <a:satMod val="350000"/>
+              </a:schemeClr>
+            </a:gs>
+            <a:gs pos="100000">
+              <a:schemeClr val="phClr">
+                <a:shade val="20000"/>
+                <a:satMod val="255000"/>
+              </a:schemeClr>
+            </a:gs>
+          </a:gsLst>
+          <a:path path="circle">
+            <a:fillToRect l="50000" t="-80000" r="50000" b="180000"/>
+          </a:path>
+        </a:gradFill>
+        <a:gradFill rotWithShape="1">
+          <a:gsLst>
+            <a:gs pos="0">
+              <a:schemeClr val="phClr">
+                <a:tint val="80000"/>
+                <a:satMod val="300000"/>
+              </a:schemeClr>
+            </a:gs>
+            <a:gs pos="100000">
+              <a:schemeClr val="phClr">
+                <a:shade val="30000"/>
+                <a:satMod val="200000"/>
+              </a:schemeClr>
+            </a:gs>
+          </a:gsLst>
+          <a:path path="circle">
+            <a:fillToRect l="50000" t="50000" r="50000" b="50000"/>
+          </a:path>
+        </a:gradFill>
+      </a:bgFillStyleLst>
+    </a:fmtScheme>
+  </a:themeElements>
+</a:theme>
+</file>
+
+<file path=ppt/theme/theme3.xml><?xml version="1.0" encoding="utf-8"?>
 <a:theme xmlns:a="http://schemas.openxmlformats.org/drawingml/2006/main" xmlns:r="http://schemas.openxmlformats.org/officeDocument/2006/relationships" name="Title Only">
   <a:themeElements>
     <a:clrScheme name="">
@@ -37480,8 +37719,8 @@
 </a:theme>
 </file>
 
-<file path=ppt/theme/theme3.xml><?xml version="1.0" encoding="utf-8"?>
-<a:theme xmlns:a="http://schemas.openxmlformats.org/drawingml/2006/main" xmlns:r="http://schemas.openxmlformats.org/officeDocument/2006/relationships" name="Title Slide">
+<file path=ppt/theme/theme4.xml><?xml version="1.0" encoding="utf-8"?>
+<a:theme xmlns:a="http://schemas.openxmlformats.org/drawingml/2006/main" xmlns:r="http://schemas.openxmlformats.org/officeDocument/2006/relationships" name="Office Theme">
   <a:themeElements>
     <a:clrScheme name="">
       <a:dk1>
@@ -37497,7 +37736,7 @@
         <a:srgbClr val="808080"/>
       </a:lt2>
       <a:accent1>
-        <a:srgbClr val="990000"/>
+        <a:srgbClr val="BBE0E3"/>
       </a:accent1>
       <a:accent2>
         <a:srgbClr val="333399"/>
@@ -37509,286 +37748,7 @@
         <a:srgbClr val="000000"/>
       </a:accent4>
       <a:accent5>
-        <a:srgbClr val="CAAAAA"/>
-      </a:accent5>
-      <a:accent6>
-        <a:srgbClr val="2D2D8A"/>
-      </a:accent6>
-      <a:hlink>
-        <a:srgbClr val="009999"/>
-      </a:hlink>
-      <a:folHlink>
-        <a:srgbClr val="99CC00"/>
-      </a:folHlink>
-    </a:clrScheme>
-    <a:fontScheme name="Office">
-      <a:majorFont>
-        <a:latin typeface="Arial"/>
-        <a:ea typeface=""/>
-        <a:cs typeface=""/>
-        <a:font script="Jpan" typeface="ＭＳ Ｐゴシック"/>
-        <a:font script="Hang" typeface="맑은 고딕"/>
-        <a:font script="Hans" typeface="宋体"/>
-        <a:font script="Hant" typeface="新細明體"/>
-        <a:font script="Arab" typeface="Times New Roman"/>
-        <a:font script="Hebr" typeface="Times New Roman"/>
-        <a:font script="Thai" typeface="Angsana New"/>
-        <a:font script="Ethi" typeface="Nyala"/>
-        <a:font script="Beng" typeface="Vrinda"/>
-        <a:font script="Gujr" typeface="Shruti"/>
-        <a:font script="Khmr" typeface="MoolBoran"/>
-        <a:font script="Knda" typeface="Tunga"/>
-        <a:font script="Guru" typeface="Raavi"/>
-        <a:font script="Cans" typeface="Euphemia"/>
-        <a:font script="Cher" typeface="Plantagenet Cherokee"/>
-        <a:font script="Yiii" typeface="Microsoft Yi Baiti"/>
-        <a:font script="Tibt" typeface="Microsoft Himalaya"/>
-        <a:font script="Thaa" typeface="MV Boli"/>
-        <a:font script="Deva" typeface="Mangal"/>
-        <a:font script="Telu" typeface="Gautami"/>
-        <a:font script="Taml" typeface="Latha"/>
-        <a:font script="Syrc" typeface="Estrangelo Edessa"/>
-        <a:font script="Orya" typeface="Kalinga"/>
-        <a:font script="Mlym" typeface="Kartika"/>
-        <a:font script="Laoo" typeface="DokChampa"/>
-        <a:font script="Sinh" typeface="Iskoola Pota"/>
-        <a:font script="Mong" typeface="Mongolian Baiti"/>
-        <a:font script="Viet" typeface="Times New Roman"/>
-        <a:font script="Uigh" typeface="Microsoft Uighur"/>
-        <a:font script="Geor" typeface="Sylfaen"/>
-      </a:majorFont>
-      <a:minorFont>
-        <a:latin typeface="Arial"/>
-        <a:ea typeface=""/>
-        <a:cs typeface=""/>
-        <a:font script="Jpan" typeface="ＭＳ Ｐゴシック"/>
-        <a:font script="Hang" typeface="맑은 고딕"/>
-        <a:font script="Hans" typeface="宋体"/>
-        <a:font script="Hant" typeface="新細明體"/>
-        <a:font script="Arab" typeface="Arial"/>
-        <a:font script="Hebr" typeface="Arial"/>
-        <a:font script="Thai" typeface="Cordia New"/>
-        <a:font script="Ethi" typeface="Nyala"/>
-        <a:font script="Beng" typeface="Vrinda"/>
-        <a:font script="Gujr" typeface="Shruti"/>
-        <a:font script="Khmr" typeface="DaunPenh"/>
-        <a:font script="Knda" typeface="Tunga"/>
-        <a:font script="Guru" typeface="Raavi"/>
-        <a:font script="Cans" typeface="Euphemia"/>
-        <a:font script="Cher" typeface="Plantagenet Cherokee"/>
-        <a:font script="Yiii" typeface="Microsoft Yi Baiti"/>
-        <a:font script="Tibt" typeface="Microsoft Himalaya"/>
-        <a:font script="Thaa" typeface="MV Boli"/>
-        <a:font script="Deva" typeface="Mangal"/>
-        <a:font script="Telu" typeface="Gautami"/>
-        <a:font script="Taml" typeface="Latha"/>
-        <a:font script="Syrc" typeface="Estrangelo Edessa"/>
-        <a:font script="Orya" typeface="Kalinga"/>
-        <a:font script="Mlym" typeface="Kartika"/>
-        <a:font script="Laoo" typeface="DokChampa"/>
-        <a:font script="Sinh" typeface="Iskoola Pota"/>
-        <a:font script="Mong" typeface="Mongolian Baiti"/>
-        <a:font script="Viet" typeface="Arial"/>
-        <a:font script="Uigh" typeface="Microsoft Uighur"/>
-        <a:font script="Geor" typeface="Sylfaen"/>
-      </a:minorFont>
-    </a:fontScheme>
-    <a:fmtScheme name="Office">
-      <a:fillStyleLst>
-        <a:solidFill>
-          <a:schemeClr val="phClr"/>
-        </a:solidFill>
-        <a:gradFill rotWithShape="1">
-          <a:gsLst>
-            <a:gs pos="0">
-              <a:schemeClr val="phClr">
-                <a:tint val="50000"/>
-                <a:satMod val="300000"/>
-              </a:schemeClr>
-            </a:gs>
-            <a:gs pos="35000">
-              <a:schemeClr val="phClr">
-                <a:tint val="37000"/>
-                <a:satMod val="300000"/>
-              </a:schemeClr>
-            </a:gs>
-            <a:gs pos="100000">
-              <a:schemeClr val="phClr">
-                <a:tint val="15000"/>
-                <a:satMod val="350000"/>
-              </a:schemeClr>
-            </a:gs>
-          </a:gsLst>
-          <a:lin ang="16200000" scaled="1"/>
-        </a:gradFill>
-        <a:gradFill rotWithShape="1">
-          <a:gsLst>
-            <a:gs pos="0">
-              <a:schemeClr val="phClr">
-                <a:tint val="100000"/>
-                <a:shade val="100000"/>
-                <a:satMod val="130000"/>
-              </a:schemeClr>
-            </a:gs>
-            <a:gs pos="100000">
-              <a:schemeClr val="phClr">
-                <a:tint val="50000"/>
-                <a:shade val="100000"/>
-                <a:satMod val="350000"/>
-              </a:schemeClr>
-            </a:gs>
-          </a:gsLst>
-          <a:lin ang="16200000" scaled="0"/>
-        </a:gradFill>
-      </a:fillStyleLst>
-      <a:lnStyleLst>
-        <a:ln w="9525" cap="flat" cmpd="sng" algn="ctr">
-          <a:solidFill>
-            <a:schemeClr val="phClr">
-              <a:shade val="95000"/>
-              <a:satMod val="105000"/>
-            </a:schemeClr>
-          </a:solidFill>
-          <a:prstDash val="solid"/>
-        </a:ln>
-        <a:ln w="25400" cap="flat" cmpd="sng" algn="ctr">
-          <a:solidFill>
-            <a:schemeClr val="phClr"/>
-          </a:solidFill>
-          <a:prstDash val="solid"/>
-        </a:ln>
-        <a:ln w="38100" cap="flat" cmpd="sng" algn="ctr">
-          <a:solidFill>
-            <a:schemeClr val="phClr"/>
-          </a:solidFill>
-          <a:prstDash val="solid"/>
-        </a:ln>
-      </a:lnStyleLst>
-      <a:effectStyleLst>
-        <a:effectStyle>
-          <a:effectLst>
-            <a:outerShdw blurRad="40000" dist="20000" dir="5400000" rotWithShape="0">
-              <a:srgbClr val="000000">
-                <a:alpha val="38000"/>
-              </a:srgbClr>
-            </a:outerShdw>
-          </a:effectLst>
-        </a:effectStyle>
-        <a:effectStyle>
-          <a:effectLst>
-            <a:outerShdw blurRad="40000" dist="23000" dir="5400000" rotWithShape="0">
-              <a:srgbClr val="000000">
-                <a:alpha val="35000"/>
-              </a:srgbClr>
-            </a:outerShdw>
-          </a:effectLst>
-        </a:effectStyle>
-        <a:effectStyle>
-          <a:effectLst>
-            <a:outerShdw blurRad="40000" dist="23000" dir="5400000" rotWithShape="0">
-              <a:srgbClr val="000000">
-                <a:alpha val="35000"/>
-              </a:srgbClr>
-            </a:outerShdw>
-          </a:effectLst>
-          <a:scene3d>
-            <a:camera prst="orthographicFront">
-              <a:rot lat="0" lon="0" rev="0"/>
-            </a:camera>
-            <a:lightRig rig="threePt" dir="t">
-              <a:rot lat="0" lon="0" rev="1200000"/>
-            </a:lightRig>
-          </a:scene3d>
-          <a:sp3d>
-            <a:bevelT w="63500" h="25400"/>
-          </a:sp3d>
-        </a:effectStyle>
-      </a:effectStyleLst>
-      <a:bgFillStyleLst>
-        <a:solidFill>
-          <a:schemeClr val="phClr"/>
-        </a:solidFill>
-        <a:gradFill rotWithShape="1">
-          <a:gsLst>
-            <a:gs pos="0">
-              <a:schemeClr val="phClr">
-                <a:tint val="40000"/>
-                <a:satMod val="350000"/>
-              </a:schemeClr>
-            </a:gs>
-            <a:gs pos="40000">
-              <a:schemeClr val="phClr">
-                <a:tint val="45000"/>
-                <a:shade val="99000"/>
-                <a:satMod val="350000"/>
-              </a:schemeClr>
-            </a:gs>
-            <a:gs pos="100000">
-              <a:schemeClr val="phClr">
-                <a:shade val="20000"/>
-                <a:satMod val="255000"/>
-              </a:schemeClr>
-            </a:gs>
-          </a:gsLst>
-          <a:path path="circle">
-            <a:fillToRect l="50000" t="-80000" r="50000" b="180000"/>
-          </a:path>
-        </a:gradFill>
-        <a:gradFill rotWithShape="1">
-          <a:gsLst>
-            <a:gs pos="0">
-              <a:schemeClr val="phClr">
-                <a:tint val="80000"/>
-                <a:satMod val="300000"/>
-              </a:schemeClr>
-            </a:gs>
-            <a:gs pos="100000">
-              <a:schemeClr val="phClr">
-                <a:shade val="30000"/>
-                <a:satMod val="200000"/>
-              </a:schemeClr>
-            </a:gs>
-          </a:gsLst>
-          <a:path path="circle">
-            <a:fillToRect l="50000" t="50000" r="50000" b="50000"/>
-          </a:path>
-        </a:gradFill>
-      </a:bgFillStyleLst>
-    </a:fmtScheme>
-  </a:themeElements>
-</a:theme>
-</file>
-
-<file path=ppt/theme/theme4.xml><?xml version="1.0" encoding="utf-8"?>
-<a:theme xmlns:a="http://schemas.openxmlformats.org/drawingml/2006/main" xmlns:r="http://schemas.openxmlformats.org/officeDocument/2006/relationships" name="Title and Content">
-  <a:themeElements>
-    <a:clrScheme name="">
-      <a:dk1>
-        <a:srgbClr val="000000"/>
-      </a:dk1>
-      <a:lt1>
-        <a:srgbClr val="FFFFFF"/>
-      </a:lt1>
-      <a:dk2>
-        <a:srgbClr val="000000"/>
-      </a:dk2>
-      <a:lt2>
-        <a:srgbClr val="C0C0C0"/>
-      </a:lt2>
-      <a:accent1>
-        <a:srgbClr val="990000"/>
-      </a:accent1>
-      <a:accent2>
-        <a:srgbClr val="333399"/>
-      </a:accent2>
-      <a:accent3>
-        <a:srgbClr val="FFFFFF"/>
-      </a:accent3>
-      <a:accent4>
-        <a:srgbClr val="000000"/>
-      </a:accent4>
-      <a:accent5>
-        <a:srgbClr val="CAAAAA"/>
+        <a:srgbClr val="DAEDEF"/>
       </a:accent5>
       <a:accent6>
         <a:srgbClr val="2D2D8A"/>
